--- a/slides/TP557_7_Regressão_com_DNNs.pptx
+++ b/slides/TP557_7_Regressão_com_DNNs.pptx
@@ -291,7 +291,7 @@
           <a:p>
             <a:fld id="{144F1436-6906-4D93-B7A2-786C327BFA14}" type="datetimeFigureOut">
               <a:rPr lang="nl-BE" smtClean="0"/>
-              <a:t>1/08/2023</a:t>
+              <a:t>2/08/2023</a:t>
             </a:fld>
             <a:endParaRPr lang="nl-BE"/>
           </a:p>
@@ -456,7 +456,7 @@
           <a:p>
             <a:fld id="{AA8CD09E-2914-4F47-B6C1-51B2C31814C9}" type="datetimeFigureOut">
               <a:rPr lang="pt-BR" smtClean="0"/>
-              <a:t>01/08/2023</a:t>
+              <a:t>02/08/2023</a:t>
             </a:fld>
             <a:endParaRPr lang="pt-BR"/>
           </a:p>
@@ -1349,7 +1349,7 @@
           <a:p>
             <a:fld id="{63289F7E-B80B-496E-81B4-D396C37C9454}" type="datetimeFigureOut">
               <a:rPr lang="pt-BR" smtClean="0"/>
-              <a:t>01/08/2023</a:t>
+              <a:t>02/08/2023</a:t>
             </a:fld>
             <a:endParaRPr lang="pt-BR"/>
           </a:p>
@@ -1547,7 +1547,7 @@
           <a:p>
             <a:fld id="{63289F7E-B80B-496E-81B4-D396C37C9454}" type="datetimeFigureOut">
               <a:rPr lang="pt-BR" smtClean="0"/>
-              <a:t>01/08/2023</a:t>
+              <a:t>02/08/2023</a:t>
             </a:fld>
             <a:endParaRPr lang="pt-BR"/>
           </a:p>
@@ -1755,7 +1755,7 @@
           <a:p>
             <a:fld id="{63289F7E-B80B-496E-81B4-D396C37C9454}" type="datetimeFigureOut">
               <a:rPr lang="pt-BR" smtClean="0"/>
-              <a:t>01/08/2023</a:t>
+              <a:t>02/08/2023</a:t>
             </a:fld>
             <a:endParaRPr lang="pt-BR"/>
           </a:p>
@@ -1953,7 +1953,7 @@
           <a:p>
             <a:fld id="{63289F7E-B80B-496E-81B4-D396C37C9454}" type="datetimeFigureOut">
               <a:rPr lang="pt-BR" smtClean="0"/>
-              <a:t>01/08/2023</a:t>
+              <a:t>02/08/2023</a:t>
             </a:fld>
             <a:endParaRPr lang="pt-BR"/>
           </a:p>
@@ -2228,7 +2228,7 @@
           <a:p>
             <a:fld id="{63289F7E-B80B-496E-81B4-D396C37C9454}" type="datetimeFigureOut">
               <a:rPr lang="pt-BR" smtClean="0"/>
-              <a:t>01/08/2023</a:t>
+              <a:t>02/08/2023</a:t>
             </a:fld>
             <a:endParaRPr lang="pt-BR"/>
           </a:p>
@@ -2493,7 +2493,7 @@
           <a:p>
             <a:fld id="{63289F7E-B80B-496E-81B4-D396C37C9454}" type="datetimeFigureOut">
               <a:rPr lang="pt-BR" smtClean="0"/>
-              <a:t>01/08/2023</a:t>
+              <a:t>02/08/2023</a:t>
             </a:fld>
             <a:endParaRPr lang="pt-BR"/>
           </a:p>
@@ -2905,7 +2905,7 @@
           <a:p>
             <a:fld id="{63289F7E-B80B-496E-81B4-D396C37C9454}" type="datetimeFigureOut">
               <a:rPr lang="pt-BR" smtClean="0"/>
-              <a:t>01/08/2023</a:t>
+              <a:t>02/08/2023</a:t>
             </a:fld>
             <a:endParaRPr lang="pt-BR"/>
           </a:p>
@@ -3046,7 +3046,7 @@
           <a:p>
             <a:fld id="{63289F7E-B80B-496E-81B4-D396C37C9454}" type="datetimeFigureOut">
               <a:rPr lang="pt-BR" smtClean="0"/>
-              <a:t>01/08/2023</a:t>
+              <a:t>02/08/2023</a:t>
             </a:fld>
             <a:endParaRPr lang="pt-BR"/>
           </a:p>
@@ -3159,7 +3159,7 @@
           <a:p>
             <a:fld id="{63289F7E-B80B-496E-81B4-D396C37C9454}" type="datetimeFigureOut">
               <a:rPr lang="pt-BR" smtClean="0"/>
-              <a:t>01/08/2023</a:t>
+              <a:t>02/08/2023</a:t>
             </a:fld>
             <a:endParaRPr lang="pt-BR"/>
           </a:p>
@@ -3470,7 +3470,7 @@
           <a:p>
             <a:fld id="{63289F7E-B80B-496E-81B4-D396C37C9454}" type="datetimeFigureOut">
               <a:rPr lang="pt-BR" smtClean="0"/>
-              <a:t>01/08/2023</a:t>
+              <a:t>02/08/2023</a:t>
             </a:fld>
             <a:endParaRPr lang="pt-BR"/>
           </a:p>
@@ -3758,7 +3758,7 @@
           <a:p>
             <a:fld id="{63289F7E-B80B-496E-81B4-D396C37C9454}" type="datetimeFigureOut">
               <a:rPr lang="pt-BR" smtClean="0"/>
-              <a:t>01/08/2023</a:t>
+              <a:t>02/08/2023</a:t>
             </a:fld>
             <a:endParaRPr lang="pt-BR"/>
           </a:p>
@@ -3999,7 +3999,7 @@
           <a:p>
             <a:fld id="{63289F7E-B80B-496E-81B4-D396C37C9454}" type="datetimeFigureOut">
               <a:rPr lang="pt-BR" smtClean="0"/>
-              <a:t>01/08/2023</a:t>
+              <a:t>02/08/2023</a:t>
             </a:fld>
             <a:endParaRPr lang="pt-BR"/>
           </a:p>
@@ -10301,7 +10301,7 @@
           <a:p>
             <a:r>
               <a:rPr lang="pt-BR" dirty="0"/>
-              <a:t>Depois de definido a modelo, o compilamos.</a:t>
+              <a:t>Depois de termos definido o modelo, precisamos compilá-lo.</a:t>
             </a:r>
           </a:p>
           <a:p>
@@ -11834,7 +11834,11 @@
             </a:r>
             <a:r>
               <a:rPr lang="pt-BR" b="1" i="1" dirty="0"/>
-              <a:t>TP557 – Nossa primeira rede neural</a:t>
+              <a:t>TP557 – Regressão com </a:t>
+            </a:r>
+            <a:r>
+              <a:rPr lang="pt-BR" b="1" i="1" dirty="0" err="1"/>
+              <a:t>DNNs</a:t>
             </a:r>
             <a:r>
               <a:rPr lang="pt-BR" dirty="0"/>

--- a/slides/TP557_7_Regressão_com_DNNs.pptx
+++ b/slides/TP557_7_Regressão_com_DNNs.pptx
@@ -5,10 +5,10 @@
     <p:sldMasterId id="2147483648" r:id="rId1"/>
   </p:sldMasterIdLst>
   <p:notesMasterIdLst>
-    <p:notesMasterId r:id="rId19"/>
+    <p:notesMasterId r:id="rId21"/>
   </p:notesMasterIdLst>
   <p:handoutMasterIdLst>
-    <p:handoutMasterId r:id="rId20"/>
+    <p:handoutMasterId r:id="rId22"/>
   </p:handoutMasterIdLst>
   <p:sldIdLst>
     <p:sldId id="256" r:id="rId2"/>
@@ -25,9 +25,11 @@
     <p:sldId id="416" r:id="rId13"/>
     <p:sldId id="417" r:id="rId14"/>
     <p:sldId id="418" r:id="rId15"/>
-    <p:sldId id="405" r:id="rId16"/>
-    <p:sldId id="293" r:id="rId17"/>
-    <p:sldId id="306" r:id="rId18"/>
+    <p:sldId id="419" r:id="rId16"/>
+    <p:sldId id="420" r:id="rId17"/>
+    <p:sldId id="405" r:id="rId18"/>
+    <p:sldId id="293" r:id="rId19"/>
+    <p:sldId id="306" r:id="rId20"/>
   </p:sldIdLst>
   <p:sldSz cx="12192000" cy="6858000"/>
   <p:notesSz cx="7315200" cy="9601200"/>
@@ -1140,28 +1142,6 @@
           <a:bodyPr/>
           <a:lstStyle/>
           <a:p>
-            <a:r>
-              <a:rPr lang="pt-BR" dirty="0"/>
-              <a:t>https://colab.research.google.com/github/zz4fap/tp557-iot-ml/blob/master/</a:t>
-            </a:r>
-            <a:r>
-              <a:rPr lang="pt-BR" dirty="0" err="1"/>
-              <a:t>exercises</a:t>
-            </a:r>
-            <a:r>
-              <a:rPr lang="pt-BR" dirty="0"/>
-              <a:t>/</a:t>
-            </a:r>
-            <a:r>
-              <a:rPr lang="pt-BR" dirty="0" err="1"/>
-              <a:t>Exercício_gradiente_descendente.ipynb</a:t>
-            </a:r>
-            <a:endParaRPr lang="pt-BR" dirty="0"/>
-          </a:p>
-          <a:p>
-            <a:endParaRPr lang="pt-BR" dirty="0"/>
-          </a:p>
-          <a:p>
             <a:endParaRPr lang="pt-BR" dirty="0"/>
           </a:p>
         </p:txBody>
@@ -1184,6 +1164,196 @@
             <a:fld id="{6FC8D850-966F-45A6-8DE7-15B891E7D40D}" type="slidenum">
               <a:rPr lang="pt-BR" smtClean="0"/>
               <a:t>15</a:t>
+            </a:fld>
+            <a:endParaRPr lang="pt-BR"/>
+          </a:p>
+        </p:txBody>
+      </p:sp>
+    </p:spTree>
+    <p:extLst>
+      <p:ext uri="{BB962C8B-B14F-4D97-AF65-F5344CB8AC3E}">
+        <p14:creationId xmlns:p14="http://schemas.microsoft.com/office/powerpoint/2010/main" val="1814986650"/>
+      </p:ext>
+    </p:extLst>
+  </p:cSld>
+  <p:clrMapOvr>
+    <a:masterClrMapping/>
+  </p:clrMapOvr>
+</p:notes>
+</file>
+
+<file path=ppt/notesSlides/notesSlide6.xml><?xml version="1.0" encoding="utf-8"?>
+<p:notes xmlns:a="http://schemas.openxmlformats.org/drawingml/2006/main" xmlns:r="http://schemas.openxmlformats.org/officeDocument/2006/relationships" xmlns:p="http://schemas.openxmlformats.org/presentationml/2006/main">
+  <p:cSld>
+    <p:spTree>
+      <p:nvGrpSpPr>
+        <p:cNvPr id="1" name=""/>
+        <p:cNvGrpSpPr/>
+        <p:nvPr/>
+      </p:nvGrpSpPr>
+      <p:grpSpPr>
+        <a:xfrm>
+          <a:off x="0" y="0"/>
+          <a:ext cx="0" cy="0"/>
+          <a:chOff x="0" y="0"/>
+          <a:chExt cx="0" cy="0"/>
+        </a:xfrm>
+      </p:grpSpPr>
+      <p:sp>
+        <p:nvSpPr>
+          <p:cNvPr id="2" name="Espaço Reservado para Imagem de Slide 1"/>
+          <p:cNvSpPr>
+            <a:spLocks noGrp="1" noRot="1" noChangeAspect="1"/>
+          </p:cNvSpPr>
+          <p:nvPr>
+            <p:ph type="sldImg"/>
+          </p:nvPr>
+        </p:nvSpPr>
+        <p:spPr/>
+      </p:sp>
+      <p:sp>
+        <p:nvSpPr>
+          <p:cNvPr id="3" name="Espaço Reservado para Anotações 2"/>
+          <p:cNvSpPr>
+            <a:spLocks noGrp="1"/>
+          </p:cNvSpPr>
+          <p:nvPr>
+            <p:ph type="body" idx="1"/>
+          </p:nvPr>
+        </p:nvSpPr>
+        <p:spPr/>
+        <p:txBody>
+          <a:bodyPr/>
+          <a:lstStyle/>
+          <a:p>
+            <a:endParaRPr lang="pt-BR" dirty="0"/>
+          </a:p>
+        </p:txBody>
+      </p:sp>
+      <p:sp>
+        <p:nvSpPr>
+          <p:cNvPr id="4" name="Espaço Reservado para Número de Slide 3"/>
+          <p:cNvSpPr>
+            <a:spLocks noGrp="1"/>
+          </p:cNvSpPr>
+          <p:nvPr>
+            <p:ph type="sldNum" sz="quarter" idx="5"/>
+          </p:nvPr>
+        </p:nvSpPr>
+        <p:spPr/>
+        <p:txBody>
+          <a:bodyPr/>
+          <a:lstStyle/>
+          <a:p>
+            <a:fld id="{6FC8D850-966F-45A6-8DE7-15B891E7D40D}" type="slidenum">
+              <a:rPr lang="pt-BR" smtClean="0"/>
+              <a:t>16</a:t>
+            </a:fld>
+            <a:endParaRPr lang="pt-BR"/>
+          </a:p>
+        </p:txBody>
+      </p:sp>
+    </p:spTree>
+    <p:extLst>
+      <p:ext uri="{BB962C8B-B14F-4D97-AF65-F5344CB8AC3E}">
+        <p14:creationId xmlns:p14="http://schemas.microsoft.com/office/powerpoint/2010/main" val="4196608804"/>
+      </p:ext>
+    </p:extLst>
+  </p:cSld>
+  <p:clrMapOvr>
+    <a:masterClrMapping/>
+  </p:clrMapOvr>
+</p:notes>
+</file>
+
+<file path=ppt/notesSlides/notesSlide7.xml><?xml version="1.0" encoding="utf-8"?>
+<p:notes xmlns:a="http://schemas.openxmlformats.org/drawingml/2006/main" xmlns:r="http://schemas.openxmlformats.org/officeDocument/2006/relationships" xmlns:p="http://schemas.openxmlformats.org/presentationml/2006/main">
+  <p:cSld>
+    <p:spTree>
+      <p:nvGrpSpPr>
+        <p:cNvPr id="1" name=""/>
+        <p:cNvGrpSpPr/>
+        <p:nvPr/>
+      </p:nvGrpSpPr>
+      <p:grpSpPr>
+        <a:xfrm>
+          <a:off x="0" y="0"/>
+          <a:ext cx="0" cy="0"/>
+          <a:chOff x="0" y="0"/>
+          <a:chExt cx="0" cy="0"/>
+        </a:xfrm>
+      </p:grpSpPr>
+      <p:sp>
+        <p:nvSpPr>
+          <p:cNvPr id="2" name="Espaço Reservado para Imagem de Slide 1"/>
+          <p:cNvSpPr>
+            <a:spLocks noGrp="1" noRot="1" noChangeAspect="1"/>
+          </p:cNvSpPr>
+          <p:nvPr>
+            <p:ph type="sldImg"/>
+          </p:nvPr>
+        </p:nvSpPr>
+        <p:spPr/>
+      </p:sp>
+      <p:sp>
+        <p:nvSpPr>
+          <p:cNvPr id="3" name="Espaço Reservado para Anotações 2"/>
+          <p:cNvSpPr>
+            <a:spLocks noGrp="1"/>
+          </p:cNvSpPr>
+          <p:nvPr>
+            <p:ph type="body" idx="1"/>
+          </p:nvPr>
+        </p:nvSpPr>
+        <p:spPr/>
+        <p:txBody>
+          <a:bodyPr/>
+          <a:lstStyle/>
+          <a:p>
+            <a:r>
+              <a:rPr lang="pt-BR" dirty="0"/>
+              <a:t>https://colab.research.google.com/github/zz4fap/tp557-iot-ml/blob/master/</a:t>
+            </a:r>
+            <a:r>
+              <a:rPr lang="pt-BR" dirty="0" err="1"/>
+              <a:t>exercises</a:t>
+            </a:r>
+            <a:r>
+              <a:rPr lang="pt-BR" dirty="0"/>
+              <a:t>/</a:t>
+            </a:r>
+            <a:r>
+              <a:rPr lang="pt-BR" dirty="0" err="1"/>
+              <a:t>Exercício_gradiente_descendente.ipynb</a:t>
+            </a:r>
+            <a:endParaRPr lang="pt-BR" dirty="0"/>
+          </a:p>
+          <a:p>
+            <a:endParaRPr lang="pt-BR" dirty="0"/>
+          </a:p>
+          <a:p>
+            <a:endParaRPr lang="pt-BR" dirty="0"/>
+          </a:p>
+        </p:txBody>
+      </p:sp>
+      <p:sp>
+        <p:nvSpPr>
+          <p:cNvPr id="4" name="Espaço Reservado para Número de Slide 3"/>
+          <p:cNvSpPr>
+            <a:spLocks noGrp="1"/>
+          </p:cNvSpPr>
+          <p:nvPr>
+            <p:ph type="sldNum" sz="quarter" idx="5"/>
+          </p:nvPr>
+        </p:nvSpPr>
+        <p:spPr/>
+        <p:txBody>
+          <a:bodyPr/>
+          <a:lstStyle/>
+          <a:p>
+            <a:fld id="{6FC8D850-966F-45A6-8DE7-15B891E7D40D}" type="slidenum">
+              <a:rPr lang="pt-BR" smtClean="0"/>
+              <a:t>17</a:t>
             </a:fld>
             <a:endParaRPr lang="pt-BR"/>
           </a:p>
@@ -10295,7 +10465,7 @@
         </p:spPr>
         <p:txBody>
           <a:bodyPr>
-            <a:normAutofit/>
+            <a:normAutofit fontScale="92500" lnSpcReduction="20000"/>
           </a:bodyPr>
           <a:lstStyle/>
           <a:p>
@@ -10311,7 +10481,7 @@
             </a:r>
             <a:r>
               <a:rPr lang="pt-BR" b="1" i="1" dirty="0"/>
-              <a:t>função de erro</a:t>
+              <a:t>função de erro (perda)</a:t>
             </a:r>
             <a:r>
               <a:rPr lang="pt-BR" dirty="0"/>
@@ -10324,6 +10494,34 @@
             <a:r>
               <a:rPr lang="pt-BR" dirty="0"/>
               <a:t>.</a:t>
+            </a:r>
+          </a:p>
+          <a:p>
+            <a:r>
+              <a:rPr lang="pt-BR" dirty="0"/>
+              <a:t>A função de erro é o </a:t>
+            </a:r>
+            <a:r>
+              <a:rPr lang="pt-BR" b="1" i="1" dirty="0"/>
+              <a:t>erro quadrático médio</a:t>
+            </a:r>
+            <a:r>
+              <a:rPr lang="pt-BR" dirty="0"/>
+              <a:t>, como usamos anteriormente.</a:t>
+            </a:r>
+          </a:p>
+          <a:p>
+            <a:r>
+              <a:rPr lang="pt-BR" dirty="0"/>
+              <a:t>O </a:t>
+            </a:r>
+            <a:r>
+              <a:rPr lang="pt-BR" dirty="0" err="1"/>
+              <a:t>Tensorflow</a:t>
+            </a:r>
+            <a:r>
+              <a:rPr lang="pt-BR" dirty="0"/>
+              <a:t> se encarrega de realizar os cálculos do erro, não precisamos nos preocupar.</a:t>
             </a:r>
           </a:p>
         </p:txBody>
@@ -11784,6 +11982,3112 @@
           <p:cNvPr id="2" name="Título 1">
             <a:extLst>
               <a:ext uri="{FF2B5EF4-FFF2-40B4-BE49-F238E27FC236}">
+                <a16:creationId xmlns:a16="http://schemas.microsoft.com/office/drawing/2014/main" id="{86449F96-8B9C-8642-EE66-30B04CC16318}"/>
+              </a:ext>
+            </a:extLst>
+          </p:cNvPr>
+          <p:cNvSpPr>
+            <a:spLocks noGrp="1"/>
+          </p:cNvSpPr>
+          <p:nvPr>
+            <p:ph type="title"/>
+          </p:nvPr>
+        </p:nvSpPr>
+        <p:spPr/>
+        <p:txBody>
+          <a:bodyPr/>
+          <a:lstStyle/>
+          <a:p>
+            <a:r>
+              <a:rPr lang="pt-BR" dirty="0"/>
+              <a:t>Compilando a rede neural</a:t>
+            </a:r>
+          </a:p>
+        </p:txBody>
+      </p:sp>
+      <p:sp>
+        <p:nvSpPr>
+          <p:cNvPr id="3" name="Espaço Reservado para Conteúdo 2">
+            <a:extLst>
+              <a:ext uri="{FF2B5EF4-FFF2-40B4-BE49-F238E27FC236}">
+                <a16:creationId xmlns:a16="http://schemas.microsoft.com/office/drawing/2014/main" id="{5271C2DB-CB2D-7DA6-19D3-EA05C00F9996}"/>
+              </a:ext>
+            </a:extLst>
+          </p:cNvPr>
+          <p:cNvSpPr>
+            <a:spLocks noGrp="1"/>
+          </p:cNvSpPr>
+          <p:nvPr>
+            <p:ph idx="1"/>
+          </p:nvPr>
+        </p:nvSpPr>
+        <p:spPr>
+          <a:xfrm>
+            <a:off x="838200" y="4506686"/>
+            <a:ext cx="11234058" cy="2351313"/>
+          </a:xfrm>
+        </p:spPr>
+        <p:txBody>
+          <a:bodyPr>
+            <a:normAutofit fontScale="92500"/>
+          </a:bodyPr>
+          <a:lstStyle/>
+          <a:p>
+            <a:r>
+              <a:rPr lang="pt-BR" dirty="0"/>
+              <a:t>O </a:t>
+            </a:r>
+            <a:r>
+              <a:rPr lang="pt-BR" b="1" i="1" dirty="0"/>
+              <a:t>otimizador</a:t>
+            </a:r>
+            <a:r>
+              <a:rPr lang="pt-BR" dirty="0"/>
+              <a:t> é SGD, que significa </a:t>
+            </a:r>
+            <a:r>
+              <a:rPr lang="pt-BR" i="1" dirty="0" err="1"/>
+              <a:t>Stochastic</a:t>
+            </a:r>
+            <a:r>
+              <a:rPr lang="pt-BR" i="1" dirty="0"/>
+              <a:t> </a:t>
+            </a:r>
+            <a:r>
+              <a:rPr lang="pt-BR" i="1" dirty="0" err="1"/>
+              <a:t>Gradient</a:t>
+            </a:r>
+            <a:r>
+              <a:rPr lang="pt-BR" i="1" dirty="0"/>
+              <a:t> </a:t>
+            </a:r>
+            <a:r>
+              <a:rPr lang="pt-BR" i="1" dirty="0" err="1"/>
+              <a:t>Descent</a:t>
+            </a:r>
+            <a:r>
+              <a:rPr lang="pt-BR" dirty="0"/>
+              <a:t>.</a:t>
+            </a:r>
+          </a:p>
+          <a:p>
+            <a:r>
+              <a:rPr lang="pt-BR" dirty="0"/>
+              <a:t>Ele segue o processo que vimos anteriormente, o qual usa o vetor gradiente para caminhar (descer a) pela curva de erro até atingir um mínimo.</a:t>
+            </a:r>
+          </a:p>
+          <a:p>
+            <a:r>
+              <a:rPr lang="pt-BR" dirty="0"/>
+              <a:t>Percebam que não estamos fazendo, nem faremos, nenhum cálculo nós mesmos. Nós deixaremos o </a:t>
+            </a:r>
+            <a:r>
+              <a:rPr lang="pt-BR" dirty="0" err="1"/>
+              <a:t>TensorFlow</a:t>
+            </a:r>
+            <a:r>
+              <a:rPr lang="pt-BR" dirty="0"/>
+              <a:t> fazer isso por nós.</a:t>
+            </a:r>
+          </a:p>
+        </p:txBody>
+      </p:sp>
+      <p:sp>
+        <p:nvSpPr>
+          <p:cNvPr id="4" name="CaixaDeTexto 3">
+            <a:extLst>
+              <a:ext uri="{FF2B5EF4-FFF2-40B4-BE49-F238E27FC236}">
+                <a16:creationId xmlns:a16="http://schemas.microsoft.com/office/drawing/2014/main" id="{08E0EBAF-B825-EC26-6D53-38BD78023702}"/>
+              </a:ext>
+            </a:extLst>
+          </p:cNvPr>
+          <p:cNvSpPr txBox="1"/>
+          <p:nvPr/>
+        </p:nvSpPr>
+        <p:spPr>
+          <a:xfrm>
+            <a:off x="2370364" y="1690688"/>
+            <a:ext cx="7451271" cy="2585323"/>
+          </a:xfrm>
+          <a:prstGeom prst="rect">
+            <a:avLst/>
+          </a:prstGeom>
+          <a:noFill/>
+        </p:spPr>
+        <p:txBody>
+          <a:bodyPr wrap="square">
+            <a:spAutoFit/>
+          </a:bodyPr>
+          <a:lstStyle/>
+          <a:p>
+            <a:r>
+              <a:rPr lang="en-US" dirty="0">
+                <a:solidFill>
+                  <a:srgbClr val="000000"/>
+                </a:solidFill>
+                <a:highlight>
+                  <a:srgbClr val="FFFFFF"/>
+                </a:highlight>
+              </a:rPr>
+              <a:t>x </a:t>
+            </a:r>
+            <a:r>
+              <a:rPr lang="en-US" b="1" dirty="0">
+                <a:solidFill>
+                  <a:srgbClr val="000080"/>
+                </a:solidFill>
+                <a:highlight>
+                  <a:srgbClr val="FFFFFF"/>
+                </a:highlight>
+              </a:rPr>
+              <a:t>=</a:t>
+            </a:r>
+            <a:r>
+              <a:rPr lang="en-US" b="0" dirty="0">
+                <a:solidFill>
+                  <a:srgbClr val="000000"/>
+                </a:solidFill>
+                <a:highlight>
+                  <a:srgbClr val="FFFFFF"/>
+                </a:highlight>
+              </a:rPr>
+              <a:t> </a:t>
+            </a:r>
+            <a:r>
+              <a:rPr lang="en-US" b="0" dirty="0" err="1">
+                <a:solidFill>
+                  <a:srgbClr val="000000"/>
+                </a:solidFill>
+                <a:highlight>
+                  <a:srgbClr val="FFFFFF"/>
+                </a:highlight>
+              </a:rPr>
+              <a:t>np</a:t>
+            </a:r>
+            <a:r>
+              <a:rPr lang="en-US" b="1" dirty="0" err="1">
+                <a:solidFill>
+                  <a:srgbClr val="000080"/>
+                </a:solidFill>
+                <a:highlight>
+                  <a:srgbClr val="FFFFFF"/>
+                </a:highlight>
+              </a:rPr>
+              <a:t>.</a:t>
+            </a:r>
+            <a:r>
+              <a:rPr lang="en-US" b="0" dirty="0" err="1">
+                <a:solidFill>
+                  <a:srgbClr val="000000"/>
+                </a:solidFill>
+                <a:highlight>
+                  <a:srgbClr val="FFFFFF"/>
+                </a:highlight>
+              </a:rPr>
+              <a:t>array</a:t>
+            </a:r>
+            <a:r>
+              <a:rPr lang="en-US" b="1" dirty="0">
+                <a:solidFill>
+                  <a:srgbClr val="000080"/>
+                </a:solidFill>
+                <a:highlight>
+                  <a:srgbClr val="FFFFFF"/>
+                </a:highlight>
+              </a:rPr>
+              <a:t>([-</a:t>
+            </a:r>
+            <a:r>
+              <a:rPr lang="en-US" b="0" dirty="0">
+                <a:solidFill>
+                  <a:srgbClr val="FF0000"/>
+                </a:solidFill>
+                <a:highlight>
+                  <a:srgbClr val="FFFFFF"/>
+                </a:highlight>
+              </a:rPr>
+              <a:t>1.0</a:t>
+            </a:r>
+            <a:r>
+              <a:rPr lang="en-US" b="1" dirty="0">
+                <a:solidFill>
+                  <a:srgbClr val="000080"/>
+                </a:solidFill>
+                <a:highlight>
+                  <a:srgbClr val="FFFFFF"/>
+                </a:highlight>
+              </a:rPr>
+              <a:t>,</a:t>
+            </a:r>
+            <a:r>
+              <a:rPr lang="en-US" b="0" dirty="0">
+                <a:solidFill>
+                  <a:srgbClr val="000000"/>
+                </a:solidFill>
+                <a:highlight>
+                  <a:srgbClr val="FFFFFF"/>
+                </a:highlight>
+              </a:rPr>
+              <a:t>  </a:t>
+            </a:r>
+            <a:r>
+              <a:rPr lang="en-US" b="0" dirty="0">
+                <a:solidFill>
+                  <a:srgbClr val="FF0000"/>
+                </a:solidFill>
+                <a:highlight>
+                  <a:srgbClr val="FFFFFF"/>
+                </a:highlight>
+              </a:rPr>
+              <a:t>0.0</a:t>
+            </a:r>
+            <a:r>
+              <a:rPr lang="en-US" b="1" dirty="0">
+                <a:solidFill>
+                  <a:srgbClr val="000080"/>
+                </a:solidFill>
+                <a:highlight>
+                  <a:srgbClr val="FFFFFF"/>
+                </a:highlight>
+              </a:rPr>
+              <a:t>,</a:t>
+            </a:r>
+            <a:r>
+              <a:rPr lang="en-US" b="0" dirty="0">
+                <a:solidFill>
+                  <a:srgbClr val="000000"/>
+                </a:solidFill>
+                <a:highlight>
+                  <a:srgbClr val="FFFFFF"/>
+                </a:highlight>
+              </a:rPr>
+              <a:t> </a:t>
+            </a:r>
+            <a:r>
+              <a:rPr lang="en-US" b="0" dirty="0">
+                <a:solidFill>
+                  <a:srgbClr val="FF0000"/>
+                </a:solidFill>
+                <a:highlight>
+                  <a:srgbClr val="FFFFFF"/>
+                </a:highlight>
+              </a:rPr>
+              <a:t>1.0</a:t>
+            </a:r>
+            <a:r>
+              <a:rPr lang="en-US" b="1" dirty="0">
+                <a:solidFill>
+                  <a:srgbClr val="000080"/>
+                </a:solidFill>
+                <a:highlight>
+                  <a:srgbClr val="FFFFFF"/>
+                </a:highlight>
+              </a:rPr>
+              <a:t>,</a:t>
+            </a:r>
+            <a:r>
+              <a:rPr lang="en-US" b="0" dirty="0">
+                <a:solidFill>
+                  <a:srgbClr val="000000"/>
+                </a:solidFill>
+                <a:highlight>
+                  <a:srgbClr val="FFFFFF"/>
+                </a:highlight>
+              </a:rPr>
+              <a:t> </a:t>
+            </a:r>
+            <a:r>
+              <a:rPr lang="en-US" b="0" dirty="0">
+                <a:solidFill>
+                  <a:srgbClr val="FF0000"/>
+                </a:solidFill>
+                <a:highlight>
+                  <a:srgbClr val="FFFFFF"/>
+                </a:highlight>
+              </a:rPr>
+              <a:t>2.0</a:t>
+            </a:r>
+            <a:r>
+              <a:rPr lang="en-US" b="1" dirty="0">
+                <a:solidFill>
+                  <a:srgbClr val="000080"/>
+                </a:solidFill>
+                <a:highlight>
+                  <a:srgbClr val="FFFFFF"/>
+                </a:highlight>
+              </a:rPr>
+              <a:t>,</a:t>
+            </a:r>
+            <a:r>
+              <a:rPr lang="en-US" b="0" dirty="0">
+                <a:solidFill>
+                  <a:srgbClr val="000000"/>
+                </a:solidFill>
+                <a:highlight>
+                  <a:srgbClr val="FFFFFF"/>
+                </a:highlight>
+              </a:rPr>
+              <a:t> </a:t>
+            </a:r>
+            <a:r>
+              <a:rPr lang="en-US" b="0" dirty="0">
+                <a:solidFill>
+                  <a:srgbClr val="FF0000"/>
+                </a:solidFill>
+                <a:highlight>
+                  <a:srgbClr val="FFFFFF"/>
+                </a:highlight>
+              </a:rPr>
+              <a:t>3.0</a:t>
+            </a:r>
+            <a:r>
+              <a:rPr lang="en-US" b="1" dirty="0">
+                <a:solidFill>
+                  <a:srgbClr val="000080"/>
+                </a:solidFill>
+                <a:highlight>
+                  <a:srgbClr val="FFFFFF"/>
+                </a:highlight>
+              </a:rPr>
+              <a:t>,</a:t>
+            </a:r>
+            <a:r>
+              <a:rPr lang="en-US" b="0" dirty="0">
+                <a:solidFill>
+                  <a:srgbClr val="000000"/>
+                </a:solidFill>
+                <a:highlight>
+                  <a:srgbClr val="FFFFFF"/>
+                </a:highlight>
+              </a:rPr>
+              <a:t> </a:t>
+            </a:r>
+            <a:r>
+              <a:rPr lang="en-US" b="0" dirty="0">
+                <a:solidFill>
+                  <a:srgbClr val="FF0000"/>
+                </a:solidFill>
+                <a:highlight>
+                  <a:srgbClr val="FFFFFF"/>
+                </a:highlight>
+              </a:rPr>
+              <a:t>4.0</a:t>
+            </a:r>
+            <a:r>
+              <a:rPr lang="en-US" b="1" dirty="0">
+                <a:solidFill>
+                  <a:srgbClr val="000080"/>
+                </a:solidFill>
+                <a:highlight>
+                  <a:srgbClr val="FFFFFF"/>
+                </a:highlight>
+              </a:rPr>
+              <a:t>])</a:t>
+            </a:r>
+            <a:r>
+              <a:rPr lang="en-US" b="0" dirty="0">
+                <a:solidFill>
+                  <a:srgbClr val="000000"/>
+                </a:solidFill>
+                <a:highlight>
+                  <a:srgbClr val="FFFFFF"/>
+                </a:highlight>
+              </a:rPr>
+              <a:t> </a:t>
+            </a:r>
+          </a:p>
+          <a:p>
+            <a:r>
+              <a:rPr lang="es-ES" b="0" dirty="0">
+                <a:solidFill>
+                  <a:srgbClr val="000000"/>
+                </a:solidFill>
+                <a:highlight>
+                  <a:srgbClr val="FFFFFF"/>
+                </a:highlight>
+              </a:rPr>
+              <a:t>y </a:t>
+            </a:r>
+            <a:r>
+              <a:rPr lang="es-ES" b="1" dirty="0">
+                <a:solidFill>
+                  <a:srgbClr val="000080"/>
+                </a:solidFill>
+                <a:highlight>
+                  <a:srgbClr val="FFFFFF"/>
+                </a:highlight>
+              </a:rPr>
+              <a:t>=</a:t>
+            </a:r>
+            <a:r>
+              <a:rPr lang="es-ES" b="0" dirty="0">
+                <a:solidFill>
+                  <a:srgbClr val="000000"/>
+                </a:solidFill>
+                <a:highlight>
+                  <a:srgbClr val="FFFFFF"/>
+                </a:highlight>
+              </a:rPr>
+              <a:t> </a:t>
+            </a:r>
+            <a:r>
+              <a:rPr lang="es-ES" b="0" dirty="0" err="1">
+                <a:solidFill>
+                  <a:srgbClr val="000000"/>
+                </a:solidFill>
+                <a:highlight>
+                  <a:srgbClr val="FFFFFF"/>
+                </a:highlight>
+              </a:rPr>
+              <a:t>np</a:t>
+            </a:r>
+            <a:r>
+              <a:rPr lang="es-ES" b="1" dirty="0" err="1">
+                <a:solidFill>
+                  <a:srgbClr val="000080"/>
+                </a:solidFill>
+                <a:highlight>
+                  <a:srgbClr val="FFFFFF"/>
+                </a:highlight>
+              </a:rPr>
+              <a:t>.</a:t>
+            </a:r>
+            <a:r>
+              <a:rPr lang="es-ES" b="0" dirty="0" err="1">
+                <a:solidFill>
+                  <a:srgbClr val="000000"/>
+                </a:solidFill>
+                <a:highlight>
+                  <a:srgbClr val="FFFFFF"/>
+                </a:highlight>
+              </a:rPr>
+              <a:t>array</a:t>
+            </a:r>
+            <a:r>
+              <a:rPr lang="es-ES" b="1" dirty="0">
+                <a:solidFill>
+                  <a:srgbClr val="000080"/>
+                </a:solidFill>
+                <a:highlight>
+                  <a:srgbClr val="FFFFFF"/>
+                </a:highlight>
+              </a:rPr>
+              <a:t>([-</a:t>
+            </a:r>
+            <a:r>
+              <a:rPr lang="es-ES" b="0" dirty="0">
+                <a:solidFill>
+                  <a:srgbClr val="FF0000"/>
+                </a:solidFill>
+                <a:highlight>
+                  <a:srgbClr val="FFFFFF"/>
+                </a:highlight>
+              </a:rPr>
+              <a:t>3.0</a:t>
+            </a:r>
+            <a:r>
+              <a:rPr lang="es-ES" b="1" dirty="0">
+                <a:solidFill>
+                  <a:srgbClr val="000080"/>
+                </a:solidFill>
+                <a:highlight>
+                  <a:srgbClr val="FFFFFF"/>
+                </a:highlight>
+              </a:rPr>
+              <a:t>,</a:t>
+            </a:r>
+            <a:r>
+              <a:rPr lang="es-ES" b="0" dirty="0">
+                <a:solidFill>
+                  <a:srgbClr val="000000"/>
+                </a:solidFill>
+                <a:highlight>
+                  <a:srgbClr val="FFFFFF"/>
+                </a:highlight>
+              </a:rPr>
+              <a:t> </a:t>
+            </a:r>
+            <a:r>
+              <a:rPr lang="es-ES" b="1" dirty="0">
+                <a:solidFill>
+                  <a:srgbClr val="000080"/>
+                </a:solidFill>
+                <a:highlight>
+                  <a:srgbClr val="FFFFFF"/>
+                </a:highlight>
+              </a:rPr>
+              <a:t>-</a:t>
+            </a:r>
+            <a:r>
+              <a:rPr lang="es-ES" b="0" dirty="0">
+                <a:solidFill>
+                  <a:srgbClr val="FF0000"/>
+                </a:solidFill>
+                <a:highlight>
+                  <a:srgbClr val="FFFFFF"/>
+                </a:highlight>
+              </a:rPr>
+              <a:t>1.0</a:t>
+            </a:r>
+            <a:r>
+              <a:rPr lang="es-ES" b="1" dirty="0">
+                <a:solidFill>
+                  <a:srgbClr val="000080"/>
+                </a:solidFill>
+                <a:highlight>
+                  <a:srgbClr val="FFFFFF"/>
+                </a:highlight>
+              </a:rPr>
+              <a:t>,</a:t>
+            </a:r>
+            <a:r>
+              <a:rPr lang="es-ES" b="0" dirty="0">
+                <a:solidFill>
+                  <a:srgbClr val="000000"/>
+                </a:solidFill>
+                <a:highlight>
+                  <a:srgbClr val="FFFFFF"/>
+                </a:highlight>
+              </a:rPr>
+              <a:t> </a:t>
+            </a:r>
+            <a:r>
+              <a:rPr lang="es-ES" b="0" dirty="0">
+                <a:solidFill>
+                  <a:srgbClr val="FF0000"/>
+                </a:solidFill>
+                <a:highlight>
+                  <a:srgbClr val="FFFFFF"/>
+                </a:highlight>
+              </a:rPr>
+              <a:t>1.0</a:t>
+            </a:r>
+            <a:r>
+              <a:rPr lang="es-ES" b="1" dirty="0">
+                <a:solidFill>
+                  <a:srgbClr val="000080"/>
+                </a:solidFill>
+                <a:highlight>
+                  <a:srgbClr val="FFFFFF"/>
+                </a:highlight>
+              </a:rPr>
+              <a:t>,</a:t>
+            </a:r>
+            <a:r>
+              <a:rPr lang="es-ES" b="0" dirty="0">
+                <a:solidFill>
+                  <a:srgbClr val="000000"/>
+                </a:solidFill>
+                <a:highlight>
+                  <a:srgbClr val="FFFFFF"/>
+                </a:highlight>
+              </a:rPr>
+              <a:t> </a:t>
+            </a:r>
+            <a:r>
+              <a:rPr lang="es-ES" b="0" dirty="0">
+                <a:solidFill>
+                  <a:srgbClr val="FF0000"/>
+                </a:solidFill>
+                <a:highlight>
+                  <a:srgbClr val="FFFFFF"/>
+                </a:highlight>
+              </a:rPr>
+              <a:t>3.0</a:t>
+            </a:r>
+            <a:r>
+              <a:rPr lang="es-ES" b="1" dirty="0">
+                <a:solidFill>
+                  <a:srgbClr val="000080"/>
+                </a:solidFill>
+                <a:highlight>
+                  <a:srgbClr val="FFFFFF"/>
+                </a:highlight>
+              </a:rPr>
+              <a:t>,</a:t>
+            </a:r>
+            <a:r>
+              <a:rPr lang="es-ES" b="0" dirty="0">
+                <a:solidFill>
+                  <a:srgbClr val="000000"/>
+                </a:solidFill>
+                <a:highlight>
+                  <a:srgbClr val="FFFFFF"/>
+                </a:highlight>
+              </a:rPr>
+              <a:t> </a:t>
+            </a:r>
+            <a:r>
+              <a:rPr lang="es-ES" b="0" dirty="0">
+                <a:solidFill>
+                  <a:srgbClr val="FF0000"/>
+                </a:solidFill>
+                <a:highlight>
+                  <a:srgbClr val="FFFFFF"/>
+                </a:highlight>
+              </a:rPr>
+              <a:t>5.0</a:t>
+            </a:r>
+            <a:r>
+              <a:rPr lang="es-ES" b="1" dirty="0">
+                <a:solidFill>
+                  <a:srgbClr val="000080"/>
+                </a:solidFill>
+                <a:highlight>
+                  <a:srgbClr val="FFFFFF"/>
+                </a:highlight>
+              </a:rPr>
+              <a:t>,</a:t>
+            </a:r>
+            <a:r>
+              <a:rPr lang="es-ES" b="0" dirty="0">
+                <a:solidFill>
+                  <a:srgbClr val="000000"/>
+                </a:solidFill>
+                <a:highlight>
+                  <a:srgbClr val="FFFFFF"/>
+                </a:highlight>
+              </a:rPr>
+              <a:t> </a:t>
+            </a:r>
+            <a:r>
+              <a:rPr lang="es-ES" b="0" dirty="0">
+                <a:solidFill>
+                  <a:srgbClr val="FF0000"/>
+                </a:solidFill>
+                <a:highlight>
+                  <a:srgbClr val="FFFFFF"/>
+                </a:highlight>
+              </a:rPr>
+              <a:t>7.0</a:t>
+            </a:r>
+            <a:r>
+              <a:rPr lang="es-ES" b="1" dirty="0">
+                <a:solidFill>
+                  <a:srgbClr val="000080"/>
+                </a:solidFill>
+                <a:highlight>
+                  <a:srgbClr val="FFFFFF"/>
+                </a:highlight>
+              </a:rPr>
+              <a:t>])</a:t>
+            </a:r>
+            <a:endParaRPr lang="es-ES" b="0" dirty="0">
+              <a:solidFill>
+                <a:srgbClr val="000000"/>
+              </a:solidFill>
+              <a:highlight>
+                <a:srgbClr val="FFFFFF"/>
+              </a:highlight>
+            </a:endParaRPr>
+          </a:p>
+          <a:p>
+            <a:endParaRPr lang="pt-BR" b="0" dirty="0">
+              <a:solidFill>
+                <a:srgbClr val="000000"/>
+              </a:solidFill>
+              <a:highlight>
+                <a:srgbClr val="FFFFFF"/>
+              </a:highlight>
+            </a:endParaRPr>
+          </a:p>
+          <a:p>
+            <a:r>
+              <a:rPr lang="pt-BR" b="0" dirty="0">
+                <a:solidFill>
+                  <a:srgbClr val="000000"/>
+                </a:solidFill>
+                <a:highlight>
+                  <a:srgbClr val="FFFFFF"/>
+                </a:highlight>
+              </a:rPr>
+              <a:t>model </a:t>
+            </a:r>
+            <a:r>
+              <a:rPr lang="pt-BR" b="1" dirty="0">
+                <a:solidFill>
+                  <a:srgbClr val="000080"/>
+                </a:solidFill>
+                <a:highlight>
+                  <a:srgbClr val="FFFFFF"/>
+                </a:highlight>
+              </a:rPr>
+              <a:t>=</a:t>
+            </a:r>
+            <a:r>
+              <a:rPr lang="pt-BR" b="0" dirty="0">
+                <a:solidFill>
+                  <a:srgbClr val="000000"/>
+                </a:solidFill>
+                <a:highlight>
+                  <a:srgbClr val="FFFFFF"/>
+                </a:highlight>
+              </a:rPr>
+              <a:t> </a:t>
+            </a:r>
+            <a:r>
+              <a:rPr lang="pt-BR" b="0" dirty="0" err="1">
+                <a:solidFill>
+                  <a:srgbClr val="000000"/>
+                </a:solidFill>
+                <a:highlight>
+                  <a:srgbClr val="FFFFFF"/>
+                </a:highlight>
+              </a:rPr>
+              <a:t>tf</a:t>
+            </a:r>
+            <a:r>
+              <a:rPr lang="pt-BR" b="1" dirty="0" err="1">
+                <a:solidFill>
+                  <a:srgbClr val="000080"/>
+                </a:solidFill>
+                <a:highlight>
+                  <a:srgbClr val="FFFFFF"/>
+                </a:highlight>
+              </a:rPr>
+              <a:t>.</a:t>
+            </a:r>
+            <a:r>
+              <a:rPr lang="pt-BR" b="0" dirty="0" err="1">
+                <a:solidFill>
+                  <a:srgbClr val="000000"/>
+                </a:solidFill>
+                <a:highlight>
+                  <a:srgbClr val="FFFFFF"/>
+                </a:highlight>
+              </a:rPr>
+              <a:t>keras</a:t>
+            </a:r>
+            <a:r>
+              <a:rPr lang="pt-BR" b="1" dirty="0" err="1">
+                <a:solidFill>
+                  <a:srgbClr val="000080"/>
+                </a:solidFill>
+                <a:highlight>
+                  <a:srgbClr val="FFFFFF"/>
+                </a:highlight>
+              </a:rPr>
+              <a:t>.</a:t>
+            </a:r>
+            <a:r>
+              <a:rPr lang="pt-BR" b="0" dirty="0" err="1">
+                <a:solidFill>
+                  <a:srgbClr val="000000"/>
+                </a:solidFill>
+                <a:highlight>
+                  <a:srgbClr val="FFFFFF"/>
+                </a:highlight>
+              </a:rPr>
+              <a:t>Sequential</a:t>
+            </a:r>
+            <a:r>
+              <a:rPr lang="pt-BR" b="1" dirty="0">
+                <a:solidFill>
+                  <a:srgbClr val="000080"/>
+                </a:solidFill>
+                <a:highlight>
+                  <a:srgbClr val="FFFFFF"/>
+                </a:highlight>
+              </a:rPr>
+              <a:t>([</a:t>
+            </a:r>
+            <a:r>
+              <a:rPr lang="pt-BR" b="0" dirty="0" err="1">
+                <a:solidFill>
+                  <a:srgbClr val="000000"/>
+                </a:solidFill>
+                <a:highlight>
+                  <a:srgbClr val="FFFFFF"/>
+                </a:highlight>
+              </a:rPr>
+              <a:t>tf</a:t>
+            </a:r>
+            <a:r>
+              <a:rPr lang="pt-BR" b="1" dirty="0" err="1">
+                <a:solidFill>
+                  <a:srgbClr val="000080"/>
+                </a:solidFill>
+                <a:highlight>
+                  <a:srgbClr val="FFFFFF"/>
+                </a:highlight>
+              </a:rPr>
+              <a:t>.</a:t>
+            </a:r>
+            <a:r>
+              <a:rPr lang="pt-BR" b="0" dirty="0" err="1">
+                <a:solidFill>
+                  <a:srgbClr val="000000"/>
+                </a:solidFill>
+                <a:highlight>
+                  <a:srgbClr val="FFFFFF"/>
+                </a:highlight>
+              </a:rPr>
+              <a:t>keras</a:t>
+            </a:r>
+            <a:r>
+              <a:rPr lang="pt-BR" b="1" dirty="0" err="1">
+                <a:solidFill>
+                  <a:srgbClr val="000080"/>
+                </a:solidFill>
+                <a:highlight>
+                  <a:srgbClr val="FFFFFF"/>
+                </a:highlight>
+              </a:rPr>
+              <a:t>.</a:t>
+            </a:r>
+            <a:r>
+              <a:rPr lang="pt-BR" b="0" dirty="0" err="1">
+                <a:solidFill>
+                  <a:srgbClr val="000000"/>
+                </a:solidFill>
+                <a:highlight>
+                  <a:srgbClr val="FFFFFF"/>
+                </a:highlight>
+              </a:rPr>
+              <a:t>layers</a:t>
+            </a:r>
+            <a:r>
+              <a:rPr lang="pt-BR" b="1" dirty="0" err="1">
+                <a:solidFill>
+                  <a:srgbClr val="000080"/>
+                </a:solidFill>
+                <a:highlight>
+                  <a:srgbClr val="FFFFFF"/>
+                </a:highlight>
+              </a:rPr>
+              <a:t>.</a:t>
+            </a:r>
+            <a:r>
+              <a:rPr lang="pt-BR" b="0" dirty="0" err="1">
+                <a:solidFill>
+                  <a:srgbClr val="000000"/>
+                </a:solidFill>
+                <a:highlight>
+                  <a:srgbClr val="FFFFFF"/>
+                </a:highlight>
+              </a:rPr>
+              <a:t>Dense</a:t>
+            </a:r>
+            <a:r>
+              <a:rPr lang="pt-BR" b="1" dirty="0">
+                <a:solidFill>
+                  <a:srgbClr val="000080"/>
+                </a:solidFill>
+                <a:highlight>
+                  <a:srgbClr val="FFFFFF"/>
+                </a:highlight>
+              </a:rPr>
+              <a:t>(</a:t>
+            </a:r>
+            <a:r>
+              <a:rPr lang="pt-BR" b="0" dirty="0" err="1">
+                <a:solidFill>
+                  <a:srgbClr val="000000"/>
+                </a:solidFill>
+                <a:highlight>
+                  <a:srgbClr val="FFFFFF"/>
+                </a:highlight>
+              </a:rPr>
+              <a:t>units</a:t>
+            </a:r>
+            <a:r>
+              <a:rPr lang="pt-BR" b="1" dirty="0">
+                <a:solidFill>
+                  <a:srgbClr val="000080"/>
+                </a:solidFill>
+                <a:highlight>
+                  <a:srgbClr val="FFFFFF"/>
+                </a:highlight>
+              </a:rPr>
+              <a:t>=</a:t>
+            </a:r>
+            <a:r>
+              <a:rPr lang="pt-BR" b="0" dirty="0">
+                <a:solidFill>
+                  <a:srgbClr val="FF0000"/>
+                </a:solidFill>
+                <a:highlight>
+                  <a:srgbClr val="FFFFFF"/>
+                </a:highlight>
+              </a:rPr>
+              <a:t>1</a:t>
+            </a:r>
+            <a:r>
+              <a:rPr lang="pt-BR" b="1" dirty="0">
+                <a:solidFill>
+                  <a:srgbClr val="000080"/>
+                </a:solidFill>
+                <a:highlight>
+                  <a:srgbClr val="FFFFFF"/>
+                </a:highlight>
+              </a:rPr>
+              <a:t>,</a:t>
+            </a:r>
+            <a:r>
+              <a:rPr lang="pt-BR" b="0" dirty="0">
+                <a:solidFill>
+                  <a:srgbClr val="000000"/>
+                </a:solidFill>
+                <a:highlight>
+                  <a:srgbClr val="FFFFFF"/>
+                </a:highlight>
+              </a:rPr>
+              <a:t> </a:t>
+            </a:r>
+            <a:r>
+              <a:rPr lang="pt-BR" b="0" dirty="0" err="1">
+                <a:solidFill>
+                  <a:srgbClr val="000000"/>
+                </a:solidFill>
+                <a:highlight>
+                  <a:srgbClr val="FFFFFF"/>
+                </a:highlight>
+              </a:rPr>
+              <a:t>input_shape</a:t>
+            </a:r>
+            <a:r>
+              <a:rPr lang="pt-BR" b="1" dirty="0">
+                <a:solidFill>
+                  <a:srgbClr val="000080"/>
+                </a:solidFill>
+                <a:highlight>
+                  <a:srgbClr val="FFFFFF"/>
+                </a:highlight>
+              </a:rPr>
+              <a:t>=[</a:t>
+            </a:r>
+            <a:r>
+              <a:rPr lang="pt-BR" b="0" dirty="0">
+                <a:solidFill>
+                  <a:srgbClr val="FF0000"/>
+                </a:solidFill>
+                <a:highlight>
+                  <a:srgbClr val="FFFFFF"/>
+                </a:highlight>
+              </a:rPr>
+              <a:t>1</a:t>
+            </a:r>
+            <a:r>
+              <a:rPr lang="pt-BR" b="1" dirty="0">
+                <a:solidFill>
+                  <a:srgbClr val="000080"/>
+                </a:solidFill>
+                <a:highlight>
+                  <a:srgbClr val="FFFFFF"/>
+                </a:highlight>
+              </a:rPr>
+              <a:t>])])</a:t>
+            </a:r>
+            <a:endParaRPr lang="pt-BR" b="0" dirty="0">
+              <a:solidFill>
+                <a:srgbClr val="000000"/>
+              </a:solidFill>
+              <a:highlight>
+                <a:srgbClr val="FFFFFF"/>
+              </a:highlight>
+            </a:endParaRPr>
+          </a:p>
+          <a:p>
+            <a:r>
+              <a:rPr lang="en-US" b="0" dirty="0" err="1">
+                <a:solidFill>
+                  <a:srgbClr val="000000"/>
+                </a:solidFill>
+                <a:highlight>
+                  <a:srgbClr val="FFFFFF"/>
+                </a:highlight>
+              </a:rPr>
+              <a:t>model</a:t>
+            </a:r>
+            <a:r>
+              <a:rPr lang="en-US" b="1" dirty="0" err="1">
+                <a:solidFill>
+                  <a:srgbClr val="000080"/>
+                </a:solidFill>
+                <a:highlight>
+                  <a:srgbClr val="FFFFFF"/>
+                </a:highlight>
+              </a:rPr>
+              <a:t>.</a:t>
+            </a:r>
+            <a:r>
+              <a:rPr lang="en-US" b="1" dirty="0" err="1">
+                <a:solidFill>
+                  <a:srgbClr val="880088"/>
+                </a:solidFill>
+                <a:highlight>
+                  <a:srgbClr val="FFFFFF"/>
+                </a:highlight>
+              </a:rPr>
+              <a:t>compile</a:t>
+            </a:r>
+            <a:r>
+              <a:rPr lang="en-US" b="1" dirty="0">
+                <a:solidFill>
+                  <a:srgbClr val="000080"/>
+                </a:solidFill>
+                <a:highlight>
+                  <a:srgbClr val="FFFFFF"/>
+                </a:highlight>
+              </a:rPr>
+              <a:t>(</a:t>
+            </a:r>
+            <a:r>
+              <a:rPr lang="en-US" b="0" dirty="0">
+                <a:solidFill>
+                  <a:srgbClr val="000000"/>
+                </a:solidFill>
+                <a:highlight>
+                  <a:srgbClr val="FFFFFF"/>
+                </a:highlight>
+              </a:rPr>
+              <a:t>optimizer</a:t>
+            </a:r>
+            <a:r>
+              <a:rPr lang="en-US" b="1" dirty="0">
+                <a:solidFill>
+                  <a:srgbClr val="000080"/>
+                </a:solidFill>
+                <a:highlight>
+                  <a:srgbClr val="FFFFFF"/>
+                </a:highlight>
+              </a:rPr>
+              <a:t>=</a:t>
+            </a:r>
+            <a:r>
+              <a:rPr lang="en-US" b="0" dirty="0">
+                <a:solidFill>
+                  <a:srgbClr val="808080"/>
+                </a:solidFill>
+                <a:highlight>
+                  <a:srgbClr val="FFFFFF"/>
+                </a:highlight>
+              </a:rPr>
+              <a:t>'</a:t>
+            </a:r>
+            <a:r>
+              <a:rPr lang="en-US" b="0" dirty="0" err="1">
+                <a:solidFill>
+                  <a:srgbClr val="808080"/>
+                </a:solidFill>
+                <a:highlight>
+                  <a:srgbClr val="FFFFFF"/>
+                </a:highlight>
+              </a:rPr>
+              <a:t>sgd</a:t>
+            </a:r>
+            <a:r>
+              <a:rPr lang="en-US" b="0" dirty="0">
+                <a:solidFill>
+                  <a:srgbClr val="808080"/>
+                </a:solidFill>
+                <a:highlight>
+                  <a:srgbClr val="FFFFFF"/>
+                </a:highlight>
+              </a:rPr>
+              <a:t>'</a:t>
+            </a:r>
+            <a:r>
+              <a:rPr lang="en-US" b="1" dirty="0">
+                <a:solidFill>
+                  <a:srgbClr val="000080"/>
+                </a:solidFill>
+                <a:highlight>
+                  <a:srgbClr val="FFFFFF"/>
+                </a:highlight>
+              </a:rPr>
+              <a:t>,</a:t>
+            </a:r>
+            <a:r>
+              <a:rPr lang="en-US" b="0" dirty="0">
+                <a:solidFill>
+                  <a:srgbClr val="000000"/>
+                </a:solidFill>
+                <a:highlight>
+                  <a:srgbClr val="FFFFFF"/>
+                </a:highlight>
+              </a:rPr>
+              <a:t> loss</a:t>
+            </a:r>
+            <a:r>
+              <a:rPr lang="en-US" b="1" dirty="0">
+                <a:solidFill>
+                  <a:srgbClr val="000080"/>
+                </a:solidFill>
+                <a:highlight>
+                  <a:srgbClr val="FFFFFF"/>
+                </a:highlight>
+              </a:rPr>
+              <a:t>=</a:t>
+            </a:r>
+            <a:r>
+              <a:rPr lang="en-US" b="0" dirty="0">
+                <a:solidFill>
+                  <a:srgbClr val="808080"/>
+                </a:solidFill>
+                <a:highlight>
+                  <a:srgbClr val="FFFFFF"/>
+                </a:highlight>
+              </a:rPr>
+              <a:t>'</a:t>
+            </a:r>
+            <a:r>
+              <a:rPr lang="en-US" b="0" dirty="0" err="1">
+                <a:solidFill>
+                  <a:srgbClr val="808080"/>
+                </a:solidFill>
+                <a:highlight>
+                  <a:srgbClr val="FFFFFF"/>
+                </a:highlight>
+              </a:rPr>
+              <a:t>mean_squared_error</a:t>
+            </a:r>
+            <a:r>
+              <a:rPr lang="en-US" b="0" dirty="0">
+                <a:solidFill>
+                  <a:srgbClr val="808080"/>
+                </a:solidFill>
+                <a:highlight>
+                  <a:srgbClr val="FFFFFF"/>
+                </a:highlight>
+              </a:rPr>
+              <a:t>’</a:t>
+            </a:r>
+            <a:r>
+              <a:rPr lang="en-US" b="1" dirty="0">
+                <a:solidFill>
+                  <a:srgbClr val="000080"/>
+                </a:solidFill>
+                <a:highlight>
+                  <a:srgbClr val="FFFFFF"/>
+                </a:highlight>
+              </a:rPr>
+              <a:t>)</a:t>
+            </a:r>
+            <a:endParaRPr lang="en-US" b="0" dirty="0">
+              <a:solidFill>
+                <a:srgbClr val="000000"/>
+              </a:solidFill>
+              <a:highlight>
+                <a:srgbClr val="FFFFFF"/>
+              </a:highlight>
+            </a:endParaRPr>
+          </a:p>
+          <a:p>
+            <a:endParaRPr lang="pt-BR" b="0" dirty="0">
+              <a:solidFill>
+                <a:srgbClr val="000000"/>
+              </a:solidFill>
+              <a:highlight>
+                <a:srgbClr val="FFFFFF"/>
+              </a:highlight>
+            </a:endParaRPr>
+          </a:p>
+          <a:p>
+            <a:r>
+              <a:rPr lang="es-ES" b="0" dirty="0" err="1">
+                <a:solidFill>
+                  <a:srgbClr val="000000"/>
+                </a:solidFill>
+                <a:highlight>
+                  <a:srgbClr val="FFFFFF"/>
+                </a:highlight>
+              </a:rPr>
+              <a:t>history</a:t>
+            </a:r>
+            <a:r>
+              <a:rPr lang="es-ES" b="0" dirty="0">
+                <a:solidFill>
+                  <a:srgbClr val="000000"/>
+                </a:solidFill>
+                <a:highlight>
+                  <a:srgbClr val="FFFFFF"/>
+                </a:highlight>
+              </a:rPr>
+              <a:t> = </a:t>
+            </a:r>
+            <a:r>
+              <a:rPr lang="es-ES" b="0" dirty="0" err="1">
+                <a:solidFill>
+                  <a:srgbClr val="000000"/>
+                </a:solidFill>
+                <a:highlight>
+                  <a:srgbClr val="FFFFFF"/>
+                </a:highlight>
+              </a:rPr>
+              <a:t>model</a:t>
+            </a:r>
+            <a:r>
+              <a:rPr lang="es-ES" b="1" dirty="0" err="1">
+                <a:solidFill>
+                  <a:srgbClr val="000080"/>
+                </a:solidFill>
+                <a:highlight>
+                  <a:srgbClr val="FFFFFF"/>
+                </a:highlight>
+              </a:rPr>
+              <a:t>.</a:t>
+            </a:r>
+            <a:r>
+              <a:rPr lang="es-ES" b="0" dirty="0" err="1">
+                <a:solidFill>
+                  <a:srgbClr val="000000"/>
+                </a:solidFill>
+                <a:highlight>
+                  <a:srgbClr val="FFFFFF"/>
+                </a:highlight>
+              </a:rPr>
+              <a:t>fit</a:t>
+            </a:r>
+            <a:r>
+              <a:rPr lang="es-ES" b="1" dirty="0">
+                <a:solidFill>
+                  <a:srgbClr val="000080"/>
+                </a:solidFill>
+                <a:highlight>
+                  <a:srgbClr val="FFFFFF"/>
+                </a:highlight>
+              </a:rPr>
+              <a:t>(</a:t>
+            </a:r>
+            <a:r>
+              <a:rPr lang="es-ES" b="0" dirty="0">
+                <a:solidFill>
+                  <a:srgbClr val="000000"/>
+                </a:solidFill>
+                <a:highlight>
+                  <a:srgbClr val="FFFFFF"/>
+                </a:highlight>
+              </a:rPr>
+              <a:t>x</a:t>
+            </a:r>
+            <a:r>
+              <a:rPr lang="es-ES" b="1" dirty="0">
+                <a:solidFill>
+                  <a:srgbClr val="000080"/>
+                </a:solidFill>
+                <a:highlight>
+                  <a:srgbClr val="FFFFFF"/>
+                </a:highlight>
+              </a:rPr>
+              <a:t>,</a:t>
+            </a:r>
+            <a:r>
+              <a:rPr lang="es-ES" b="0" dirty="0">
+                <a:solidFill>
+                  <a:srgbClr val="000000"/>
+                </a:solidFill>
+                <a:highlight>
+                  <a:srgbClr val="FFFFFF"/>
+                </a:highlight>
+              </a:rPr>
+              <a:t> y</a:t>
+            </a:r>
+            <a:r>
+              <a:rPr lang="es-ES" b="1" dirty="0">
+                <a:solidFill>
+                  <a:srgbClr val="000080"/>
+                </a:solidFill>
+                <a:highlight>
+                  <a:srgbClr val="FFFFFF"/>
+                </a:highlight>
+              </a:rPr>
+              <a:t>,</a:t>
+            </a:r>
+            <a:r>
+              <a:rPr lang="es-ES" b="0" dirty="0">
+                <a:solidFill>
+                  <a:srgbClr val="000000"/>
+                </a:solidFill>
+                <a:highlight>
+                  <a:srgbClr val="FFFFFF"/>
+                </a:highlight>
+              </a:rPr>
+              <a:t> </a:t>
+            </a:r>
+            <a:r>
+              <a:rPr lang="es-ES" b="0" dirty="0" err="1">
+                <a:solidFill>
+                  <a:srgbClr val="000000"/>
+                </a:solidFill>
+                <a:highlight>
+                  <a:srgbClr val="FFFFFF"/>
+                </a:highlight>
+              </a:rPr>
+              <a:t>epochs</a:t>
+            </a:r>
+            <a:r>
+              <a:rPr lang="es-ES" b="1" dirty="0">
+                <a:solidFill>
+                  <a:srgbClr val="000080"/>
+                </a:solidFill>
+                <a:highlight>
+                  <a:srgbClr val="FFFFFF"/>
+                </a:highlight>
+              </a:rPr>
+              <a:t>=</a:t>
+            </a:r>
+            <a:r>
+              <a:rPr lang="es-ES" b="0" dirty="0">
+                <a:solidFill>
+                  <a:srgbClr val="FF0000"/>
+                </a:solidFill>
+                <a:highlight>
+                  <a:srgbClr val="FFFFFF"/>
+                </a:highlight>
+              </a:rPr>
+              <a:t>500</a:t>
+            </a:r>
+            <a:r>
+              <a:rPr lang="es-ES" b="1" dirty="0">
+                <a:solidFill>
+                  <a:srgbClr val="000080"/>
+                </a:solidFill>
+                <a:highlight>
+                  <a:srgbClr val="FFFFFF"/>
+                </a:highlight>
+              </a:rPr>
+              <a:t>)</a:t>
+            </a:r>
+            <a:endParaRPr lang="es-ES" b="0" dirty="0">
+              <a:solidFill>
+                <a:srgbClr val="000000"/>
+              </a:solidFill>
+              <a:highlight>
+                <a:srgbClr val="FFFFFF"/>
+              </a:highlight>
+            </a:endParaRPr>
+          </a:p>
+          <a:p>
+            <a:endParaRPr lang="pt-BR" b="0" dirty="0">
+              <a:solidFill>
+                <a:srgbClr val="000000"/>
+              </a:solidFill>
+              <a:highlight>
+                <a:srgbClr val="FFFFFF"/>
+              </a:highlight>
+            </a:endParaRPr>
+          </a:p>
+          <a:p>
+            <a:r>
+              <a:rPr lang="pt-BR" b="1" dirty="0">
+                <a:solidFill>
+                  <a:srgbClr val="880088"/>
+                </a:solidFill>
+                <a:highlight>
+                  <a:srgbClr val="FFFFFF"/>
+                </a:highlight>
+              </a:rPr>
+              <a:t>print</a:t>
+            </a:r>
+            <a:r>
+              <a:rPr lang="pt-BR" b="1" dirty="0">
+                <a:solidFill>
+                  <a:srgbClr val="000080"/>
+                </a:solidFill>
+                <a:highlight>
+                  <a:srgbClr val="FFFFFF"/>
+                </a:highlight>
+              </a:rPr>
+              <a:t>(</a:t>
+            </a:r>
+            <a:r>
+              <a:rPr lang="pt-BR" b="0" dirty="0" err="1">
+                <a:solidFill>
+                  <a:srgbClr val="000000"/>
+                </a:solidFill>
+                <a:highlight>
+                  <a:srgbClr val="FFFFFF"/>
+                </a:highlight>
+              </a:rPr>
+              <a:t>model</a:t>
+            </a:r>
+            <a:r>
+              <a:rPr lang="pt-BR" b="1" dirty="0" err="1">
+                <a:solidFill>
+                  <a:srgbClr val="000080"/>
+                </a:solidFill>
+                <a:highlight>
+                  <a:srgbClr val="FFFFFF"/>
+                </a:highlight>
+              </a:rPr>
+              <a:t>.</a:t>
+            </a:r>
+            <a:r>
+              <a:rPr lang="pt-BR" b="0" dirty="0" err="1">
+                <a:solidFill>
+                  <a:srgbClr val="000000"/>
+                </a:solidFill>
+                <a:highlight>
+                  <a:srgbClr val="FFFFFF"/>
+                </a:highlight>
+              </a:rPr>
+              <a:t>predict</a:t>
+            </a:r>
+            <a:r>
+              <a:rPr lang="pt-BR" b="1" dirty="0">
+                <a:solidFill>
+                  <a:srgbClr val="000080"/>
+                </a:solidFill>
+                <a:highlight>
+                  <a:srgbClr val="FFFFFF"/>
+                </a:highlight>
+              </a:rPr>
+              <a:t>([</a:t>
+            </a:r>
+            <a:r>
+              <a:rPr lang="pt-BR" b="0" dirty="0">
+                <a:solidFill>
+                  <a:srgbClr val="FF0000"/>
+                </a:solidFill>
+                <a:highlight>
+                  <a:srgbClr val="FFFFFF"/>
+                </a:highlight>
+              </a:rPr>
+              <a:t>10.0</a:t>
+            </a:r>
+            <a:r>
+              <a:rPr lang="pt-BR" b="1" dirty="0">
+                <a:solidFill>
+                  <a:srgbClr val="000080"/>
+                </a:solidFill>
+                <a:highlight>
+                  <a:srgbClr val="FFFFFF"/>
+                </a:highlight>
+              </a:rPr>
+              <a:t>]))</a:t>
+            </a:r>
+            <a:endParaRPr lang="pt-BR" dirty="0"/>
+          </a:p>
+        </p:txBody>
+      </p:sp>
+      <p:sp>
+        <p:nvSpPr>
+          <p:cNvPr id="5" name="Retângulo 4">
+            <a:extLst>
+              <a:ext uri="{FF2B5EF4-FFF2-40B4-BE49-F238E27FC236}">
+                <a16:creationId xmlns:a16="http://schemas.microsoft.com/office/drawing/2014/main" id="{CFCDC870-11DD-7CC0-39D2-F418F4A8AD28}"/>
+              </a:ext>
+            </a:extLst>
+          </p:cNvPr>
+          <p:cNvSpPr/>
+          <p:nvPr/>
+        </p:nvSpPr>
+        <p:spPr>
+          <a:xfrm>
+            <a:off x="2370365" y="2819398"/>
+            <a:ext cx="5859236" cy="323493"/>
+          </a:xfrm>
+          <a:prstGeom prst="rect">
+            <a:avLst/>
+          </a:prstGeom>
+          <a:noFill/>
+          <a:ln w="28575">
+            <a:solidFill>
+              <a:srgbClr val="FF0000"/>
+            </a:solidFill>
+          </a:ln>
+        </p:spPr>
+        <p:style>
+          <a:lnRef idx="2">
+            <a:schemeClr val="accent1">
+              <a:shade val="15000"/>
+            </a:schemeClr>
+          </a:lnRef>
+          <a:fillRef idx="1">
+            <a:schemeClr val="accent1"/>
+          </a:fillRef>
+          <a:effectRef idx="0">
+            <a:schemeClr val="accent1"/>
+          </a:effectRef>
+          <a:fontRef idx="minor">
+            <a:schemeClr val="lt1"/>
+          </a:fontRef>
+        </p:style>
+        <p:txBody>
+          <a:bodyPr rtlCol="0" anchor="ctr"/>
+          <a:lstStyle/>
+          <a:p>
+            <a:pPr algn="ctr"/>
+            <a:endParaRPr lang="pt-BR"/>
+          </a:p>
+        </p:txBody>
+      </p:sp>
+    </p:spTree>
+    <p:extLst>
+      <p:ext uri="{BB962C8B-B14F-4D97-AF65-F5344CB8AC3E}">
+        <p14:creationId xmlns:p14="http://schemas.microsoft.com/office/powerpoint/2010/main" val="3287105673"/>
+      </p:ext>
+    </p:extLst>
+  </p:cSld>
+  <p:clrMapOvr>
+    <a:masterClrMapping/>
+  </p:clrMapOvr>
+</p:sld>
+</file>
+
+<file path=ppt/slides/slide16.xml><?xml version="1.0" encoding="utf-8"?>
+<p:sld xmlns:a="http://schemas.openxmlformats.org/drawingml/2006/main" xmlns:r="http://schemas.openxmlformats.org/officeDocument/2006/relationships" xmlns:p="http://schemas.openxmlformats.org/presentationml/2006/main">
+  <p:cSld>
+    <p:spTree>
+      <p:nvGrpSpPr>
+        <p:cNvPr id="1" name=""/>
+        <p:cNvGrpSpPr/>
+        <p:nvPr/>
+      </p:nvGrpSpPr>
+      <p:grpSpPr>
+        <a:xfrm>
+          <a:off x="0" y="0"/>
+          <a:ext cx="0" cy="0"/>
+          <a:chOff x="0" y="0"/>
+          <a:chExt cx="0" cy="0"/>
+        </a:xfrm>
+      </p:grpSpPr>
+      <p:sp>
+        <p:nvSpPr>
+          <p:cNvPr id="2" name="Título 1">
+            <a:extLst>
+              <a:ext uri="{FF2B5EF4-FFF2-40B4-BE49-F238E27FC236}">
+                <a16:creationId xmlns:a16="http://schemas.microsoft.com/office/drawing/2014/main" id="{86449F96-8B9C-8642-EE66-30B04CC16318}"/>
+              </a:ext>
+            </a:extLst>
+          </p:cNvPr>
+          <p:cNvSpPr>
+            <a:spLocks noGrp="1"/>
+          </p:cNvSpPr>
+          <p:nvPr>
+            <p:ph type="title"/>
+          </p:nvPr>
+        </p:nvSpPr>
+        <p:spPr/>
+        <p:txBody>
+          <a:bodyPr/>
+          <a:lstStyle/>
+          <a:p>
+            <a:r>
+              <a:rPr lang="pt-BR" dirty="0"/>
+              <a:t>Compilando a rede neural</a:t>
+            </a:r>
+          </a:p>
+        </p:txBody>
+      </p:sp>
+      <p:sp>
+        <p:nvSpPr>
+          <p:cNvPr id="3" name="Espaço Reservado para Conteúdo 2">
+            <a:extLst>
+              <a:ext uri="{FF2B5EF4-FFF2-40B4-BE49-F238E27FC236}">
+                <a16:creationId xmlns:a16="http://schemas.microsoft.com/office/drawing/2014/main" id="{5271C2DB-CB2D-7DA6-19D3-EA05C00F9996}"/>
+              </a:ext>
+            </a:extLst>
+          </p:cNvPr>
+          <p:cNvSpPr>
+            <a:spLocks noGrp="1"/>
+          </p:cNvSpPr>
+          <p:nvPr>
+            <p:ph idx="1"/>
+          </p:nvPr>
+        </p:nvSpPr>
+        <p:spPr>
+          <a:xfrm>
+            <a:off x="838200" y="4506686"/>
+            <a:ext cx="11234058" cy="2351313"/>
+          </a:xfrm>
+        </p:spPr>
+        <p:txBody>
+          <a:bodyPr>
+            <a:normAutofit/>
+          </a:bodyPr>
+          <a:lstStyle/>
+          <a:p>
+            <a:r>
+              <a:rPr lang="pt-BR" dirty="0"/>
+              <a:t>O treinamento propriamente dito é feito através do método </a:t>
+            </a:r>
+            <a:r>
+              <a:rPr lang="pt-BR" i="1" dirty="0" err="1"/>
+              <a:t>fit</a:t>
+            </a:r>
+            <a:r>
+              <a:rPr lang="pt-BR" i="1" dirty="0"/>
+              <a:t>()</a:t>
+            </a:r>
+            <a:r>
+              <a:rPr lang="pt-BR" dirty="0"/>
+              <a:t>.</a:t>
+            </a:r>
+          </a:p>
+          <a:p>
+            <a:endParaRPr lang="pt-BR" dirty="0"/>
+          </a:p>
+          <a:p>
+            <a:r>
+              <a:rPr lang="pt-BR" dirty="0"/>
+              <a:t>Ao término do treinamento, ele retorna um dicionário com as métricas calculadas ao longo </a:t>
+            </a:r>
+            <a:r>
+              <a:rPr lang="pt-BR"/>
+              <a:t>das épocas de treinamento.</a:t>
+            </a:r>
+            <a:endParaRPr lang="pt-BR" dirty="0"/>
+          </a:p>
+        </p:txBody>
+      </p:sp>
+      <p:sp>
+        <p:nvSpPr>
+          <p:cNvPr id="4" name="CaixaDeTexto 3">
+            <a:extLst>
+              <a:ext uri="{FF2B5EF4-FFF2-40B4-BE49-F238E27FC236}">
+                <a16:creationId xmlns:a16="http://schemas.microsoft.com/office/drawing/2014/main" id="{08E0EBAF-B825-EC26-6D53-38BD78023702}"/>
+              </a:ext>
+            </a:extLst>
+          </p:cNvPr>
+          <p:cNvSpPr txBox="1"/>
+          <p:nvPr/>
+        </p:nvSpPr>
+        <p:spPr>
+          <a:xfrm>
+            <a:off x="2370364" y="1690688"/>
+            <a:ext cx="7451271" cy="2585323"/>
+          </a:xfrm>
+          <a:prstGeom prst="rect">
+            <a:avLst/>
+          </a:prstGeom>
+          <a:noFill/>
+        </p:spPr>
+        <p:txBody>
+          <a:bodyPr wrap="square">
+            <a:spAutoFit/>
+          </a:bodyPr>
+          <a:lstStyle/>
+          <a:p>
+            <a:r>
+              <a:rPr lang="en-US" dirty="0">
+                <a:solidFill>
+                  <a:srgbClr val="000000"/>
+                </a:solidFill>
+                <a:highlight>
+                  <a:srgbClr val="FFFFFF"/>
+                </a:highlight>
+              </a:rPr>
+              <a:t>x </a:t>
+            </a:r>
+            <a:r>
+              <a:rPr lang="en-US" b="1" dirty="0">
+                <a:solidFill>
+                  <a:srgbClr val="000080"/>
+                </a:solidFill>
+                <a:highlight>
+                  <a:srgbClr val="FFFFFF"/>
+                </a:highlight>
+              </a:rPr>
+              <a:t>=</a:t>
+            </a:r>
+            <a:r>
+              <a:rPr lang="en-US" b="0" dirty="0">
+                <a:solidFill>
+                  <a:srgbClr val="000000"/>
+                </a:solidFill>
+                <a:highlight>
+                  <a:srgbClr val="FFFFFF"/>
+                </a:highlight>
+              </a:rPr>
+              <a:t> </a:t>
+            </a:r>
+            <a:r>
+              <a:rPr lang="en-US" b="0" dirty="0" err="1">
+                <a:solidFill>
+                  <a:srgbClr val="000000"/>
+                </a:solidFill>
+                <a:highlight>
+                  <a:srgbClr val="FFFFFF"/>
+                </a:highlight>
+              </a:rPr>
+              <a:t>np</a:t>
+            </a:r>
+            <a:r>
+              <a:rPr lang="en-US" b="1" dirty="0" err="1">
+                <a:solidFill>
+                  <a:srgbClr val="000080"/>
+                </a:solidFill>
+                <a:highlight>
+                  <a:srgbClr val="FFFFFF"/>
+                </a:highlight>
+              </a:rPr>
+              <a:t>.</a:t>
+            </a:r>
+            <a:r>
+              <a:rPr lang="en-US" b="0" dirty="0" err="1">
+                <a:solidFill>
+                  <a:srgbClr val="000000"/>
+                </a:solidFill>
+                <a:highlight>
+                  <a:srgbClr val="FFFFFF"/>
+                </a:highlight>
+              </a:rPr>
+              <a:t>array</a:t>
+            </a:r>
+            <a:r>
+              <a:rPr lang="en-US" b="1" dirty="0">
+                <a:solidFill>
+                  <a:srgbClr val="000080"/>
+                </a:solidFill>
+                <a:highlight>
+                  <a:srgbClr val="FFFFFF"/>
+                </a:highlight>
+              </a:rPr>
+              <a:t>([-</a:t>
+            </a:r>
+            <a:r>
+              <a:rPr lang="en-US" b="0" dirty="0">
+                <a:solidFill>
+                  <a:srgbClr val="FF0000"/>
+                </a:solidFill>
+                <a:highlight>
+                  <a:srgbClr val="FFFFFF"/>
+                </a:highlight>
+              </a:rPr>
+              <a:t>1.0</a:t>
+            </a:r>
+            <a:r>
+              <a:rPr lang="en-US" b="1" dirty="0">
+                <a:solidFill>
+                  <a:srgbClr val="000080"/>
+                </a:solidFill>
+                <a:highlight>
+                  <a:srgbClr val="FFFFFF"/>
+                </a:highlight>
+              </a:rPr>
+              <a:t>,</a:t>
+            </a:r>
+            <a:r>
+              <a:rPr lang="en-US" b="0" dirty="0">
+                <a:solidFill>
+                  <a:srgbClr val="000000"/>
+                </a:solidFill>
+                <a:highlight>
+                  <a:srgbClr val="FFFFFF"/>
+                </a:highlight>
+              </a:rPr>
+              <a:t>  </a:t>
+            </a:r>
+            <a:r>
+              <a:rPr lang="en-US" b="0" dirty="0">
+                <a:solidFill>
+                  <a:srgbClr val="FF0000"/>
+                </a:solidFill>
+                <a:highlight>
+                  <a:srgbClr val="FFFFFF"/>
+                </a:highlight>
+              </a:rPr>
+              <a:t>0.0</a:t>
+            </a:r>
+            <a:r>
+              <a:rPr lang="en-US" b="1" dirty="0">
+                <a:solidFill>
+                  <a:srgbClr val="000080"/>
+                </a:solidFill>
+                <a:highlight>
+                  <a:srgbClr val="FFFFFF"/>
+                </a:highlight>
+              </a:rPr>
+              <a:t>,</a:t>
+            </a:r>
+            <a:r>
+              <a:rPr lang="en-US" b="0" dirty="0">
+                <a:solidFill>
+                  <a:srgbClr val="000000"/>
+                </a:solidFill>
+                <a:highlight>
+                  <a:srgbClr val="FFFFFF"/>
+                </a:highlight>
+              </a:rPr>
+              <a:t> </a:t>
+            </a:r>
+            <a:r>
+              <a:rPr lang="en-US" b="0" dirty="0">
+                <a:solidFill>
+                  <a:srgbClr val="FF0000"/>
+                </a:solidFill>
+                <a:highlight>
+                  <a:srgbClr val="FFFFFF"/>
+                </a:highlight>
+              </a:rPr>
+              <a:t>1.0</a:t>
+            </a:r>
+            <a:r>
+              <a:rPr lang="en-US" b="1" dirty="0">
+                <a:solidFill>
+                  <a:srgbClr val="000080"/>
+                </a:solidFill>
+                <a:highlight>
+                  <a:srgbClr val="FFFFFF"/>
+                </a:highlight>
+              </a:rPr>
+              <a:t>,</a:t>
+            </a:r>
+            <a:r>
+              <a:rPr lang="en-US" b="0" dirty="0">
+                <a:solidFill>
+                  <a:srgbClr val="000000"/>
+                </a:solidFill>
+                <a:highlight>
+                  <a:srgbClr val="FFFFFF"/>
+                </a:highlight>
+              </a:rPr>
+              <a:t> </a:t>
+            </a:r>
+            <a:r>
+              <a:rPr lang="en-US" b="0" dirty="0">
+                <a:solidFill>
+                  <a:srgbClr val="FF0000"/>
+                </a:solidFill>
+                <a:highlight>
+                  <a:srgbClr val="FFFFFF"/>
+                </a:highlight>
+              </a:rPr>
+              <a:t>2.0</a:t>
+            </a:r>
+            <a:r>
+              <a:rPr lang="en-US" b="1" dirty="0">
+                <a:solidFill>
+                  <a:srgbClr val="000080"/>
+                </a:solidFill>
+                <a:highlight>
+                  <a:srgbClr val="FFFFFF"/>
+                </a:highlight>
+              </a:rPr>
+              <a:t>,</a:t>
+            </a:r>
+            <a:r>
+              <a:rPr lang="en-US" b="0" dirty="0">
+                <a:solidFill>
+                  <a:srgbClr val="000000"/>
+                </a:solidFill>
+                <a:highlight>
+                  <a:srgbClr val="FFFFFF"/>
+                </a:highlight>
+              </a:rPr>
+              <a:t> </a:t>
+            </a:r>
+            <a:r>
+              <a:rPr lang="en-US" b="0" dirty="0">
+                <a:solidFill>
+                  <a:srgbClr val="FF0000"/>
+                </a:solidFill>
+                <a:highlight>
+                  <a:srgbClr val="FFFFFF"/>
+                </a:highlight>
+              </a:rPr>
+              <a:t>3.0</a:t>
+            </a:r>
+            <a:r>
+              <a:rPr lang="en-US" b="1" dirty="0">
+                <a:solidFill>
+                  <a:srgbClr val="000080"/>
+                </a:solidFill>
+                <a:highlight>
+                  <a:srgbClr val="FFFFFF"/>
+                </a:highlight>
+              </a:rPr>
+              <a:t>,</a:t>
+            </a:r>
+            <a:r>
+              <a:rPr lang="en-US" b="0" dirty="0">
+                <a:solidFill>
+                  <a:srgbClr val="000000"/>
+                </a:solidFill>
+                <a:highlight>
+                  <a:srgbClr val="FFFFFF"/>
+                </a:highlight>
+              </a:rPr>
+              <a:t> </a:t>
+            </a:r>
+            <a:r>
+              <a:rPr lang="en-US" b="0" dirty="0">
+                <a:solidFill>
+                  <a:srgbClr val="FF0000"/>
+                </a:solidFill>
+                <a:highlight>
+                  <a:srgbClr val="FFFFFF"/>
+                </a:highlight>
+              </a:rPr>
+              <a:t>4.0</a:t>
+            </a:r>
+            <a:r>
+              <a:rPr lang="en-US" b="1" dirty="0">
+                <a:solidFill>
+                  <a:srgbClr val="000080"/>
+                </a:solidFill>
+                <a:highlight>
+                  <a:srgbClr val="FFFFFF"/>
+                </a:highlight>
+              </a:rPr>
+              <a:t>])</a:t>
+            </a:r>
+            <a:r>
+              <a:rPr lang="en-US" b="0" dirty="0">
+                <a:solidFill>
+                  <a:srgbClr val="000000"/>
+                </a:solidFill>
+                <a:highlight>
+                  <a:srgbClr val="FFFFFF"/>
+                </a:highlight>
+              </a:rPr>
+              <a:t> </a:t>
+            </a:r>
+          </a:p>
+          <a:p>
+            <a:r>
+              <a:rPr lang="es-ES" b="0" dirty="0">
+                <a:solidFill>
+                  <a:srgbClr val="000000"/>
+                </a:solidFill>
+                <a:highlight>
+                  <a:srgbClr val="FFFFFF"/>
+                </a:highlight>
+              </a:rPr>
+              <a:t>y </a:t>
+            </a:r>
+            <a:r>
+              <a:rPr lang="es-ES" b="1" dirty="0">
+                <a:solidFill>
+                  <a:srgbClr val="000080"/>
+                </a:solidFill>
+                <a:highlight>
+                  <a:srgbClr val="FFFFFF"/>
+                </a:highlight>
+              </a:rPr>
+              <a:t>=</a:t>
+            </a:r>
+            <a:r>
+              <a:rPr lang="es-ES" b="0" dirty="0">
+                <a:solidFill>
+                  <a:srgbClr val="000000"/>
+                </a:solidFill>
+                <a:highlight>
+                  <a:srgbClr val="FFFFFF"/>
+                </a:highlight>
+              </a:rPr>
+              <a:t> </a:t>
+            </a:r>
+            <a:r>
+              <a:rPr lang="es-ES" b="0" dirty="0" err="1">
+                <a:solidFill>
+                  <a:srgbClr val="000000"/>
+                </a:solidFill>
+                <a:highlight>
+                  <a:srgbClr val="FFFFFF"/>
+                </a:highlight>
+              </a:rPr>
+              <a:t>np</a:t>
+            </a:r>
+            <a:r>
+              <a:rPr lang="es-ES" b="1" dirty="0" err="1">
+                <a:solidFill>
+                  <a:srgbClr val="000080"/>
+                </a:solidFill>
+                <a:highlight>
+                  <a:srgbClr val="FFFFFF"/>
+                </a:highlight>
+              </a:rPr>
+              <a:t>.</a:t>
+            </a:r>
+            <a:r>
+              <a:rPr lang="es-ES" b="0" dirty="0" err="1">
+                <a:solidFill>
+                  <a:srgbClr val="000000"/>
+                </a:solidFill>
+                <a:highlight>
+                  <a:srgbClr val="FFFFFF"/>
+                </a:highlight>
+              </a:rPr>
+              <a:t>array</a:t>
+            </a:r>
+            <a:r>
+              <a:rPr lang="es-ES" b="1" dirty="0">
+                <a:solidFill>
+                  <a:srgbClr val="000080"/>
+                </a:solidFill>
+                <a:highlight>
+                  <a:srgbClr val="FFFFFF"/>
+                </a:highlight>
+              </a:rPr>
+              <a:t>([-</a:t>
+            </a:r>
+            <a:r>
+              <a:rPr lang="es-ES" b="0" dirty="0">
+                <a:solidFill>
+                  <a:srgbClr val="FF0000"/>
+                </a:solidFill>
+                <a:highlight>
+                  <a:srgbClr val="FFFFFF"/>
+                </a:highlight>
+              </a:rPr>
+              <a:t>3.0</a:t>
+            </a:r>
+            <a:r>
+              <a:rPr lang="es-ES" b="1" dirty="0">
+                <a:solidFill>
+                  <a:srgbClr val="000080"/>
+                </a:solidFill>
+                <a:highlight>
+                  <a:srgbClr val="FFFFFF"/>
+                </a:highlight>
+              </a:rPr>
+              <a:t>,</a:t>
+            </a:r>
+            <a:r>
+              <a:rPr lang="es-ES" b="0" dirty="0">
+                <a:solidFill>
+                  <a:srgbClr val="000000"/>
+                </a:solidFill>
+                <a:highlight>
+                  <a:srgbClr val="FFFFFF"/>
+                </a:highlight>
+              </a:rPr>
+              <a:t> </a:t>
+            </a:r>
+            <a:r>
+              <a:rPr lang="es-ES" b="1" dirty="0">
+                <a:solidFill>
+                  <a:srgbClr val="000080"/>
+                </a:solidFill>
+                <a:highlight>
+                  <a:srgbClr val="FFFFFF"/>
+                </a:highlight>
+              </a:rPr>
+              <a:t>-</a:t>
+            </a:r>
+            <a:r>
+              <a:rPr lang="es-ES" b="0" dirty="0">
+                <a:solidFill>
+                  <a:srgbClr val="FF0000"/>
+                </a:solidFill>
+                <a:highlight>
+                  <a:srgbClr val="FFFFFF"/>
+                </a:highlight>
+              </a:rPr>
+              <a:t>1.0</a:t>
+            </a:r>
+            <a:r>
+              <a:rPr lang="es-ES" b="1" dirty="0">
+                <a:solidFill>
+                  <a:srgbClr val="000080"/>
+                </a:solidFill>
+                <a:highlight>
+                  <a:srgbClr val="FFFFFF"/>
+                </a:highlight>
+              </a:rPr>
+              <a:t>,</a:t>
+            </a:r>
+            <a:r>
+              <a:rPr lang="es-ES" b="0" dirty="0">
+                <a:solidFill>
+                  <a:srgbClr val="000000"/>
+                </a:solidFill>
+                <a:highlight>
+                  <a:srgbClr val="FFFFFF"/>
+                </a:highlight>
+              </a:rPr>
+              <a:t> </a:t>
+            </a:r>
+            <a:r>
+              <a:rPr lang="es-ES" b="0" dirty="0">
+                <a:solidFill>
+                  <a:srgbClr val="FF0000"/>
+                </a:solidFill>
+                <a:highlight>
+                  <a:srgbClr val="FFFFFF"/>
+                </a:highlight>
+              </a:rPr>
+              <a:t>1.0</a:t>
+            </a:r>
+            <a:r>
+              <a:rPr lang="es-ES" b="1" dirty="0">
+                <a:solidFill>
+                  <a:srgbClr val="000080"/>
+                </a:solidFill>
+                <a:highlight>
+                  <a:srgbClr val="FFFFFF"/>
+                </a:highlight>
+              </a:rPr>
+              <a:t>,</a:t>
+            </a:r>
+            <a:r>
+              <a:rPr lang="es-ES" b="0" dirty="0">
+                <a:solidFill>
+                  <a:srgbClr val="000000"/>
+                </a:solidFill>
+                <a:highlight>
+                  <a:srgbClr val="FFFFFF"/>
+                </a:highlight>
+              </a:rPr>
+              <a:t> </a:t>
+            </a:r>
+            <a:r>
+              <a:rPr lang="es-ES" b="0" dirty="0">
+                <a:solidFill>
+                  <a:srgbClr val="FF0000"/>
+                </a:solidFill>
+                <a:highlight>
+                  <a:srgbClr val="FFFFFF"/>
+                </a:highlight>
+              </a:rPr>
+              <a:t>3.0</a:t>
+            </a:r>
+            <a:r>
+              <a:rPr lang="es-ES" b="1" dirty="0">
+                <a:solidFill>
+                  <a:srgbClr val="000080"/>
+                </a:solidFill>
+                <a:highlight>
+                  <a:srgbClr val="FFFFFF"/>
+                </a:highlight>
+              </a:rPr>
+              <a:t>,</a:t>
+            </a:r>
+            <a:r>
+              <a:rPr lang="es-ES" b="0" dirty="0">
+                <a:solidFill>
+                  <a:srgbClr val="000000"/>
+                </a:solidFill>
+                <a:highlight>
+                  <a:srgbClr val="FFFFFF"/>
+                </a:highlight>
+              </a:rPr>
+              <a:t> </a:t>
+            </a:r>
+            <a:r>
+              <a:rPr lang="es-ES" b="0" dirty="0">
+                <a:solidFill>
+                  <a:srgbClr val="FF0000"/>
+                </a:solidFill>
+                <a:highlight>
+                  <a:srgbClr val="FFFFFF"/>
+                </a:highlight>
+              </a:rPr>
+              <a:t>5.0</a:t>
+            </a:r>
+            <a:r>
+              <a:rPr lang="es-ES" b="1" dirty="0">
+                <a:solidFill>
+                  <a:srgbClr val="000080"/>
+                </a:solidFill>
+                <a:highlight>
+                  <a:srgbClr val="FFFFFF"/>
+                </a:highlight>
+              </a:rPr>
+              <a:t>,</a:t>
+            </a:r>
+            <a:r>
+              <a:rPr lang="es-ES" b="0" dirty="0">
+                <a:solidFill>
+                  <a:srgbClr val="000000"/>
+                </a:solidFill>
+                <a:highlight>
+                  <a:srgbClr val="FFFFFF"/>
+                </a:highlight>
+              </a:rPr>
+              <a:t> </a:t>
+            </a:r>
+            <a:r>
+              <a:rPr lang="es-ES" b="0" dirty="0">
+                <a:solidFill>
+                  <a:srgbClr val="FF0000"/>
+                </a:solidFill>
+                <a:highlight>
+                  <a:srgbClr val="FFFFFF"/>
+                </a:highlight>
+              </a:rPr>
+              <a:t>7.0</a:t>
+            </a:r>
+            <a:r>
+              <a:rPr lang="es-ES" b="1" dirty="0">
+                <a:solidFill>
+                  <a:srgbClr val="000080"/>
+                </a:solidFill>
+                <a:highlight>
+                  <a:srgbClr val="FFFFFF"/>
+                </a:highlight>
+              </a:rPr>
+              <a:t>])</a:t>
+            </a:r>
+            <a:endParaRPr lang="es-ES" b="0" dirty="0">
+              <a:solidFill>
+                <a:srgbClr val="000000"/>
+              </a:solidFill>
+              <a:highlight>
+                <a:srgbClr val="FFFFFF"/>
+              </a:highlight>
+            </a:endParaRPr>
+          </a:p>
+          <a:p>
+            <a:endParaRPr lang="pt-BR" b="0" dirty="0">
+              <a:solidFill>
+                <a:srgbClr val="000000"/>
+              </a:solidFill>
+              <a:highlight>
+                <a:srgbClr val="FFFFFF"/>
+              </a:highlight>
+            </a:endParaRPr>
+          </a:p>
+          <a:p>
+            <a:r>
+              <a:rPr lang="pt-BR" b="0" dirty="0">
+                <a:solidFill>
+                  <a:srgbClr val="000000"/>
+                </a:solidFill>
+                <a:highlight>
+                  <a:srgbClr val="FFFFFF"/>
+                </a:highlight>
+              </a:rPr>
+              <a:t>model </a:t>
+            </a:r>
+            <a:r>
+              <a:rPr lang="pt-BR" b="1" dirty="0">
+                <a:solidFill>
+                  <a:srgbClr val="000080"/>
+                </a:solidFill>
+                <a:highlight>
+                  <a:srgbClr val="FFFFFF"/>
+                </a:highlight>
+              </a:rPr>
+              <a:t>=</a:t>
+            </a:r>
+            <a:r>
+              <a:rPr lang="pt-BR" b="0" dirty="0">
+                <a:solidFill>
+                  <a:srgbClr val="000000"/>
+                </a:solidFill>
+                <a:highlight>
+                  <a:srgbClr val="FFFFFF"/>
+                </a:highlight>
+              </a:rPr>
+              <a:t> </a:t>
+            </a:r>
+            <a:r>
+              <a:rPr lang="pt-BR" b="0" dirty="0" err="1">
+                <a:solidFill>
+                  <a:srgbClr val="000000"/>
+                </a:solidFill>
+                <a:highlight>
+                  <a:srgbClr val="FFFFFF"/>
+                </a:highlight>
+              </a:rPr>
+              <a:t>tf</a:t>
+            </a:r>
+            <a:r>
+              <a:rPr lang="pt-BR" b="1" dirty="0" err="1">
+                <a:solidFill>
+                  <a:srgbClr val="000080"/>
+                </a:solidFill>
+                <a:highlight>
+                  <a:srgbClr val="FFFFFF"/>
+                </a:highlight>
+              </a:rPr>
+              <a:t>.</a:t>
+            </a:r>
+            <a:r>
+              <a:rPr lang="pt-BR" b="0" dirty="0" err="1">
+                <a:solidFill>
+                  <a:srgbClr val="000000"/>
+                </a:solidFill>
+                <a:highlight>
+                  <a:srgbClr val="FFFFFF"/>
+                </a:highlight>
+              </a:rPr>
+              <a:t>keras</a:t>
+            </a:r>
+            <a:r>
+              <a:rPr lang="pt-BR" b="1" dirty="0" err="1">
+                <a:solidFill>
+                  <a:srgbClr val="000080"/>
+                </a:solidFill>
+                <a:highlight>
+                  <a:srgbClr val="FFFFFF"/>
+                </a:highlight>
+              </a:rPr>
+              <a:t>.</a:t>
+            </a:r>
+            <a:r>
+              <a:rPr lang="pt-BR" b="0" dirty="0" err="1">
+                <a:solidFill>
+                  <a:srgbClr val="000000"/>
+                </a:solidFill>
+                <a:highlight>
+                  <a:srgbClr val="FFFFFF"/>
+                </a:highlight>
+              </a:rPr>
+              <a:t>Sequential</a:t>
+            </a:r>
+            <a:r>
+              <a:rPr lang="pt-BR" b="1" dirty="0">
+                <a:solidFill>
+                  <a:srgbClr val="000080"/>
+                </a:solidFill>
+                <a:highlight>
+                  <a:srgbClr val="FFFFFF"/>
+                </a:highlight>
+              </a:rPr>
+              <a:t>([</a:t>
+            </a:r>
+            <a:r>
+              <a:rPr lang="pt-BR" b="0" dirty="0" err="1">
+                <a:solidFill>
+                  <a:srgbClr val="000000"/>
+                </a:solidFill>
+                <a:highlight>
+                  <a:srgbClr val="FFFFFF"/>
+                </a:highlight>
+              </a:rPr>
+              <a:t>tf</a:t>
+            </a:r>
+            <a:r>
+              <a:rPr lang="pt-BR" b="1" dirty="0" err="1">
+                <a:solidFill>
+                  <a:srgbClr val="000080"/>
+                </a:solidFill>
+                <a:highlight>
+                  <a:srgbClr val="FFFFFF"/>
+                </a:highlight>
+              </a:rPr>
+              <a:t>.</a:t>
+            </a:r>
+            <a:r>
+              <a:rPr lang="pt-BR" b="0" dirty="0" err="1">
+                <a:solidFill>
+                  <a:srgbClr val="000000"/>
+                </a:solidFill>
+                <a:highlight>
+                  <a:srgbClr val="FFFFFF"/>
+                </a:highlight>
+              </a:rPr>
+              <a:t>keras</a:t>
+            </a:r>
+            <a:r>
+              <a:rPr lang="pt-BR" b="1" dirty="0" err="1">
+                <a:solidFill>
+                  <a:srgbClr val="000080"/>
+                </a:solidFill>
+                <a:highlight>
+                  <a:srgbClr val="FFFFFF"/>
+                </a:highlight>
+              </a:rPr>
+              <a:t>.</a:t>
+            </a:r>
+            <a:r>
+              <a:rPr lang="pt-BR" b="0" dirty="0" err="1">
+                <a:solidFill>
+                  <a:srgbClr val="000000"/>
+                </a:solidFill>
+                <a:highlight>
+                  <a:srgbClr val="FFFFFF"/>
+                </a:highlight>
+              </a:rPr>
+              <a:t>layers</a:t>
+            </a:r>
+            <a:r>
+              <a:rPr lang="pt-BR" b="1" dirty="0" err="1">
+                <a:solidFill>
+                  <a:srgbClr val="000080"/>
+                </a:solidFill>
+                <a:highlight>
+                  <a:srgbClr val="FFFFFF"/>
+                </a:highlight>
+              </a:rPr>
+              <a:t>.</a:t>
+            </a:r>
+            <a:r>
+              <a:rPr lang="pt-BR" b="0" dirty="0" err="1">
+                <a:solidFill>
+                  <a:srgbClr val="000000"/>
+                </a:solidFill>
+                <a:highlight>
+                  <a:srgbClr val="FFFFFF"/>
+                </a:highlight>
+              </a:rPr>
+              <a:t>Dense</a:t>
+            </a:r>
+            <a:r>
+              <a:rPr lang="pt-BR" b="1" dirty="0">
+                <a:solidFill>
+                  <a:srgbClr val="000080"/>
+                </a:solidFill>
+                <a:highlight>
+                  <a:srgbClr val="FFFFFF"/>
+                </a:highlight>
+              </a:rPr>
+              <a:t>(</a:t>
+            </a:r>
+            <a:r>
+              <a:rPr lang="pt-BR" b="0" dirty="0" err="1">
+                <a:solidFill>
+                  <a:srgbClr val="000000"/>
+                </a:solidFill>
+                <a:highlight>
+                  <a:srgbClr val="FFFFFF"/>
+                </a:highlight>
+              </a:rPr>
+              <a:t>units</a:t>
+            </a:r>
+            <a:r>
+              <a:rPr lang="pt-BR" b="1" dirty="0">
+                <a:solidFill>
+                  <a:srgbClr val="000080"/>
+                </a:solidFill>
+                <a:highlight>
+                  <a:srgbClr val="FFFFFF"/>
+                </a:highlight>
+              </a:rPr>
+              <a:t>=</a:t>
+            </a:r>
+            <a:r>
+              <a:rPr lang="pt-BR" b="0" dirty="0">
+                <a:solidFill>
+                  <a:srgbClr val="FF0000"/>
+                </a:solidFill>
+                <a:highlight>
+                  <a:srgbClr val="FFFFFF"/>
+                </a:highlight>
+              </a:rPr>
+              <a:t>1</a:t>
+            </a:r>
+            <a:r>
+              <a:rPr lang="pt-BR" b="1" dirty="0">
+                <a:solidFill>
+                  <a:srgbClr val="000080"/>
+                </a:solidFill>
+                <a:highlight>
+                  <a:srgbClr val="FFFFFF"/>
+                </a:highlight>
+              </a:rPr>
+              <a:t>,</a:t>
+            </a:r>
+            <a:r>
+              <a:rPr lang="pt-BR" b="0" dirty="0">
+                <a:solidFill>
+                  <a:srgbClr val="000000"/>
+                </a:solidFill>
+                <a:highlight>
+                  <a:srgbClr val="FFFFFF"/>
+                </a:highlight>
+              </a:rPr>
+              <a:t> </a:t>
+            </a:r>
+            <a:r>
+              <a:rPr lang="pt-BR" b="0" dirty="0" err="1">
+                <a:solidFill>
+                  <a:srgbClr val="000000"/>
+                </a:solidFill>
+                <a:highlight>
+                  <a:srgbClr val="FFFFFF"/>
+                </a:highlight>
+              </a:rPr>
+              <a:t>input_shape</a:t>
+            </a:r>
+            <a:r>
+              <a:rPr lang="pt-BR" b="1" dirty="0">
+                <a:solidFill>
+                  <a:srgbClr val="000080"/>
+                </a:solidFill>
+                <a:highlight>
+                  <a:srgbClr val="FFFFFF"/>
+                </a:highlight>
+              </a:rPr>
+              <a:t>=[</a:t>
+            </a:r>
+            <a:r>
+              <a:rPr lang="pt-BR" b="0" dirty="0">
+                <a:solidFill>
+                  <a:srgbClr val="FF0000"/>
+                </a:solidFill>
+                <a:highlight>
+                  <a:srgbClr val="FFFFFF"/>
+                </a:highlight>
+              </a:rPr>
+              <a:t>1</a:t>
+            </a:r>
+            <a:r>
+              <a:rPr lang="pt-BR" b="1" dirty="0">
+                <a:solidFill>
+                  <a:srgbClr val="000080"/>
+                </a:solidFill>
+                <a:highlight>
+                  <a:srgbClr val="FFFFFF"/>
+                </a:highlight>
+              </a:rPr>
+              <a:t>])])</a:t>
+            </a:r>
+            <a:endParaRPr lang="pt-BR" b="0" dirty="0">
+              <a:solidFill>
+                <a:srgbClr val="000000"/>
+              </a:solidFill>
+              <a:highlight>
+                <a:srgbClr val="FFFFFF"/>
+              </a:highlight>
+            </a:endParaRPr>
+          </a:p>
+          <a:p>
+            <a:r>
+              <a:rPr lang="en-US" b="0" dirty="0" err="1">
+                <a:solidFill>
+                  <a:srgbClr val="000000"/>
+                </a:solidFill>
+                <a:highlight>
+                  <a:srgbClr val="FFFFFF"/>
+                </a:highlight>
+              </a:rPr>
+              <a:t>model</a:t>
+            </a:r>
+            <a:r>
+              <a:rPr lang="en-US" b="1" dirty="0" err="1">
+                <a:solidFill>
+                  <a:srgbClr val="000080"/>
+                </a:solidFill>
+                <a:highlight>
+                  <a:srgbClr val="FFFFFF"/>
+                </a:highlight>
+              </a:rPr>
+              <a:t>.</a:t>
+            </a:r>
+            <a:r>
+              <a:rPr lang="en-US" b="1" dirty="0" err="1">
+                <a:solidFill>
+                  <a:srgbClr val="880088"/>
+                </a:solidFill>
+                <a:highlight>
+                  <a:srgbClr val="FFFFFF"/>
+                </a:highlight>
+              </a:rPr>
+              <a:t>compile</a:t>
+            </a:r>
+            <a:r>
+              <a:rPr lang="en-US" b="1" dirty="0">
+                <a:solidFill>
+                  <a:srgbClr val="000080"/>
+                </a:solidFill>
+                <a:highlight>
+                  <a:srgbClr val="FFFFFF"/>
+                </a:highlight>
+              </a:rPr>
+              <a:t>(</a:t>
+            </a:r>
+            <a:r>
+              <a:rPr lang="en-US" b="0" dirty="0">
+                <a:solidFill>
+                  <a:srgbClr val="000000"/>
+                </a:solidFill>
+                <a:highlight>
+                  <a:srgbClr val="FFFFFF"/>
+                </a:highlight>
+              </a:rPr>
+              <a:t>optimizer</a:t>
+            </a:r>
+            <a:r>
+              <a:rPr lang="en-US" b="1" dirty="0">
+                <a:solidFill>
+                  <a:srgbClr val="000080"/>
+                </a:solidFill>
+                <a:highlight>
+                  <a:srgbClr val="FFFFFF"/>
+                </a:highlight>
+              </a:rPr>
+              <a:t>=</a:t>
+            </a:r>
+            <a:r>
+              <a:rPr lang="en-US" b="0" dirty="0">
+                <a:solidFill>
+                  <a:srgbClr val="808080"/>
+                </a:solidFill>
+                <a:highlight>
+                  <a:srgbClr val="FFFFFF"/>
+                </a:highlight>
+              </a:rPr>
+              <a:t>'</a:t>
+            </a:r>
+            <a:r>
+              <a:rPr lang="en-US" b="0" dirty="0" err="1">
+                <a:solidFill>
+                  <a:srgbClr val="808080"/>
+                </a:solidFill>
+                <a:highlight>
+                  <a:srgbClr val="FFFFFF"/>
+                </a:highlight>
+              </a:rPr>
+              <a:t>sgd</a:t>
+            </a:r>
+            <a:r>
+              <a:rPr lang="en-US" b="0" dirty="0">
+                <a:solidFill>
+                  <a:srgbClr val="808080"/>
+                </a:solidFill>
+                <a:highlight>
+                  <a:srgbClr val="FFFFFF"/>
+                </a:highlight>
+              </a:rPr>
+              <a:t>'</a:t>
+            </a:r>
+            <a:r>
+              <a:rPr lang="en-US" b="1" dirty="0">
+                <a:solidFill>
+                  <a:srgbClr val="000080"/>
+                </a:solidFill>
+                <a:highlight>
+                  <a:srgbClr val="FFFFFF"/>
+                </a:highlight>
+              </a:rPr>
+              <a:t>,</a:t>
+            </a:r>
+            <a:r>
+              <a:rPr lang="en-US" b="0" dirty="0">
+                <a:solidFill>
+                  <a:srgbClr val="000000"/>
+                </a:solidFill>
+                <a:highlight>
+                  <a:srgbClr val="FFFFFF"/>
+                </a:highlight>
+              </a:rPr>
+              <a:t> loss</a:t>
+            </a:r>
+            <a:r>
+              <a:rPr lang="en-US" b="1" dirty="0">
+                <a:solidFill>
+                  <a:srgbClr val="000080"/>
+                </a:solidFill>
+                <a:highlight>
+                  <a:srgbClr val="FFFFFF"/>
+                </a:highlight>
+              </a:rPr>
+              <a:t>=</a:t>
+            </a:r>
+            <a:r>
+              <a:rPr lang="en-US" b="0" dirty="0">
+                <a:solidFill>
+                  <a:srgbClr val="808080"/>
+                </a:solidFill>
+                <a:highlight>
+                  <a:srgbClr val="FFFFFF"/>
+                </a:highlight>
+              </a:rPr>
+              <a:t>'</a:t>
+            </a:r>
+            <a:r>
+              <a:rPr lang="en-US" b="0" dirty="0" err="1">
+                <a:solidFill>
+                  <a:srgbClr val="808080"/>
+                </a:solidFill>
+                <a:highlight>
+                  <a:srgbClr val="FFFFFF"/>
+                </a:highlight>
+              </a:rPr>
+              <a:t>mean_squared_error</a:t>
+            </a:r>
+            <a:r>
+              <a:rPr lang="en-US" b="0" dirty="0">
+                <a:solidFill>
+                  <a:srgbClr val="808080"/>
+                </a:solidFill>
+                <a:highlight>
+                  <a:srgbClr val="FFFFFF"/>
+                </a:highlight>
+              </a:rPr>
+              <a:t>’</a:t>
+            </a:r>
+            <a:r>
+              <a:rPr lang="en-US" b="1" dirty="0">
+                <a:solidFill>
+                  <a:srgbClr val="000080"/>
+                </a:solidFill>
+                <a:highlight>
+                  <a:srgbClr val="FFFFFF"/>
+                </a:highlight>
+              </a:rPr>
+              <a:t>)</a:t>
+            </a:r>
+            <a:endParaRPr lang="en-US" b="0" dirty="0">
+              <a:solidFill>
+                <a:srgbClr val="000000"/>
+              </a:solidFill>
+              <a:highlight>
+                <a:srgbClr val="FFFFFF"/>
+              </a:highlight>
+            </a:endParaRPr>
+          </a:p>
+          <a:p>
+            <a:endParaRPr lang="pt-BR" b="0" dirty="0">
+              <a:solidFill>
+                <a:srgbClr val="000000"/>
+              </a:solidFill>
+              <a:highlight>
+                <a:srgbClr val="FFFFFF"/>
+              </a:highlight>
+            </a:endParaRPr>
+          </a:p>
+          <a:p>
+            <a:r>
+              <a:rPr lang="es-ES" b="0" dirty="0" err="1">
+                <a:solidFill>
+                  <a:srgbClr val="000000"/>
+                </a:solidFill>
+                <a:highlight>
+                  <a:srgbClr val="FFFFFF"/>
+                </a:highlight>
+              </a:rPr>
+              <a:t>history</a:t>
+            </a:r>
+            <a:r>
+              <a:rPr lang="es-ES" b="0" dirty="0">
+                <a:solidFill>
+                  <a:srgbClr val="000000"/>
+                </a:solidFill>
+                <a:highlight>
+                  <a:srgbClr val="FFFFFF"/>
+                </a:highlight>
+              </a:rPr>
+              <a:t> = </a:t>
+            </a:r>
+            <a:r>
+              <a:rPr lang="es-ES" b="0" dirty="0" err="1">
+                <a:solidFill>
+                  <a:srgbClr val="000000"/>
+                </a:solidFill>
+                <a:highlight>
+                  <a:srgbClr val="FFFFFF"/>
+                </a:highlight>
+              </a:rPr>
+              <a:t>model</a:t>
+            </a:r>
+            <a:r>
+              <a:rPr lang="es-ES" b="1" dirty="0" err="1">
+                <a:solidFill>
+                  <a:srgbClr val="000080"/>
+                </a:solidFill>
+                <a:highlight>
+                  <a:srgbClr val="FFFFFF"/>
+                </a:highlight>
+              </a:rPr>
+              <a:t>.</a:t>
+            </a:r>
+            <a:r>
+              <a:rPr lang="es-ES" b="0" dirty="0" err="1">
+                <a:solidFill>
+                  <a:srgbClr val="000000"/>
+                </a:solidFill>
+                <a:highlight>
+                  <a:srgbClr val="FFFFFF"/>
+                </a:highlight>
+              </a:rPr>
+              <a:t>fit</a:t>
+            </a:r>
+            <a:r>
+              <a:rPr lang="es-ES" b="1" dirty="0">
+                <a:solidFill>
+                  <a:srgbClr val="000080"/>
+                </a:solidFill>
+                <a:highlight>
+                  <a:srgbClr val="FFFFFF"/>
+                </a:highlight>
+              </a:rPr>
+              <a:t>(</a:t>
+            </a:r>
+            <a:r>
+              <a:rPr lang="es-ES" b="0" dirty="0">
+                <a:solidFill>
+                  <a:srgbClr val="000000"/>
+                </a:solidFill>
+                <a:highlight>
+                  <a:srgbClr val="FFFFFF"/>
+                </a:highlight>
+              </a:rPr>
+              <a:t>x</a:t>
+            </a:r>
+            <a:r>
+              <a:rPr lang="es-ES" b="1" dirty="0">
+                <a:solidFill>
+                  <a:srgbClr val="000080"/>
+                </a:solidFill>
+                <a:highlight>
+                  <a:srgbClr val="FFFFFF"/>
+                </a:highlight>
+              </a:rPr>
+              <a:t>,</a:t>
+            </a:r>
+            <a:r>
+              <a:rPr lang="es-ES" b="0" dirty="0">
+                <a:solidFill>
+                  <a:srgbClr val="000000"/>
+                </a:solidFill>
+                <a:highlight>
+                  <a:srgbClr val="FFFFFF"/>
+                </a:highlight>
+              </a:rPr>
+              <a:t> y</a:t>
+            </a:r>
+            <a:r>
+              <a:rPr lang="es-ES" b="1" dirty="0">
+                <a:solidFill>
+                  <a:srgbClr val="000080"/>
+                </a:solidFill>
+                <a:highlight>
+                  <a:srgbClr val="FFFFFF"/>
+                </a:highlight>
+              </a:rPr>
+              <a:t>,</a:t>
+            </a:r>
+            <a:r>
+              <a:rPr lang="es-ES" b="0" dirty="0">
+                <a:solidFill>
+                  <a:srgbClr val="000000"/>
+                </a:solidFill>
+                <a:highlight>
+                  <a:srgbClr val="FFFFFF"/>
+                </a:highlight>
+              </a:rPr>
+              <a:t> </a:t>
+            </a:r>
+            <a:r>
+              <a:rPr lang="es-ES" b="0" dirty="0" err="1">
+                <a:solidFill>
+                  <a:srgbClr val="000000"/>
+                </a:solidFill>
+                <a:highlight>
+                  <a:srgbClr val="FFFFFF"/>
+                </a:highlight>
+              </a:rPr>
+              <a:t>epochs</a:t>
+            </a:r>
+            <a:r>
+              <a:rPr lang="es-ES" b="1" dirty="0">
+                <a:solidFill>
+                  <a:srgbClr val="000080"/>
+                </a:solidFill>
+                <a:highlight>
+                  <a:srgbClr val="FFFFFF"/>
+                </a:highlight>
+              </a:rPr>
+              <a:t>=</a:t>
+            </a:r>
+            <a:r>
+              <a:rPr lang="es-ES" b="0" dirty="0">
+                <a:solidFill>
+                  <a:srgbClr val="FF0000"/>
+                </a:solidFill>
+                <a:highlight>
+                  <a:srgbClr val="FFFFFF"/>
+                </a:highlight>
+              </a:rPr>
+              <a:t>500</a:t>
+            </a:r>
+            <a:r>
+              <a:rPr lang="es-ES" b="1" dirty="0">
+                <a:solidFill>
+                  <a:srgbClr val="000080"/>
+                </a:solidFill>
+                <a:highlight>
+                  <a:srgbClr val="FFFFFF"/>
+                </a:highlight>
+              </a:rPr>
+              <a:t>)</a:t>
+            </a:r>
+            <a:endParaRPr lang="es-ES" b="0" dirty="0">
+              <a:solidFill>
+                <a:srgbClr val="000000"/>
+              </a:solidFill>
+              <a:highlight>
+                <a:srgbClr val="FFFFFF"/>
+              </a:highlight>
+            </a:endParaRPr>
+          </a:p>
+          <a:p>
+            <a:endParaRPr lang="pt-BR" b="0" dirty="0">
+              <a:solidFill>
+                <a:srgbClr val="000000"/>
+              </a:solidFill>
+              <a:highlight>
+                <a:srgbClr val="FFFFFF"/>
+              </a:highlight>
+            </a:endParaRPr>
+          </a:p>
+          <a:p>
+            <a:r>
+              <a:rPr lang="pt-BR" b="1" dirty="0">
+                <a:solidFill>
+                  <a:srgbClr val="880088"/>
+                </a:solidFill>
+                <a:highlight>
+                  <a:srgbClr val="FFFFFF"/>
+                </a:highlight>
+              </a:rPr>
+              <a:t>print</a:t>
+            </a:r>
+            <a:r>
+              <a:rPr lang="pt-BR" b="1" dirty="0">
+                <a:solidFill>
+                  <a:srgbClr val="000080"/>
+                </a:solidFill>
+                <a:highlight>
+                  <a:srgbClr val="FFFFFF"/>
+                </a:highlight>
+              </a:rPr>
+              <a:t>(</a:t>
+            </a:r>
+            <a:r>
+              <a:rPr lang="pt-BR" b="0" dirty="0" err="1">
+                <a:solidFill>
+                  <a:srgbClr val="000000"/>
+                </a:solidFill>
+                <a:highlight>
+                  <a:srgbClr val="FFFFFF"/>
+                </a:highlight>
+              </a:rPr>
+              <a:t>model</a:t>
+            </a:r>
+            <a:r>
+              <a:rPr lang="pt-BR" b="1" dirty="0" err="1">
+                <a:solidFill>
+                  <a:srgbClr val="000080"/>
+                </a:solidFill>
+                <a:highlight>
+                  <a:srgbClr val="FFFFFF"/>
+                </a:highlight>
+              </a:rPr>
+              <a:t>.</a:t>
+            </a:r>
+            <a:r>
+              <a:rPr lang="pt-BR" b="0" dirty="0" err="1">
+                <a:solidFill>
+                  <a:srgbClr val="000000"/>
+                </a:solidFill>
+                <a:highlight>
+                  <a:srgbClr val="FFFFFF"/>
+                </a:highlight>
+              </a:rPr>
+              <a:t>predict</a:t>
+            </a:r>
+            <a:r>
+              <a:rPr lang="pt-BR" b="1" dirty="0">
+                <a:solidFill>
+                  <a:srgbClr val="000080"/>
+                </a:solidFill>
+                <a:highlight>
+                  <a:srgbClr val="FFFFFF"/>
+                </a:highlight>
+              </a:rPr>
+              <a:t>([</a:t>
+            </a:r>
+            <a:r>
+              <a:rPr lang="pt-BR" b="0" dirty="0">
+                <a:solidFill>
+                  <a:srgbClr val="FF0000"/>
+                </a:solidFill>
+                <a:highlight>
+                  <a:srgbClr val="FFFFFF"/>
+                </a:highlight>
+              </a:rPr>
+              <a:t>10.0</a:t>
+            </a:r>
+            <a:r>
+              <a:rPr lang="pt-BR" b="1" dirty="0">
+                <a:solidFill>
+                  <a:srgbClr val="000080"/>
+                </a:solidFill>
+                <a:highlight>
+                  <a:srgbClr val="FFFFFF"/>
+                </a:highlight>
+              </a:rPr>
+              <a:t>]))</a:t>
+            </a:r>
+            <a:endParaRPr lang="pt-BR" dirty="0"/>
+          </a:p>
+        </p:txBody>
+      </p:sp>
+      <p:sp>
+        <p:nvSpPr>
+          <p:cNvPr id="5" name="Retângulo 4">
+            <a:extLst>
+              <a:ext uri="{FF2B5EF4-FFF2-40B4-BE49-F238E27FC236}">
+                <a16:creationId xmlns:a16="http://schemas.microsoft.com/office/drawing/2014/main" id="{CFCDC870-11DD-7CC0-39D2-F418F4A8AD28}"/>
+              </a:ext>
+            </a:extLst>
+          </p:cNvPr>
+          <p:cNvSpPr/>
+          <p:nvPr/>
+        </p:nvSpPr>
+        <p:spPr>
+          <a:xfrm>
+            <a:off x="2370364" y="3331030"/>
+            <a:ext cx="3595007" cy="377920"/>
+          </a:xfrm>
+          <a:prstGeom prst="rect">
+            <a:avLst/>
+          </a:prstGeom>
+          <a:noFill/>
+          <a:ln w="28575">
+            <a:solidFill>
+              <a:srgbClr val="FF0000"/>
+            </a:solidFill>
+          </a:ln>
+        </p:spPr>
+        <p:style>
+          <a:lnRef idx="2">
+            <a:schemeClr val="accent1">
+              <a:shade val="15000"/>
+            </a:schemeClr>
+          </a:lnRef>
+          <a:fillRef idx="1">
+            <a:schemeClr val="accent1"/>
+          </a:fillRef>
+          <a:effectRef idx="0">
+            <a:schemeClr val="accent1"/>
+          </a:effectRef>
+          <a:fontRef idx="minor">
+            <a:schemeClr val="lt1"/>
+          </a:fontRef>
+        </p:style>
+        <p:txBody>
+          <a:bodyPr rtlCol="0" anchor="ctr"/>
+          <a:lstStyle/>
+          <a:p>
+            <a:pPr algn="ctr"/>
+            <a:endParaRPr lang="pt-BR"/>
+          </a:p>
+        </p:txBody>
+      </p:sp>
+    </p:spTree>
+    <p:extLst>
+      <p:ext uri="{BB962C8B-B14F-4D97-AF65-F5344CB8AC3E}">
+        <p14:creationId xmlns:p14="http://schemas.microsoft.com/office/powerpoint/2010/main" val="3155105704"/>
+      </p:ext>
+    </p:extLst>
+  </p:cSld>
+  <p:clrMapOvr>
+    <a:masterClrMapping/>
+  </p:clrMapOvr>
+</p:sld>
+</file>
+
+<file path=ppt/slides/slide17.xml><?xml version="1.0" encoding="utf-8"?>
+<p:sld xmlns:a="http://schemas.openxmlformats.org/drawingml/2006/main" xmlns:r="http://schemas.openxmlformats.org/officeDocument/2006/relationships" xmlns:p="http://schemas.openxmlformats.org/presentationml/2006/main">
+  <p:cSld>
+    <p:spTree>
+      <p:nvGrpSpPr>
+        <p:cNvPr id="1" name=""/>
+        <p:cNvGrpSpPr/>
+        <p:nvPr/>
+      </p:nvGrpSpPr>
+      <p:grpSpPr>
+        <a:xfrm>
+          <a:off x="0" y="0"/>
+          <a:ext cx="0" cy="0"/>
+          <a:chOff x="0" y="0"/>
+          <a:chExt cx="0" cy="0"/>
+        </a:xfrm>
+      </p:grpSpPr>
+      <p:sp>
+        <p:nvSpPr>
+          <p:cNvPr id="2" name="Título 1">
+            <a:extLst>
+              <a:ext uri="{FF2B5EF4-FFF2-40B4-BE49-F238E27FC236}">
                 <a16:creationId xmlns:a16="http://schemas.microsoft.com/office/drawing/2014/main" id="{2755BD9F-A5F9-C006-2D60-3988AFB742AA}"/>
               </a:ext>
             </a:extLst>
@@ -11874,7 +15178,7 @@
 </p:sld>
 </file>
 
-<file path=ppt/slides/slide16.xml><?xml version="1.0" encoding="utf-8"?>
+<file path=ppt/slides/slide18.xml><?xml version="1.0" encoding="utf-8"?>
 <p:sld xmlns:a="http://schemas.openxmlformats.org/drawingml/2006/main" xmlns:r="http://schemas.openxmlformats.org/officeDocument/2006/relationships" xmlns:p="http://schemas.openxmlformats.org/presentationml/2006/main">
   <p:cSld>
     <p:spTree>
@@ -11960,7 +15264,7 @@
 </p:sld>
 </file>
 
-<file path=ppt/slides/slide17.xml><?xml version="1.0" encoding="utf-8"?>
+<file path=ppt/slides/slide19.xml><?xml version="1.0" encoding="utf-8"?>
 <p:sld xmlns:a="http://schemas.openxmlformats.org/drawingml/2006/main" xmlns:r="http://schemas.openxmlformats.org/officeDocument/2006/relationships" xmlns:p="http://schemas.openxmlformats.org/presentationml/2006/main">
   <p:cSld>
     <p:spTree>
@@ -14060,45 +17364,186 @@
           </a:p>
         </p:txBody>
       </p:sp>
-      <p:sp>
-        <p:nvSpPr>
-          <p:cNvPr id="3" name="Espaço Reservado para Conteúdo 2">
-            <a:extLst>
-              <a:ext uri="{FF2B5EF4-FFF2-40B4-BE49-F238E27FC236}">
-                <a16:creationId xmlns:a16="http://schemas.microsoft.com/office/drawing/2014/main" id="{5271C2DB-CB2D-7DA6-19D3-EA05C00F9996}"/>
-              </a:ext>
-            </a:extLst>
-          </p:cNvPr>
-          <p:cNvSpPr>
-            <a:spLocks noGrp="1"/>
-          </p:cNvSpPr>
-          <p:nvPr>
-            <p:ph idx="1"/>
-          </p:nvPr>
-        </p:nvSpPr>
-        <p:spPr>
-          <a:xfrm>
-            <a:off x="598715" y="4506686"/>
-            <a:ext cx="11473542" cy="2351313"/>
-          </a:xfrm>
-        </p:spPr>
-        <p:txBody>
-          <a:bodyPr/>
-          <a:lstStyle/>
-          <a:p>
-            <a:r>
-              <a:rPr lang="pt-BR" dirty="0"/>
-              <a:t>As primeiras duas linhas definem o conjunto de treinamento.</a:t>
-            </a:r>
-          </a:p>
-          <a:p>
-            <a:r>
-              <a:rPr lang="pt-BR" dirty="0"/>
-              <a:t>Ou seja, os valores de x e y que usaremos para otimizar o modelo durante as iterações e épocas de treinamento.</a:t>
-            </a:r>
-          </a:p>
-        </p:txBody>
-      </p:sp>
+      <mc:AlternateContent xmlns:mc="http://schemas.openxmlformats.org/markup-compatibility/2006">
+        <mc:Choice xmlns:a14="http://schemas.microsoft.com/office/drawing/2010/main" Requires="a14">
+          <p:sp>
+            <p:nvSpPr>
+              <p:cNvPr id="3" name="Espaço Reservado para Conteúdo 2">
+                <a:extLst>
+                  <a:ext uri="{FF2B5EF4-FFF2-40B4-BE49-F238E27FC236}">
+                    <a16:creationId xmlns:a16="http://schemas.microsoft.com/office/drawing/2014/main" id="{5271C2DB-CB2D-7DA6-19D3-EA05C00F9996}"/>
+                  </a:ext>
+                </a:extLst>
+              </p:cNvPr>
+              <p:cNvSpPr>
+                <a:spLocks noGrp="1"/>
+              </p:cNvSpPr>
+              <p:nvPr>
+                <p:ph idx="1"/>
+              </p:nvPr>
+            </p:nvSpPr>
+            <p:spPr>
+              <a:xfrm>
+                <a:off x="598715" y="4506686"/>
+                <a:ext cx="11473542" cy="2351313"/>
+              </a:xfrm>
+            </p:spPr>
+            <p:txBody>
+              <a:bodyPr>
+                <a:normAutofit lnSpcReduction="10000"/>
+              </a:bodyPr>
+              <a:lstStyle/>
+              <a:p>
+                <a:r>
+                  <a:rPr lang="pt-BR" dirty="0"/>
+                  <a:t>As primeiras duas linhas definem o conjunto de treinamento.</a:t>
+                </a:r>
+              </a:p>
+              <a:p>
+                <a:r>
+                  <a:rPr lang="pt-BR" dirty="0"/>
+                  <a:t>Ou seja, os valores de </a:t>
+                </a:r>
+                <a14:m>
+                  <m:oMath xmlns:m="http://schemas.openxmlformats.org/officeDocument/2006/math">
+                    <m:r>
+                      <a:rPr lang="pt-BR" b="0" i="1" smtClean="0">
+                        <a:latin typeface="Cambria Math" panose="02040503050406030204" pitchFamily="18" charset="0"/>
+                      </a:rPr>
+                      <m:t>𝑥</m:t>
+                    </m:r>
+                  </m:oMath>
+                </a14:m>
+                <a:r>
+                  <a:rPr lang="pt-BR" dirty="0"/>
+                  <a:t> e </a:t>
+                </a:r>
+                <a14:m>
+                  <m:oMath xmlns:m="http://schemas.openxmlformats.org/officeDocument/2006/math">
+                    <m:r>
+                      <a:rPr lang="pt-BR" b="0" i="1" smtClean="0">
+                        <a:latin typeface="Cambria Math" panose="02040503050406030204" pitchFamily="18" charset="0"/>
+                      </a:rPr>
+                      <m:t>𝑦</m:t>
+                    </m:r>
+                  </m:oMath>
+                </a14:m>
+                <a:r>
+                  <a:rPr lang="pt-BR" dirty="0"/>
+                  <a:t> que usaremos para otimizar o modelo durante as iterações e épocas de treinamento.</a:t>
+                </a:r>
+              </a:p>
+              <a:p>
+                <a:r>
+                  <a:rPr lang="pt-BR" dirty="0"/>
+                  <a:t>Cada valor de </a:t>
+                </a:r>
+                <a14:m>
+                  <m:oMath xmlns:m="http://schemas.openxmlformats.org/officeDocument/2006/math">
+                    <m:r>
+                      <a:rPr lang="pt-BR" b="0" i="1" smtClean="0">
+                        <a:latin typeface="Cambria Math" panose="02040503050406030204" pitchFamily="18" charset="0"/>
+                      </a:rPr>
+                      <m:t>𝑥</m:t>
+                    </m:r>
+                  </m:oMath>
+                </a14:m>
+                <a:r>
+                  <a:rPr lang="pt-BR" dirty="0"/>
+                  <a:t> corresponde a um valor de </a:t>
+                </a:r>
+                <a14:m>
+                  <m:oMath xmlns:m="http://schemas.openxmlformats.org/officeDocument/2006/math">
+                    <m:r>
+                      <a:rPr lang="pt-BR" i="1">
+                        <a:latin typeface="Cambria Math" panose="02040503050406030204" pitchFamily="18" charset="0"/>
+                      </a:rPr>
+                      <m:t>𝑦</m:t>
+                    </m:r>
+                  </m:oMath>
+                </a14:m>
+                <a:r>
+                  <a:rPr lang="pt-BR" dirty="0"/>
+                  <a:t>.</a:t>
+                </a:r>
+              </a:p>
+              <a:p>
+                <a:r>
+                  <a:rPr lang="pt-BR" dirty="0"/>
+                  <a:t>O </a:t>
+                </a:r>
+                <a:r>
+                  <a:rPr lang="pt-BR" dirty="0" err="1"/>
+                  <a:t>Tensorflow</a:t>
+                </a:r>
+                <a:r>
+                  <a:rPr lang="pt-BR" dirty="0"/>
+                  <a:t> espera que o conjunto de dados sejam </a:t>
+                </a:r>
+                <a:r>
+                  <a:rPr lang="pt-BR" i="1" dirty="0" err="1"/>
+                  <a:t>arrays</a:t>
+                </a:r>
+                <a:r>
+                  <a:rPr lang="pt-BR" dirty="0"/>
+                  <a:t> </a:t>
+                </a:r>
+                <a:r>
+                  <a:rPr lang="pt-BR" dirty="0" err="1"/>
+                  <a:t>NumPy</a:t>
+                </a:r>
+                <a:r>
+                  <a:rPr lang="pt-BR" dirty="0"/>
+                  <a:t>.</a:t>
+                </a:r>
+              </a:p>
+            </p:txBody>
+          </p:sp>
+        </mc:Choice>
+        <mc:Fallback>
+          <p:sp>
+            <p:nvSpPr>
+              <p:cNvPr id="3" name="Espaço Reservado para Conteúdo 2">
+                <a:extLst>
+                  <a:ext uri="{FF2B5EF4-FFF2-40B4-BE49-F238E27FC236}">
+                    <a16:creationId xmlns:a16="http://schemas.microsoft.com/office/drawing/2014/main" id="{5271C2DB-CB2D-7DA6-19D3-EA05C00F9996}"/>
+                  </a:ext>
+                </a:extLst>
+              </p:cNvPr>
+              <p:cNvSpPr>
+                <a:spLocks noGrp="1" noRot="1" noChangeAspect="1" noMove="1" noResize="1" noEditPoints="1" noAdjustHandles="1" noChangeArrowheads="1" noChangeShapeType="1" noTextEdit="1"/>
+              </p:cNvSpPr>
+              <p:nvPr>
+                <p:ph idx="1"/>
+              </p:nvPr>
+            </p:nvSpPr>
+            <p:spPr>
+              <a:xfrm>
+                <a:off x="598715" y="4506686"/>
+                <a:ext cx="11473542" cy="2351313"/>
+              </a:xfrm>
+              <a:blipFill>
+                <a:blip r:embed="rId2"/>
+                <a:stretch>
+                  <a:fillRect l="-956" t="-5699" b="-518"/>
+                </a:stretch>
+              </a:blipFill>
+            </p:spPr>
+            <p:txBody>
+              <a:bodyPr/>
+              <a:lstStyle/>
+              <a:p>
+                <a:r>
+                  <a:rPr lang="pt-BR">
+                    <a:noFill/>
+                  </a:rPr>
+                  <a:t> </a:t>
+                </a:r>
+              </a:p>
+            </p:txBody>
+          </p:sp>
+        </mc:Fallback>
+      </mc:AlternateContent>
       <p:sp>
         <p:nvSpPr>
           <p:cNvPr id="4" name="CaixaDeTexto 3">

--- a/slides/TP557_7_Regressão_com_DNNs.pptx
+++ b/slides/TP557_7_Regressão_com_DNNs.pptx
@@ -1429,7 +1429,7 @@
             </a:r>
             <a:r>
               <a:rPr lang="pt-BR" dirty="0" err="1"/>
-              <a:t>Exercício_gradiente_descendente.ipynb</a:t>
+              <a:t>Exercício_sobre_regressão_com_DNNs.ipynb</a:t>
             </a:r>
             <a:endParaRPr lang="pt-BR" dirty="0"/>
           </a:p>
@@ -9111,8 +9111,8 @@
           </a:p>
         </p:txBody>
       </p:sp>
-      <mc:AlternateContent xmlns:mc="http://schemas.openxmlformats.org/markup-compatibility/2006">
-        <mc:Choice xmlns:a14="http://schemas.microsoft.com/office/drawing/2010/main" Requires="a14">
+      <mc:AlternateContent xmlns:mc="http://schemas.openxmlformats.org/markup-compatibility/2006" xmlns:a14="http://schemas.microsoft.com/office/drawing/2010/main">
+        <mc:Choice Requires="a14">
           <p:sp>
             <p:nvSpPr>
               <p:cNvPr id="3" name="Espaço Reservado para Conteúdo 2">
@@ -9239,7 +9239,7 @@
             </p:txBody>
           </p:sp>
         </mc:Choice>
-        <mc:Fallback>
+        <mc:Fallback xmlns="">
           <p:sp>
             <p:nvSpPr>
               <p:cNvPr id="3" name="Espaço Reservado para Conteúdo 2">
@@ -12314,8 +12314,8 @@
           </a:p>
         </p:txBody>
       </p:sp>
-      <mc:AlternateContent xmlns:mc="http://schemas.openxmlformats.org/markup-compatibility/2006">
-        <mc:Choice xmlns:a14="http://schemas.microsoft.com/office/drawing/2010/main" Requires="a14">
+      <mc:AlternateContent xmlns:mc="http://schemas.openxmlformats.org/markup-compatibility/2006" xmlns:a14="http://schemas.microsoft.com/office/drawing/2010/main">
+        <mc:Choice Requires="a14">
           <p:sp>
             <p:nvSpPr>
               <p:cNvPr id="3" name="Espaço Reservado para Conteúdo 2">
@@ -12445,7 +12445,7 @@
             </p:txBody>
           </p:sp>
         </mc:Choice>
-        <mc:Fallback>
+        <mc:Fallback xmlns="">
           <p:sp>
             <p:nvSpPr>
               <p:cNvPr id="3" name="Espaço Reservado para Conteúdo 2">
@@ -13968,8 +13968,8 @@
           </a:p>
         </p:txBody>
       </p:sp>
-      <mc:AlternateContent xmlns:mc="http://schemas.openxmlformats.org/markup-compatibility/2006">
-        <mc:Choice xmlns:a14="http://schemas.microsoft.com/office/drawing/2010/main" Requires="a14">
+      <mc:AlternateContent xmlns:mc="http://schemas.openxmlformats.org/markup-compatibility/2006" xmlns:a14="http://schemas.microsoft.com/office/drawing/2010/main">
+        <mc:Choice Requires="a14">
           <p:sp>
             <p:nvSpPr>
               <p:cNvPr id="3" name="Espaço Reservado para Conteúdo 2">
@@ -14104,7 +14104,7 @@
             </p:txBody>
           </p:sp>
         </mc:Choice>
-        <mc:Fallback>
+        <mc:Fallback xmlns="">
           <p:sp>
             <p:nvSpPr>
               <p:cNvPr id="3" name="Espaço Reservado para Conteúdo 2">
@@ -14399,8 +14399,8 @@
             </p:sp>
           </mc:Fallback>
         </mc:AlternateContent>
-        <mc:AlternateContent xmlns:mc="http://schemas.openxmlformats.org/markup-compatibility/2006">
-          <mc:Choice xmlns:a14="http://schemas.microsoft.com/office/drawing/2010/main" Requires="a14">
+        <mc:AlternateContent xmlns:mc="http://schemas.openxmlformats.org/markup-compatibility/2006" xmlns:a14="http://schemas.microsoft.com/office/drawing/2010/main">
+          <mc:Choice Requires="a14">
             <p:sp>
               <p:nvSpPr>
                 <p:cNvPr id="10" name="CaixaDeTexto 9">
@@ -14462,7 +14462,7 @@
               </p:txBody>
             </p:sp>
           </mc:Choice>
-          <mc:Fallback>
+          <mc:Fallback xmlns="">
             <p:sp>
               <p:nvSpPr>
                 <p:cNvPr id="10" name="CaixaDeTexto 9">
@@ -14508,8 +14508,8 @@
           </mc:Fallback>
         </mc:AlternateContent>
       </p:grpSp>
-      <mc:AlternateContent xmlns:mc="http://schemas.openxmlformats.org/markup-compatibility/2006">
-        <mc:Choice xmlns:a14="http://schemas.microsoft.com/office/drawing/2010/main" Requires="a14">
+      <mc:AlternateContent xmlns:mc="http://schemas.openxmlformats.org/markup-compatibility/2006" xmlns:a14="http://schemas.microsoft.com/office/drawing/2010/main">
+        <mc:Choice Requires="a14">
           <p:sp>
             <p:nvSpPr>
               <p:cNvPr id="5" name="CaixaDeTexto 4">
@@ -14559,7 +14559,7 @@
             </p:txBody>
           </p:sp>
         </mc:Choice>
-        <mc:Fallback>
+        <mc:Fallback xmlns="">
           <p:sp>
             <p:nvSpPr>
               <p:cNvPr id="5" name="CaixaDeTexto 4">
@@ -14645,8 +14645,8 @@
           </a:fontRef>
         </p:style>
       </p:cxnSp>
-      <mc:AlternateContent xmlns:mc="http://schemas.openxmlformats.org/markup-compatibility/2006">
-        <mc:Choice xmlns:a14="http://schemas.microsoft.com/office/drawing/2010/main" Requires="a14">
+      <mc:AlternateContent xmlns:mc="http://schemas.openxmlformats.org/markup-compatibility/2006" xmlns:a14="http://schemas.microsoft.com/office/drawing/2010/main">
+        <mc:Choice Requires="a14">
           <p:sp>
             <p:nvSpPr>
               <p:cNvPr id="13" name="CaixaDeTexto 12">
@@ -14696,7 +14696,7 @@
             </p:txBody>
           </p:sp>
         </mc:Choice>
-        <mc:Fallback>
+        <mc:Fallback xmlns="">
           <p:sp>
             <p:nvSpPr>
               <p:cNvPr id="13" name="CaixaDeTexto 12">
@@ -14741,8 +14741,8 @@
           </p:sp>
         </mc:Fallback>
       </mc:AlternateContent>
-      <mc:AlternateContent xmlns:mc="http://schemas.openxmlformats.org/markup-compatibility/2006">
-        <mc:Choice xmlns:a14="http://schemas.microsoft.com/office/drawing/2010/main" Requires="a14">
+      <mc:AlternateContent xmlns:mc="http://schemas.openxmlformats.org/markup-compatibility/2006" xmlns:a14="http://schemas.microsoft.com/office/drawing/2010/main">
+        <mc:Choice Requires="a14">
           <p:sp>
             <p:nvSpPr>
               <p:cNvPr id="14" name="CaixaDeTexto 13">
@@ -14828,7 +14828,7 @@
             </p:txBody>
           </p:sp>
         </mc:Choice>
-        <mc:Fallback>
+        <mc:Fallback xmlns="">
           <p:sp>
             <p:nvSpPr>
               <p:cNvPr id="14" name="CaixaDeTexto 13">
@@ -29836,8 +29836,16 @@
               <a:t>Exercício: </a:t>
             </a:r>
             <a:r>
-              <a:rPr lang="pt-BR" dirty="0" err="1"/>
-              <a:t>xxxxx</a:t>
+              <a:rPr lang="pt-BR" dirty="0">
+                <a:hlinkClick r:id="rId3"/>
+              </a:rPr>
+              <a:t>Regressão com </a:t>
+            </a:r>
+            <a:r>
+              <a:rPr lang="pt-BR" dirty="0" err="1">
+                <a:hlinkClick r:id="rId3"/>
+              </a:rPr>
+              <a:t>DNNs</a:t>
             </a:r>
             <a:r>
               <a:rPr lang="pt-BR" dirty="0"/>

--- a/slides/TP557_7_Regressão_com_DNNs.pptx
+++ b/slides/TP557_7_Regressão_com_DNNs.pptx
@@ -5,10 +5,10 @@
     <p:sldMasterId id="2147483648" r:id="rId1"/>
   </p:sldMasterIdLst>
   <p:notesMasterIdLst>
-    <p:notesMasterId r:id="rId30"/>
+    <p:notesMasterId r:id="rId31"/>
   </p:notesMasterIdLst>
   <p:handoutMasterIdLst>
-    <p:handoutMasterId r:id="rId31"/>
+    <p:handoutMasterId r:id="rId32"/>
   </p:handoutMasterIdLst>
   <p:sldIdLst>
     <p:sldId id="256" r:id="rId2"/>
@@ -39,6 +39,7 @@
     <p:sldId id="405" r:id="rId27"/>
     <p:sldId id="293" r:id="rId28"/>
     <p:sldId id="306" r:id="rId29"/>
+    <p:sldId id="430" r:id="rId30"/>
   </p:sldIdLst>
   <p:sldSz cx="12192000" cy="6858000"/>
   <p:notesSz cx="7315200" cy="9601200"/>
@@ -302,7 +303,7 @@
           <a:p>
             <a:fld id="{144F1436-6906-4D93-B7A2-786C327BFA14}" type="datetimeFigureOut">
               <a:rPr lang="nl-BE" smtClean="0"/>
-              <a:t>3/08/2023</a:t>
+              <a:t>6/08/2023</a:t>
             </a:fld>
             <a:endParaRPr lang="nl-BE"/>
           </a:p>
@@ -467,7 +468,7 @@
           <a:p>
             <a:fld id="{AA8CD09E-2914-4F47-B6C1-51B2C31814C9}" type="datetimeFigureOut">
               <a:rPr lang="pt-BR" smtClean="0"/>
-              <a:t>03/08/2023</a:t>
+              <a:t>06/08/2023</a:t>
             </a:fld>
             <a:endParaRPr lang="pt-BR"/>
           </a:p>
@@ -883,6 +884,90 @@
           <a:p>
             <a:fld id="{6FC8D850-966F-45A6-8DE7-15B891E7D40D}" type="slidenum">
               <a:rPr lang="pt-BR" smtClean="0"/>
+              <a:t>19</a:t>
+            </a:fld>
+            <a:endParaRPr lang="pt-BR"/>
+          </a:p>
+        </p:txBody>
+      </p:sp>
+    </p:spTree>
+    <p:extLst>
+      <p:ext uri="{BB962C8B-B14F-4D97-AF65-F5344CB8AC3E}">
+        <p14:creationId xmlns:p14="http://schemas.microsoft.com/office/powerpoint/2010/main" val="446097087"/>
+      </p:ext>
+    </p:extLst>
+  </p:cSld>
+  <p:clrMapOvr>
+    <a:masterClrMapping/>
+  </p:clrMapOvr>
+</p:notes>
+</file>
+
+<file path=ppt/notesSlides/notesSlide11.xml><?xml version="1.0" encoding="utf-8"?>
+<p:notes xmlns:a="http://schemas.openxmlformats.org/drawingml/2006/main" xmlns:r="http://schemas.openxmlformats.org/officeDocument/2006/relationships" xmlns:p="http://schemas.openxmlformats.org/presentationml/2006/main">
+  <p:cSld>
+    <p:spTree>
+      <p:nvGrpSpPr>
+        <p:cNvPr id="1" name=""/>
+        <p:cNvGrpSpPr/>
+        <p:nvPr/>
+      </p:nvGrpSpPr>
+      <p:grpSpPr>
+        <a:xfrm>
+          <a:off x="0" y="0"/>
+          <a:ext cx="0" cy="0"/>
+          <a:chOff x="0" y="0"/>
+          <a:chExt cx="0" cy="0"/>
+        </a:xfrm>
+      </p:grpSpPr>
+      <p:sp>
+        <p:nvSpPr>
+          <p:cNvPr id="2" name="Espaço Reservado para Imagem de Slide 1"/>
+          <p:cNvSpPr>
+            <a:spLocks noGrp="1" noRot="1" noChangeAspect="1"/>
+          </p:cNvSpPr>
+          <p:nvPr>
+            <p:ph type="sldImg"/>
+          </p:nvPr>
+        </p:nvSpPr>
+        <p:spPr/>
+      </p:sp>
+      <p:sp>
+        <p:nvSpPr>
+          <p:cNvPr id="3" name="Espaço Reservado para Anotações 2"/>
+          <p:cNvSpPr>
+            <a:spLocks noGrp="1"/>
+          </p:cNvSpPr>
+          <p:nvPr>
+            <p:ph type="body" idx="1"/>
+          </p:nvPr>
+        </p:nvSpPr>
+        <p:spPr/>
+        <p:txBody>
+          <a:bodyPr/>
+          <a:lstStyle/>
+          <a:p>
+            <a:endParaRPr lang="pt-BR" dirty="0"/>
+          </a:p>
+        </p:txBody>
+      </p:sp>
+      <p:sp>
+        <p:nvSpPr>
+          <p:cNvPr id="4" name="Espaço Reservado para Número de Slide 3"/>
+          <p:cNvSpPr>
+            <a:spLocks noGrp="1"/>
+          </p:cNvSpPr>
+          <p:nvPr>
+            <p:ph type="sldNum" sz="quarter" idx="5"/>
+          </p:nvPr>
+        </p:nvSpPr>
+        <p:spPr/>
+        <p:txBody>
+          <a:bodyPr/>
+          <a:lstStyle/>
+          <a:p>
+            <a:fld id="{6FC8D850-966F-45A6-8DE7-15B891E7D40D}" type="slidenum">
+              <a:rPr lang="pt-BR" smtClean="0"/>
               <a:t>20</a:t>
             </a:fld>
             <a:endParaRPr lang="pt-BR"/>
@@ -902,7 +987,7 @@
 </p:notes>
 </file>
 
-<file path=ppt/notesSlides/notesSlide11.xml><?xml version="1.0" encoding="utf-8"?>
+<file path=ppt/notesSlides/notesSlide12.xml><?xml version="1.0" encoding="utf-8"?>
 <p:notes xmlns:a="http://schemas.openxmlformats.org/drawingml/2006/main" xmlns:r="http://schemas.openxmlformats.org/officeDocument/2006/relationships" xmlns:p="http://schemas.openxmlformats.org/presentationml/2006/main">
   <p:cSld>
     <p:spTree>
@@ -986,7 +1071,7 @@
 </p:notes>
 </file>
 
-<file path=ppt/notesSlides/notesSlide12.xml><?xml version="1.0" encoding="utf-8"?>
+<file path=ppt/notesSlides/notesSlide13.xml><?xml version="1.0" encoding="utf-8"?>
 <p:notes xmlns:a="http://schemas.openxmlformats.org/drawingml/2006/main" xmlns:r="http://schemas.openxmlformats.org/officeDocument/2006/relationships" xmlns:p="http://schemas.openxmlformats.org/presentationml/2006/main">
   <p:cSld>
     <p:spTree>
@@ -1070,7 +1155,7 @@
 </p:notes>
 </file>
 
-<file path=ppt/notesSlides/notesSlide13.xml><?xml version="1.0" encoding="utf-8"?>
+<file path=ppt/notesSlides/notesSlide14.xml><?xml version="1.0" encoding="utf-8"?>
 <p:notes xmlns:a="http://schemas.openxmlformats.org/drawingml/2006/main" xmlns:r="http://schemas.openxmlformats.org/officeDocument/2006/relationships" xmlns:p="http://schemas.openxmlformats.org/presentationml/2006/main">
   <p:cSld>
     <p:spTree>
@@ -1154,7 +1239,7 @@
 </p:notes>
 </file>
 
-<file path=ppt/notesSlides/notesSlide14.xml><?xml version="1.0" encoding="utf-8"?>
+<file path=ppt/notesSlides/notesSlide15.xml><?xml version="1.0" encoding="utf-8"?>
 <p:notes xmlns:a="http://schemas.openxmlformats.org/drawingml/2006/main" xmlns:r="http://schemas.openxmlformats.org/officeDocument/2006/relationships" xmlns:p="http://schemas.openxmlformats.org/presentationml/2006/main">
   <p:cSld>
     <p:spTree>
@@ -1238,7 +1323,7 @@
 </p:notes>
 </file>
 
-<file path=ppt/notesSlides/notesSlide15.xml><?xml version="1.0" encoding="utf-8"?>
+<file path=ppt/notesSlides/notesSlide16.xml><?xml version="1.0" encoding="utf-8"?>
 <p:notes xmlns:a="http://schemas.openxmlformats.org/drawingml/2006/main" xmlns:r="http://schemas.openxmlformats.org/officeDocument/2006/relationships" xmlns:p="http://schemas.openxmlformats.org/presentationml/2006/main">
   <p:cSld>
     <p:spTree>
@@ -1371,7 +1456,7 @@
 </p:notes>
 </file>
 
-<file path=ppt/notesSlides/notesSlide16.xml><?xml version="1.0" encoding="utf-8"?>
+<file path=ppt/notesSlides/notesSlide17.xml><?xml version="1.0" encoding="utf-8"?>
 <p:notes xmlns:a="http://schemas.openxmlformats.org/drawingml/2006/main" xmlns:r="http://schemas.openxmlformats.org/officeDocument/2006/relationships" xmlns:p="http://schemas.openxmlformats.org/presentationml/2006/main">
   <p:cSld>
     <p:spTree>
@@ -1605,44 +1690,7 @@
           <a:bodyPr/>
           <a:lstStyle/>
           <a:p>
-            <a:r>
-              <a:rPr lang="pt-BR" dirty="0"/>
-              <a:t>Há uma outra coisa a destacar ao definir a primeira e, neste caso, a única camada em uma rede, você deve informar na forma de entrada.</a:t>
-            </a:r>
-          </a:p>
-          <a:p>
-            <a:r>
-              <a:rPr lang="pt-BR" dirty="0"/>
-              <a:t>Agora aqui nossa forma de entrada tem apenas um valor.</a:t>
-            </a:r>
-          </a:p>
-          <a:p>
-            <a:r>
-              <a:rPr lang="pt-BR" dirty="0"/>
-              <a:t>Estamos treinando uma rede neural em </a:t>
-            </a:r>
-            <a:r>
-              <a:rPr lang="pt-BR" dirty="0" err="1"/>
-              <a:t>xs</a:t>
-            </a:r>
-            <a:r>
-              <a:rPr lang="pt-BR" dirty="0"/>
-              <a:t> únicos para prever </a:t>
-            </a:r>
-            <a:r>
-              <a:rPr lang="pt-BR" dirty="0" err="1"/>
-              <a:t>ys</a:t>
-            </a:r>
-            <a:r>
-              <a:rPr lang="pt-BR" dirty="0"/>
-              <a:t> únicos.</a:t>
-            </a:r>
-          </a:p>
-          <a:p>
-            <a:r>
-              <a:rPr lang="pt-BR" dirty="0"/>
-              <a:t>Novamente, nossa forma de entrada não poderia ser mais simples.</a:t>
-            </a:r>
+            <a:endParaRPr lang="pt-BR" dirty="0"/>
           </a:p>
         </p:txBody>
       </p:sp>
@@ -1663,7 +1711,7 @@
           <a:p>
             <a:fld id="{6FC8D850-966F-45A6-8DE7-15B891E7D40D}" type="slidenum">
               <a:rPr lang="pt-BR" smtClean="0"/>
-              <a:t>12</a:t>
+              <a:t>10</a:t>
             </a:fld>
             <a:endParaRPr lang="pt-BR"/>
           </a:p>
@@ -1672,7 +1720,7 @@
     </p:spTree>
     <p:extLst>
       <p:ext uri="{BB962C8B-B14F-4D97-AF65-F5344CB8AC3E}">
-        <p14:creationId xmlns:p14="http://schemas.microsoft.com/office/powerpoint/2010/main" val="1655417059"/>
+        <p14:creationId xmlns:p14="http://schemas.microsoft.com/office/powerpoint/2010/main" val="1712059614"/>
       </p:ext>
     </p:extLst>
   </p:cSld>
@@ -1784,7 +1832,7 @@
           <a:p>
             <a:fld id="{6FC8D850-966F-45A6-8DE7-15B891E7D40D}" type="slidenum">
               <a:rPr lang="pt-BR" smtClean="0"/>
-              <a:t>13</a:t>
+              <a:t>12</a:t>
             </a:fld>
             <a:endParaRPr lang="pt-BR"/>
           </a:p>
@@ -1793,7 +1841,7 @@
     </p:spTree>
     <p:extLst>
       <p:ext uri="{BB962C8B-B14F-4D97-AF65-F5344CB8AC3E}">
-        <p14:creationId xmlns:p14="http://schemas.microsoft.com/office/powerpoint/2010/main" val="1908262574"/>
+        <p14:creationId xmlns:p14="http://schemas.microsoft.com/office/powerpoint/2010/main" val="1655417059"/>
       </p:ext>
     </p:extLst>
   </p:cSld>
@@ -1905,6 +1953,127 @@
           <a:p>
             <a:fld id="{6FC8D850-966F-45A6-8DE7-15B891E7D40D}" type="slidenum">
               <a:rPr lang="pt-BR" smtClean="0"/>
+              <a:t>13</a:t>
+            </a:fld>
+            <a:endParaRPr lang="pt-BR"/>
+          </a:p>
+        </p:txBody>
+      </p:sp>
+    </p:spTree>
+    <p:extLst>
+      <p:ext uri="{BB962C8B-B14F-4D97-AF65-F5344CB8AC3E}">
+        <p14:creationId xmlns:p14="http://schemas.microsoft.com/office/powerpoint/2010/main" val="1908262574"/>
+      </p:ext>
+    </p:extLst>
+  </p:cSld>
+  <p:clrMapOvr>
+    <a:masterClrMapping/>
+  </p:clrMapOvr>
+</p:notes>
+</file>
+
+<file path=ppt/notesSlides/notesSlide6.xml><?xml version="1.0" encoding="utf-8"?>
+<p:notes xmlns:a="http://schemas.openxmlformats.org/drawingml/2006/main" xmlns:r="http://schemas.openxmlformats.org/officeDocument/2006/relationships" xmlns:p="http://schemas.openxmlformats.org/presentationml/2006/main">
+  <p:cSld>
+    <p:spTree>
+      <p:nvGrpSpPr>
+        <p:cNvPr id="1" name=""/>
+        <p:cNvGrpSpPr/>
+        <p:nvPr/>
+      </p:nvGrpSpPr>
+      <p:grpSpPr>
+        <a:xfrm>
+          <a:off x="0" y="0"/>
+          <a:ext cx="0" cy="0"/>
+          <a:chOff x="0" y="0"/>
+          <a:chExt cx="0" cy="0"/>
+        </a:xfrm>
+      </p:grpSpPr>
+      <p:sp>
+        <p:nvSpPr>
+          <p:cNvPr id="2" name="Espaço Reservado para Imagem de Slide 1"/>
+          <p:cNvSpPr>
+            <a:spLocks noGrp="1" noRot="1" noChangeAspect="1"/>
+          </p:cNvSpPr>
+          <p:nvPr>
+            <p:ph type="sldImg"/>
+          </p:nvPr>
+        </p:nvSpPr>
+        <p:spPr/>
+      </p:sp>
+      <p:sp>
+        <p:nvSpPr>
+          <p:cNvPr id="3" name="Espaço Reservado para Anotações 2"/>
+          <p:cNvSpPr>
+            <a:spLocks noGrp="1"/>
+          </p:cNvSpPr>
+          <p:nvPr>
+            <p:ph type="body" idx="1"/>
+          </p:nvPr>
+        </p:nvSpPr>
+        <p:spPr/>
+        <p:txBody>
+          <a:bodyPr/>
+          <a:lstStyle/>
+          <a:p>
+            <a:r>
+              <a:rPr lang="pt-BR" dirty="0"/>
+              <a:t>Há uma outra coisa a destacar ao definir a primeira e, neste caso, a única camada em uma rede, você deve informar na forma de entrada.</a:t>
+            </a:r>
+          </a:p>
+          <a:p>
+            <a:r>
+              <a:rPr lang="pt-BR" dirty="0"/>
+              <a:t>Agora aqui nossa forma de entrada tem apenas um valor.</a:t>
+            </a:r>
+          </a:p>
+          <a:p>
+            <a:r>
+              <a:rPr lang="pt-BR" dirty="0"/>
+              <a:t>Estamos treinando uma rede neural em </a:t>
+            </a:r>
+            <a:r>
+              <a:rPr lang="pt-BR" dirty="0" err="1"/>
+              <a:t>xs</a:t>
+            </a:r>
+            <a:r>
+              <a:rPr lang="pt-BR" dirty="0"/>
+              <a:t> únicos para prever </a:t>
+            </a:r>
+            <a:r>
+              <a:rPr lang="pt-BR" dirty="0" err="1"/>
+              <a:t>ys</a:t>
+            </a:r>
+            <a:r>
+              <a:rPr lang="pt-BR" dirty="0"/>
+              <a:t> únicos.</a:t>
+            </a:r>
+          </a:p>
+          <a:p>
+            <a:r>
+              <a:rPr lang="pt-BR" dirty="0"/>
+              <a:t>Novamente, nossa forma de entrada não poderia ser mais simples.</a:t>
+            </a:r>
+          </a:p>
+        </p:txBody>
+      </p:sp>
+      <p:sp>
+        <p:nvSpPr>
+          <p:cNvPr id="4" name="Espaço Reservado para Número de Slide 3"/>
+          <p:cNvSpPr>
+            <a:spLocks noGrp="1"/>
+          </p:cNvSpPr>
+          <p:nvPr>
+            <p:ph type="sldNum" sz="quarter" idx="5"/>
+          </p:nvPr>
+        </p:nvSpPr>
+        <p:spPr/>
+        <p:txBody>
+          <a:bodyPr/>
+          <a:lstStyle/>
+          <a:p>
+            <a:fld id="{6FC8D850-966F-45A6-8DE7-15B891E7D40D}" type="slidenum">
+              <a:rPr lang="pt-BR" smtClean="0"/>
               <a:t>14</a:t>
             </a:fld>
             <a:endParaRPr lang="pt-BR"/>
@@ -1924,7 +2093,7 @@
 </p:notes>
 </file>
 
-<file path=ppt/notesSlides/notesSlide6.xml><?xml version="1.0" encoding="utf-8"?>
+<file path=ppt/notesSlides/notesSlide7.xml><?xml version="1.0" encoding="utf-8"?>
 <p:notes xmlns:a="http://schemas.openxmlformats.org/drawingml/2006/main" xmlns:r="http://schemas.openxmlformats.org/officeDocument/2006/relationships" xmlns:p="http://schemas.openxmlformats.org/presentationml/2006/main">
   <p:cSld>
     <p:spTree>
@@ -2008,7 +2177,7 @@
 </p:notes>
 </file>
 
-<file path=ppt/notesSlides/notesSlide7.xml><?xml version="1.0" encoding="utf-8"?>
+<file path=ppt/notesSlides/notesSlide8.xml><?xml version="1.0" encoding="utf-8"?>
 <p:notes xmlns:a="http://schemas.openxmlformats.org/drawingml/2006/main" xmlns:r="http://schemas.openxmlformats.org/officeDocument/2006/relationships" xmlns:p="http://schemas.openxmlformats.org/presentationml/2006/main">
   <p:cSld>
     <p:spTree>
@@ -2092,7 +2261,7 @@
 </p:notes>
 </file>
 
-<file path=ppt/notesSlides/notesSlide8.xml><?xml version="1.0" encoding="utf-8"?>
+<file path=ppt/notesSlides/notesSlide9.xml><?xml version="1.0" encoding="utf-8"?>
 <p:notes xmlns:a="http://schemas.openxmlformats.org/drawingml/2006/main" xmlns:r="http://schemas.openxmlformats.org/officeDocument/2006/relationships" xmlns:p="http://schemas.openxmlformats.org/presentationml/2006/main">
   <p:cSld>
     <p:spTree>
@@ -2385,90 +2554,6 @@
     <p:extLst>
       <p:ext uri="{BB962C8B-B14F-4D97-AF65-F5344CB8AC3E}">
         <p14:creationId xmlns:p14="http://schemas.microsoft.com/office/powerpoint/2010/main" val="4196608804"/>
-      </p:ext>
-    </p:extLst>
-  </p:cSld>
-  <p:clrMapOvr>
-    <a:masterClrMapping/>
-  </p:clrMapOvr>
-</p:notes>
-</file>
-
-<file path=ppt/notesSlides/notesSlide9.xml><?xml version="1.0" encoding="utf-8"?>
-<p:notes xmlns:a="http://schemas.openxmlformats.org/drawingml/2006/main" xmlns:r="http://schemas.openxmlformats.org/officeDocument/2006/relationships" xmlns:p="http://schemas.openxmlformats.org/presentationml/2006/main">
-  <p:cSld>
-    <p:spTree>
-      <p:nvGrpSpPr>
-        <p:cNvPr id="1" name=""/>
-        <p:cNvGrpSpPr/>
-        <p:nvPr/>
-      </p:nvGrpSpPr>
-      <p:grpSpPr>
-        <a:xfrm>
-          <a:off x="0" y="0"/>
-          <a:ext cx="0" cy="0"/>
-          <a:chOff x="0" y="0"/>
-          <a:chExt cx="0" cy="0"/>
-        </a:xfrm>
-      </p:grpSpPr>
-      <p:sp>
-        <p:nvSpPr>
-          <p:cNvPr id="2" name="Espaço Reservado para Imagem de Slide 1"/>
-          <p:cNvSpPr>
-            <a:spLocks noGrp="1" noRot="1" noChangeAspect="1"/>
-          </p:cNvSpPr>
-          <p:nvPr>
-            <p:ph type="sldImg"/>
-          </p:nvPr>
-        </p:nvSpPr>
-        <p:spPr/>
-      </p:sp>
-      <p:sp>
-        <p:nvSpPr>
-          <p:cNvPr id="3" name="Espaço Reservado para Anotações 2"/>
-          <p:cNvSpPr>
-            <a:spLocks noGrp="1"/>
-          </p:cNvSpPr>
-          <p:nvPr>
-            <p:ph type="body" idx="1"/>
-          </p:nvPr>
-        </p:nvSpPr>
-        <p:spPr/>
-        <p:txBody>
-          <a:bodyPr/>
-          <a:lstStyle/>
-          <a:p>
-            <a:endParaRPr lang="pt-BR" dirty="0"/>
-          </a:p>
-        </p:txBody>
-      </p:sp>
-      <p:sp>
-        <p:nvSpPr>
-          <p:cNvPr id="4" name="Espaço Reservado para Número de Slide 3"/>
-          <p:cNvSpPr>
-            <a:spLocks noGrp="1"/>
-          </p:cNvSpPr>
-          <p:nvPr>
-            <p:ph type="sldNum" sz="quarter" idx="5"/>
-          </p:nvPr>
-        </p:nvSpPr>
-        <p:spPr/>
-        <p:txBody>
-          <a:bodyPr/>
-          <a:lstStyle/>
-          <a:p>
-            <a:fld id="{6FC8D850-966F-45A6-8DE7-15B891E7D40D}" type="slidenum">
-              <a:rPr lang="pt-BR" smtClean="0"/>
-              <a:t>19</a:t>
-            </a:fld>
-            <a:endParaRPr lang="pt-BR"/>
-          </a:p>
-        </p:txBody>
-      </p:sp>
-    </p:spTree>
-    <p:extLst>
-      <p:ext uri="{BB962C8B-B14F-4D97-AF65-F5344CB8AC3E}">
-        <p14:creationId xmlns:p14="http://schemas.microsoft.com/office/powerpoint/2010/main" val="446097087"/>
       </p:ext>
     </p:extLst>
   </p:cSld>
@@ -2625,7 +2710,7 @@
           <a:p>
             <a:fld id="{63289F7E-B80B-496E-81B4-D396C37C9454}" type="datetimeFigureOut">
               <a:rPr lang="pt-BR" smtClean="0"/>
-              <a:t>03/08/2023</a:t>
+              <a:t>06/08/2023</a:t>
             </a:fld>
             <a:endParaRPr lang="pt-BR"/>
           </a:p>
@@ -2823,7 +2908,7 @@
           <a:p>
             <a:fld id="{63289F7E-B80B-496E-81B4-D396C37C9454}" type="datetimeFigureOut">
               <a:rPr lang="pt-BR" smtClean="0"/>
-              <a:t>03/08/2023</a:t>
+              <a:t>06/08/2023</a:t>
             </a:fld>
             <a:endParaRPr lang="pt-BR"/>
           </a:p>
@@ -3031,7 +3116,7 @@
           <a:p>
             <a:fld id="{63289F7E-B80B-496E-81B4-D396C37C9454}" type="datetimeFigureOut">
               <a:rPr lang="pt-BR" smtClean="0"/>
-              <a:t>03/08/2023</a:t>
+              <a:t>06/08/2023</a:t>
             </a:fld>
             <a:endParaRPr lang="pt-BR"/>
           </a:p>
@@ -3229,7 +3314,7 @@
           <a:p>
             <a:fld id="{63289F7E-B80B-496E-81B4-D396C37C9454}" type="datetimeFigureOut">
               <a:rPr lang="pt-BR" smtClean="0"/>
-              <a:t>03/08/2023</a:t>
+              <a:t>06/08/2023</a:t>
             </a:fld>
             <a:endParaRPr lang="pt-BR"/>
           </a:p>
@@ -3504,7 +3589,7 @@
           <a:p>
             <a:fld id="{63289F7E-B80B-496E-81B4-D396C37C9454}" type="datetimeFigureOut">
               <a:rPr lang="pt-BR" smtClean="0"/>
-              <a:t>03/08/2023</a:t>
+              <a:t>06/08/2023</a:t>
             </a:fld>
             <a:endParaRPr lang="pt-BR"/>
           </a:p>
@@ -3769,7 +3854,7 @@
           <a:p>
             <a:fld id="{63289F7E-B80B-496E-81B4-D396C37C9454}" type="datetimeFigureOut">
               <a:rPr lang="pt-BR" smtClean="0"/>
-              <a:t>03/08/2023</a:t>
+              <a:t>06/08/2023</a:t>
             </a:fld>
             <a:endParaRPr lang="pt-BR"/>
           </a:p>
@@ -4181,7 +4266,7 @@
           <a:p>
             <a:fld id="{63289F7E-B80B-496E-81B4-D396C37C9454}" type="datetimeFigureOut">
               <a:rPr lang="pt-BR" smtClean="0"/>
-              <a:t>03/08/2023</a:t>
+              <a:t>06/08/2023</a:t>
             </a:fld>
             <a:endParaRPr lang="pt-BR"/>
           </a:p>
@@ -4322,7 +4407,7 @@
           <a:p>
             <a:fld id="{63289F7E-B80B-496E-81B4-D396C37C9454}" type="datetimeFigureOut">
               <a:rPr lang="pt-BR" smtClean="0"/>
-              <a:t>03/08/2023</a:t>
+              <a:t>06/08/2023</a:t>
             </a:fld>
             <a:endParaRPr lang="pt-BR"/>
           </a:p>
@@ -4435,7 +4520,7 @@
           <a:p>
             <a:fld id="{63289F7E-B80B-496E-81B4-D396C37C9454}" type="datetimeFigureOut">
               <a:rPr lang="pt-BR" smtClean="0"/>
-              <a:t>03/08/2023</a:t>
+              <a:t>06/08/2023</a:t>
             </a:fld>
             <a:endParaRPr lang="pt-BR"/>
           </a:p>
@@ -4746,7 +4831,7 @@
           <a:p>
             <a:fld id="{63289F7E-B80B-496E-81B4-D396C37C9454}" type="datetimeFigureOut">
               <a:rPr lang="pt-BR" smtClean="0"/>
-              <a:t>03/08/2023</a:t>
+              <a:t>06/08/2023</a:t>
             </a:fld>
             <a:endParaRPr lang="pt-BR"/>
           </a:p>
@@ -5034,7 +5119,7 @@
           <a:p>
             <a:fld id="{63289F7E-B80B-496E-81B4-D396C37C9454}" type="datetimeFigureOut">
               <a:rPr lang="pt-BR" smtClean="0"/>
-              <a:t>03/08/2023</a:t>
+              <a:t>06/08/2023</a:t>
             </a:fld>
             <a:endParaRPr lang="pt-BR"/>
           </a:p>
@@ -5275,7 +5360,7 @@
           <a:p>
             <a:fld id="{63289F7E-B80B-496E-81B4-D396C37C9454}" type="datetimeFigureOut">
               <a:rPr lang="pt-BR" smtClean="0"/>
-              <a:t>03/08/2023</a:t>
+              <a:t>06/08/2023</a:t>
             </a:fld>
             <a:endParaRPr lang="pt-BR"/>
           </a:p>
@@ -10808,7 +10893,7 @@
             </a:r>
             <a:r>
               <a:rPr lang="pt-BR" dirty="0"/>
-              <a:t>que tem como entrada a combinação ponderada das entradas pelos pesos e que faz um </a:t>
+              <a:t>que têm como entrada a combinação ponderada das entradas pelos pesos sinápticos mais o peso de bias e que faz um </a:t>
             </a:r>
             <a:r>
               <a:rPr lang="pt-BR" b="1" i="1" dirty="0"/>
@@ -10830,7 +10915,7 @@
             </a:r>
             <a:r>
               <a:rPr lang="pt-BR" dirty="0"/>
-              <a:t>, não usamos nenhuma função de ativação.</a:t>
+              <a:t>, não usaremos nenhuma função de ativação.</a:t>
             </a:r>
           </a:p>
         </p:txBody>
@@ -15003,15 +15088,7 @@
           <a:p>
             <a:r>
               <a:rPr lang="pt-BR" dirty="0"/>
-              <a:t>O </a:t>
-            </a:r>
-            <a:r>
-              <a:rPr lang="pt-BR" dirty="0" err="1"/>
-              <a:t>Tensorflow</a:t>
-            </a:r>
-            <a:r>
-              <a:rPr lang="pt-BR" dirty="0"/>
-              <a:t> se encarrega de realizar os cálculos do erro, não precisamos nos preocupar.</a:t>
+              <a:t>O Tensorflow se encarrega de realizar os cálculos do erro, não precisamos nos preocupar.</a:t>
             </a:r>
           </a:p>
         </p:txBody>
@@ -21463,13 +21540,13 @@
         </p:spPr>
         <p:txBody>
           <a:bodyPr>
-            <a:normAutofit lnSpcReduction="10000"/>
+            <a:normAutofit/>
           </a:bodyPr>
           <a:lstStyle/>
           <a:p>
             <a:r>
               <a:rPr lang="pt-BR" dirty="0"/>
-              <a:t>Por padrão, o tamanho do </a:t>
+              <a:t>O tamanho do </a:t>
             </a:r>
             <a:r>
               <a:rPr lang="pt-BR" i="1" dirty="0" err="1"/>
@@ -21477,13 +21554,7 @@
             </a:r>
             <a:r>
               <a:rPr lang="pt-BR" dirty="0"/>
-              <a:t> é igual a 32.</a:t>
-            </a:r>
-          </a:p>
-          <a:p>
-            <a:r>
-              <a:rPr lang="pt-BR" dirty="0"/>
-              <a:t>Isso é definido através do parâmetro </a:t>
+              <a:t> é definido através do parâmetro </a:t>
             </a:r>
             <a:r>
               <a:rPr lang="pt-BR" i="1" dirty="0" err="1"/>
@@ -30030,6 +30101,4203 @@
     <p:extLst>
       <p:ext uri="{BB962C8B-B14F-4D97-AF65-F5344CB8AC3E}">
         <p14:creationId xmlns:p14="http://schemas.microsoft.com/office/powerpoint/2010/main" val="599145874"/>
+      </p:ext>
+    </p:extLst>
+  </p:cSld>
+  <p:clrMapOvr>
+    <a:masterClrMapping/>
+  </p:clrMapOvr>
+</p:sld>
+</file>
+
+<file path=ppt/slides/slide29.xml><?xml version="1.0" encoding="utf-8"?>
+<p:sld xmlns:a="http://schemas.openxmlformats.org/drawingml/2006/main" xmlns:r="http://schemas.openxmlformats.org/officeDocument/2006/relationships" xmlns:p="http://schemas.openxmlformats.org/presentationml/2006/main">
+  <p:cSld>
+    <p:spTree>
+      <p:nvGrpSpPr>
+        <p:cNvPr id="1" name=""/>
+        <p:cNvGrpSpPr/>
+        <p:nvPr/>
+      </p:nvGrpSpPr>
+      <p:grpSpPr>
+        <a:xfrm>
+          <a:off x="0" y="0"/>
+          <a:ext cx="0" cy="0"/>
+          <a:chOff x="0" y="0"/>
+          <a:chExt cx="0" cy="0"/>
+        </a:xfrm>
+      </p:grpSpPr>
+      <p:sp>
+        <p:nvSpPr>
+          <p:cNvPr id="4" name="Elipse 3">
+            <a:extLst>
+              <a:ext uri="{FF2B5EF4-FFF2-40B4-BE49-F238E27FC236}">
+                <a16:creationId xmlns:a16="http://schemas.microsoft.com/office/drawing/2014/main" id="{F6FA5A0B-AB8E-AB00-1685-06F32CE379FE}"/>
+              </a:ext>
+            </a:extLst>
+          </p:cNvPr>
+          <p:cNvSpPr/>
+          <p:nvPr/>
+        </p:nvSpPr>
+        <p:spPr>
+          <a:xfrm>
+            <a:off x="2492828" y="2612572"/>
+            <a:ext cx="566057" cy="566057"/>
+          </a:xfrm>
+          <a:prstGeom prst="ellipse">
+            <a:avLst/>
+          </a:prstGeom>
+          <a:solidFill>
+            <a:schemeClr val="accent1"/>
+          </a:solidFill>
+          <a:ln>
+            <a:noFill/>
+          </a:ln>
+        </p:spPr>
+        <p:style>
+          <a:lnRef idx="2">
+            <a:schemeClr val="accent1">
+              <a:shade val="15000"/>
+            </a:schemeClr>
+          </a:lnRef>
+          <a:fillRef idx="1">
+            <a:schemeClr val="accent1"/>
+          </a:fillRef>
+          <a:effectRef idx="0">
+            <a:schemeClr val="accent1"/>
+          </a:effectRef>
+          <a:fontRef idx="minor">
+            <a:schemeClr val="lt1"/>
+          </a:fontRef>
+        </p:style>
+        <p:txBody>
+          <a:bodyPr rtlCol="0" anchor="ctr"/>
+          <a:lstStyle/>
+          <a:p>
+            <a:pPr algn="ctr"/>
+            <a:endParaRPr lang="pt-BR" dirty="0"/>
+          </a:p>
+        </p:txBody>
+      </p:sp>
+      <p:sp>
+        <p:nvSpPr>
+          <p:cNvPr id="5" name="Elipse 4">
+            <a:extLst>
+              <a:ext uri="{FF2B5EF4-FFF2-40B4-BE49-F238E27FC236}">
+                <a16:creationId xmlns:a16="http://schemas.microsoft.com/office/drawing/2014/main" id="{DB429AC6-930D-E23B-780C-18632C46D95C}"/>
+              </a:ext>
+            </a:extLst>
+          </p:cNvPr>
+          <p:cNvSpPr/>
+          <p:nvPr/>
+        </p:nvSpPr>
+        <p:spPr>
+          <a:xfrm>
+            <a:off x="2492827" y="3331029"/>
+            <a:ext cx="566057" cy="566057"/>
+          </a:xfrm>
+          <a:prstGeom prst="ellipse">
+            <a:avLst/>
+          </a:prstGeom>
+          <a:solidFill>
+            <a:schemeClr val="bg1">
+              <a:lumMod val="85000"/>
+            </a:schemeClr>
+          </a:solidFill>
+          <a:ln>
+            <a:noFill/>
+          </a:ln>
+        </p:spPr>
+        <p:style>
+          <a:lnRef idx="2">
+            <a:schemeClr val="accent1">
+              <a:shade val="15000"/>
+            </a:schemeClr>
+          </a:lnRef>
+          <a:fillRef idx="1">
+            <a:schemeClr val="accent1"/>
+          </a:fillRef>
+          <a:effectRef idx="0">
+            <a:schemeClr val="accent1"/>
+          </a:effectRef>
+          <a:fontRef idx="minor">
+            <a:schemeClr val="lt1"/>
+          </a:fontRef>
+        </p:style>
+        <p:txBody>
+          <a:bodyPr rtlCol="0" anchor="ctr"/>
+          <a:lstStyle/>
+          <a:p>
+            <a:pPr algn="ctr"/>
+            <a:endParaRPr lang="pt-BR" dirty="0"/>
+          </a:p>
+        </p:txBody>
+      </p:sp>
+      <p:sp>
+        <p:nvSpPr>
+          <p:cNvPr id="6" name="Elipse 5">
+            <a:extLst>
+              <a:ext uri="{FF2B5EF4-FFF2-40B4-BE49-F238E27FC236}">
+                <a16:creationId xmlns:a16="http://schemas.microsoft.com/office/drawing/2014/main" id="{86A7C4E8-DBF4-B3BC-ECE9-E17506CA3002}"/>
+              </a:ext>
+            </a:extLst>
+          </p:cNvPr>
+          <p:cNvSpPr/>
+          <p:nvPr/>
+        </p:nvSpPr>
+        <p:spPr>
+          <a:xfrm>
+            <a:off x="2492827" y="4049486"/>
+            <a:ext cx="566057" cy="566057"/>
+          </a:xfrm>
+          <a:prstGeom prst="ellipse">
+            <a:avLst/>
+          </a:prstGeom>
+          <a:solidFill>
+            <a:schemeClr val="bg1">
+              <a:lumMod val="85000"/>
+            </a:schemeClr>
+          </a:solidFill>
+          <a:ln>
+            <a:noFill/>
+          </a:ln>
+        </p:spPr>
+        <p:style>
+          <a:lnRef idx="2">
+            <a:schemeClr val="accent1">
+              <a:shade val="15000"/>
+            </a:schemeClr>
+          </a:lnRef>
+          <a:fillRef idx="1">
+            <a:schemeClr val="accent1"/>
+          </a:fillRef>
+          <a:effectRef idx="0">
+            <a:schemeClr val="accent1"/>
+          </a:effectRef>
+          <a:fontRef idx="minor">
+            <a:schemeClr val="lt1"/>
+          </a:fontRef>
+        </p:style>
+        <p:txBody>
+          <a:bodyPr rtlCol="0" anchor="ctr"/>
+          <a:lstStyle/>
+          <a:p>
+            <a:pPr algn="ctr"/>
+            <a:endParaRPr lang="pt-BR" dirty="0"/>
+          </a:p>
+        </p:txBody>
+      </p:sp>
+      <p:sp>
+        <p:nvSpPr>
+          <p:cNvPr id="7" name="Elipse 6">
+            <a:extLst>
+              <a:ext uri="{FF2B5EF4-FFF2-40B4-BE49-F238E27FC236}">
+                <a16:creationId xmlns:a16="http://schemas.microsoft.com/office/drawing/2014/main" id="{C0037FB4-7AD1-558F-830D-104EAFA1605D}"/>
+              </a:ext>
+            </a:extLst>
+          </p:cNvPr>
+          <p:cNvSpPr/>
+          <p:nvPr/>
+        </p:nvSpPr>
+        <p:spPr>
+          <a:xfrm>
+            <a:off x="2492827" y="4767943"/>
+            <a:ext cx="566057" cy="566057"/>
+          </a:xfrm>
+          <a:prstGeom prst="ellipse">
+            <a:avLst/>
+          </a:prstGeom>
+          <a:solidFill>
+            <a:schemeClr val="bg1">
+              <a:lumMod val="85000"/>
+            </a:schemeClr>
+          </a:solidFill>
+          <a:ln>
+            <a:noFill/>
+          </a:ln>
+        </p:spPr>
+        <p:style>
+          <a:lnRef idx="2">
+            <a:schemeClr val="accent1">
+              <a:shade val="15000"/>
+            </a:schemeClr>
+          </a:lnRef>
+          <a:fillRef idx="1">
+            <a:schemeClr val="accent1"/>
+          </a:fillRef>
+          <a:effectRef idx="0">
+            <a:schemeClr val="accent1"/>
+          </a:effectRef>
+          <a:fontRef idx="minor">
+            <a:schemeClr val="lt1"/>
+          </a:fontRef>
+        </p:style>
+        <p:txBody>
+          <a:bodyPr rtlCol="0" anchor="ctr"/>
+          <a:lstStyle/>
+          <a:p>
+            <a:pPr algn="ctr"/>
+            <a:endParaRPr lang="pt-BR" dirty="0"/>
+          </a:p>
+        </p:txBody>
+      </p:sp>
+      <p:sp>
+        <p:nvSpPr>
+          <p:cNvPr id="8" name="Elipse 7">
+            <a:extLst>
+              <a:ext uri="{FF2B5EF4-FFF2-40B4-BE49-F238E27FC236}">
+                <a16:creationId xmlns:a16="http://schemas.microsoft.com/office/drawing/2014/main" id="{33FCEEB6-3308-8475-FE26-D06DBE087116}"/>
+              </a:ext>
+            </a:extLst>
+          </p:cNvPr>
+          <p:cNvSpPr/>
+          <p:nvPr/>
+        </p:nvSpPr>
+        <p:spPr>
+          <a:xfrm>
+            <a:off x="3450770" y="3331028"/>
+            <a:ext cx="566057" cy="566057"/>
+          </a:xfrm>
+          <a:prstGeom prst="ellipse">
+            <a:avLst/>
+          </a:prstGeom>
+          <a:solidFill>
+            <a:schemeClr val="bg1">
+              <a:lumMod val="85000"/>
+            </a:schemeClr>
+          </a:solidFill>
+          <a:ln>
+            <a:noFill/>
+          </a:ln>
+        </p:spPr>
+        <p:style>
+          <a:lnRef idx="2">
+            <a:schemeClr val="accent1">
+              <a:shade val="15000"/>
+            </a:schemeClr>
+          </a:lnRef>
+          <a:fillRef idx="1">
+            <a:schemeClr val="accent1"/>
+          </a:fillRef>
+          <a:effectRef idx="0">
+            <a:schemeClr val="accent1"/>
+          </a:effectRef>
+          <a:fontRef idx="minor">
+            <a:schemeClr val="lt1"/>
+          </a:fontRef>
+        </p:style>
+        <p:txBody>
+          <a:bodyPr rtlCol="0" anchor="ctr"/>
+          <a:lstStyle/>
+          <a:p>
+            <a:pPr algn="ctr"/>
+            <a:endParaRPr lang="pt-BR" dirty="0"/>
+          </a:p>
+        </p:txBody>
+      </p:sp>
+      <p:sp>
+        <p:nvSpPr>
+          <p:cNvPr id="9" name="Elipse 8">
+            <a:extLst>
+              <a:ext uri="{FF2B5EF4-FFF2-40B4-BE49-F238E27FC236}">
+                <a16:creationId xmlns:a16="http://schemas.microsoft.com/office/drawing/2014/main" id="{01182C24-BE65-4B82-FA4C-EF4D0DCC0DE3}"/>
+              </a:ext>
+            </a:extLst>
+          </p:cNvPr>
+          <p:cNvSpPr/>
+          <p:nvPr/>
+        </p:nvSpPr>
+        <p:spPr>
+          <a:xfrm>
+            <a:off x="3450769" y="4049485"/>
+            <a:ext cx="566057" cy="566057"/>
+          </a:xfrm>
+          <a:prstGeom prst="ellipse">
+            <a:avLst/>
+          </a:prstGeom>
+          <a:solidFill>
+            <a:schemeClr val="bg1">
+              <a:lumMod val="85000"/>
+            </a:schemeClr>
+          </a:solidFill>
+          <a:ln>
+            <a:noFill/>
+          </a:ln>
+        </p:spPr>
+        <p:style>
+          <a:lnRef idx="2">
+            <a:schemeClr val="accent1">
+              <a:shade val="15000"/>
+            </a:schemeClr>
+          </a:lnRef>
+          <a:fillRef idx="1">
+            <a:schemeClr val="accent1"/>
+          </a:fillRef>
+          <a:effectRef idx="0">
+            <a:schemeClr val="accent1"/>
+          </a:effectRef>
+          <a:fontRef idx="minor">
+            <a:schemeClr val="lt1"/>
+          </a:fontRef>
+        </p:style>
+        <p:txBody>
+          <a:bodyPr rtlCol="0" anchor="ctr"/>
+          <a:lstStyle/>
+          <a:p>
+            <a:pPr algn="ctr"/>
+            <a:endParaRPr lang="pt-BR" dirty="0"/>
+          </a:p>
+        </p:txBody>
+      </p:sp>
+      <p:sp>
+        <p:nvSpPr>
+          <p:cNvPr id="10" name="Elipse 9">
+            <a:extLst>
+              <a:ext uri="{FF2B5EF4-FFF2-40B4-BE49-F238E27FC236}">
+                <a16:creationId xmlns:a16="http://schemas.microsoft.com/office/drawing/2014/main" id="{05AB9D06-9BF2-A7C9-4386-B20BD7A0E4F2}"/>
+              </a:ext>
+            </a:extLst>
+          </p:cNvPr>
+          <p:cNvSpPr/>
+          <p:nvPr/>
+        </p:nvSpPr>
+        <p:spPr>
+          <a:xfrm>
+            <a:off x="1534884" y="2929958"/>
+            <a:ext cx="566057" cy="566057"/>
+          </a:xfrm>
+          <a:prstGeom prst="ellipse">
+            <a:avLst/>
+          </a:prstGeom>
+          <a:solidFill>
+            <a:schemeClr val="bg1">
+              <a:lumMod val="85000"/>
+            </a:schemeClr>
+          </a:solidFill>
+          <a:ln>
+            <a:noFill/>
+          </a:ln>
+        </p:spPr>
+        <p:style>
+          <a:lnRef idx="2">
+            <a:schemeClr val="accent1">
+              <a:shade val="15000"/>
+            </a:schemeClr>
+          </a:lnRef>
+          <a:fillRef idx="1">
+            <a:schemeClr val="accent1"/>
+          </a:fillRef>
+          <a:effectRef idx="0">
+            <a:schemeClr val="accent1"/>
+          </a:effectRef>
+          <a:fontRef idx="minor">
+            <a:schemeClr val="lt1"/>
+          </a:fontRef>
+        </p:style>
+        <p:txBody>
+          <a:bodyPr rtlCol="0" anchor="ctr"/>
+          <a:lstStyle/>
+          <a:p>
+            <a:pPr algn="ctr"/>
+            <a:endParaRPr lang="pt-BR" dirty="0"/>
+          </a:p>
+        </p:txBody>
+      </p:sp>
+      <p:sp>
+        <p:nvSpPr>
+          <p:cNvPr id="11" name="Elipse 10">
+            <a:extLst>
+              <a:ext uri="{FF2B5EF4-FFF2-40B4-BE49-F238E27FC236}">
+                <a16:creationId xmlns:a16="http://schemas.microsoft.com/office/drawing/2014/main" id="{8D32C0B0-FC13-341E-BCC1-2F702123D137}"/>
+              </a:ext>
+            </a:extLst>
+          </p:cNvPr>
+          <p:cNvSpPr/>
+          <p:nvPr/>
+        </p:nvSpPr>
+        <p:spPr>
+          <a:xfrm>
+            <a:off x="1534884" y="3685608"/>
+            <a:ext cx="566057" cy="566057"/>
+          </a:xfrm>
+          <a:prstGeom prst="ellipse">
+            <a:avLst/>
+          </a:prstGeom>
+          <a:solidFill>
+            <a:schemeClr val="bg1">
+              <a:lumMod val="85000"/>
+            </a:schemeClr>
+          </a:solidFill>
+          <a:ln>
+            <a:noFill/>
+          </a:ln>
+        </p:spPr>
+        <p:style>
+          <a:lnRef idx="2">
+            <a:schemeClr val="accent1">
+              <a:shade val="15000"/>
+            </a:schemeClr>
+          </a:lnRef>
+          <a:fillRef idx="1">
+            <a:schemeClr val="accent1"/>
+          </a:fillRef>
+          <a:effectRef idx="0">
+            <a:schemeClr val="accent1"/>
+          </a:effectRef>
+          <a:fontRef idx="minor">
+            <a:schemeClr val="lt1"/>
+          </a:fontRef>
+        </p:style>
+        <p:txBody>
+          <a:bodyPr rtlCol="0" anchor="ctr"/>
+          <a:lstStyle/>
+          <a:p>
+            <a:pPr algn="ctr"/>
+            <a:endParaRPr lang="pt-BR" dirty="0"/>
+          </a:p>
+        </p:txBody>
+      </p:sp>
+      <p:sp>
+        <p:nvSpPr>
+          <p:cNvPr id="12" name="Elipse 11">
+            <a:extLst>
+              <a:ext uri="{FF2B5EF4-FFF2-40B4-BE49-F238E27FC236}">
+                <a16:creationId xmlns:a16="http://schemas.microsoft.com/office/drawing/2014/main" id="{5774DEB2-3CCF-78F9-408E-B4572A7D2C57}"/>
+              </a:ext>
+            </a:extLst>
+          </p:cNvPr>
+          <p:cNvSpPr/>
+          <p:nvPr/>
+        </p:nvSpPr>
+        <p:spPr>
+          <a:xfrm>
+            <a:off x="1534884" y="4441258"/>
+            <a:ext cx="566057" cy="566057"/>
+          </a:xfrm>
+          <a:prstGeom prst="ellipse">
+            <a:avLst/>
+          </a:prstGeom>
+          <a:solidFill>
+            <a:schemeClr val="bg1">
+              <a:lumMod val="85000"/>
+            </a:schemeClr>
+          </a:solidFill>
+          <a:ln>
+            <a:noFill/>
+          </a:ln>
+        </p:spPr>
+        <p:style>
+          <a:lnRef idx="2">
+            <a:schemeClr val="accent1">
+              <a:shade val="15000"/>
+            </a:schemeClr>
+          </a:lnRef>
+          <a:fillRef idx="1">
+            <a:schemeClr val="accent1"/>
+          </a:fillRef>
+          <a:effectRef idx="0">
+            <a:schemeClr val="accent1"/>
+          </a:effectRef>
+          <a:fontRef idx="minor">
+            <a:schemeClr val="lt1"/>
+          </a:fontRef>
+        </p:style>
+        <p:txBody>
+          <a:bodyPr rtlCol="0" anchor="ctr"/>
+          <a:lstStyle/>
+          <a:p>
+            <a:pPr algn="ctr"/>
+            <a:endParaRPr lang="pt-BR" dirty="0"/>
+          </a:p>
+        </p:txBody>
+      </p:sp>
+      <p:cxnSp>
+        <p:nvCxnSpPr>
+          <p:cNvPr id="13" name="Conector de Seta Reta 12">
+            <a:extLst>
+              <a:ext uri="{FF2B5EF4-FFF2-40B4-BE49-F238E27FC236}">
+                <a16:creationId xmlns:a16="http://schemas.microsoft.com/office/drawing/2014/main" id="{8FA16CB3-88E7-24CD-7D04-D4340DA2CBE3}"/>
+              </a:ext>
+            </a:extLst>
+          </p:cNvPr>
+          <p:cNvCxnSpPr>
+            <a:stCxn id="10" idx="6"/>
+            <a:endCxn id="4" idx="2"/>
+          </p:cNvCxnSpPr>
+          <p:nvPr/>
+        </p:nvCxnSpPr>
+        <p:spPr>
+          <a:xfrm flipV="1">
+            <a:off x="2100941" y="2895601"/>
+            <a:ext cx="391887" cy="317386"/>
+          </a:xfrm>
+          <a:prstGeom prst="straightConnector1">
+            <a:avLst/>
+          </a:prstGeom>
+          <a:ln>
+            <a:tailEnd type="triangle"/>
+          </a:ln>
+        </p:spPr>
+        <p:style>
+          <a:lnRef idx="1">
+            <a:schemeClr val="accent1"/>
+          </a:lnRef>
+          <a:fillRef idx="0">
+            <a:schemeClr val="accent1"/>
+          </a:fillRef>
+          <a:effectRef idx="0">
+            <a:schemeClr val="accent1"/>
+          </a:effectRef>
+          <a:fontRef idx="minor">
+            <a:schemeClr val="tx1"/>
+          </a:fontRef>
+        </p:style>
+      </p:cxnSp>
+      <p:cxnSp>
+        <p:nvCxnSpPr>
+          <p:cNvPr id="14" name="Conector de Seta Reta 13">
+            <a:extLst>
+              <a:ext uri="{FF2B5EF4-FFF2-40B4-BE49-F238E27FC236}">
+                <a16:creationId xmlns:a16="http://schemas.microsoft.com/office/drawing/2014/main" id="{78150507-5B6F-2240-A687-80CA51CDF199}"/>
+              </a:ext>
+            </a:extLst>
+          </p:cNvPr>
+          <p:cNvCxnSpPr>
+            <a:stCxn id="10" idx="6"/>
+            <a:endCxn id="5" idx="2"/>
+          </p:cNvCxnSpPr>
+          <p:nvPr/>
+        </p:nvCxnSpPr>
+        <p:spPr>
+          <a:xfrm>
+            <a:off x="2100941" y="3212987"/>
+            <a:ext cx="391886" cy="401071"/>
+          </a:xfrm>
+          <a:prstGeom prst="straightConnector1">
+            <a:avLst/>
+          </a:prstGeom>
+          <a:ln>
+            <a:tailEnd type="triangle"/>
+          </a:ln>
+        </p:spPr>
+        <p:style>
+          <a:lnRef idx="1">
+            <a:schemeClr val="accent1"/>
+          </a:lnRef>
+          <a:fillRef idx="0">
+            <a:schemeClr val="accent1"/>
+          </a:fillRef>
+          <a:effectRef idx="0">
+            <a:schemeClr val="accent1"/>
+          </a:effectRef>
+          <a:fontRef idx="minor">
+            <a:schemeClr val="tx1"/>
+          </a:fontRef>
+        </p:style>
+      </p:cxnSp>
+      <p:cxnSp>
+        <p:nvCxnSpPr>
+          <p:cNvPr id="15" name="Conector de Seta Reta 14">
+            <a:extLst>
+              <a:ext uri="{FF2B5EF4-FFF2-40B4-BE49-F238E27FC236}">
+                <a16:creationId xmlns:a16="http://schemas.microsoft.com/office/drawing/2014/main" id="{CA52E568-4C07-D18B-3A19-52EEE29F70AB}"/>
+              </a:ext>
+            </a:extLst>
+          </p:cNvPr>
+          <p:cNvCxnSpPr>
+            <a:stCxn id="10" idx="6"/>
+            <a:endCxn id="6" idx="2"/>
+          </p:cNvCxnSpPr>
+          <p:nvPr/>
+        </p:nvCxnSpPr>
+        <p:spPr>
+          <a:xfrm>
+            <a:off x="2100941" y="3212987"/>
+            <a:ext cx="391886" cy="1119528"/>
+          </a:xfrm>
+          <a:prstGeom prst="straightConnector1">
+            <a:avLst/>
+          </a:prstGeom>
+          <a:ln>
+            <a:tailEnd type="triangle"/>
+          </a:ln>
+        </p:spPr>
+        <p:style>
+          <a:lnRef idx="1">
+            <a:schemeClr val="accent1"/>
+          </a:lnRef>
+          <a:fillRef idx="0">
+            <a:schemeClr val="accent1"/>
+          </a:fillRef>
+          <a:effectRef idx="0">
+            <a:schemeClr val="accent1"/>
+          </a:effectRef>
+          <a:fontRef idx="minor">
+            <a:schemeClr val="tx1"/>
+          </a:fontRef>
+        </p:style>
+      </p:cxnSp>
+      <p:cxnSp>
+        <p:nvCxnSpPr>
+          <p:cNvPr id="16" name="Conector de Seta Reta 15">
+            <a:extLst>
+              <a:ext uri="{FF2B5EF4-FFF2-40B4-BE49-F238E27FC236}">
+                <a16:creationId xmlns:a16="http://schemas.microsoft.com/office/drawing/2014/main" id="{76930BB3-DDFF-6A76-6538-278F25784B97}"/>
+              </a:ext>
+            </a:extLst>
+          </p:cNvPr>
+          <p:cNvCxnSpPr>
+            <a:stCxn id="10" idx="6"/>
+            <a:endCxn id="7" idx="2"/>
+          </p:cNvCxnSpPr>
+          <p:nvPr/>
+        </p:nvCxnSpPr>
+        <p:spPr>
+          <a:xfrm>
+            <a:off x="2100941" y="3212987"/>
+            <a:ext cx="391886" cy="1837985"/>
+          </a:xfrm>
+          <a:prstGeom prst="straightConnector1">
+            <a:avLst/>
+          </a:prstGeom>
+          <a:ln>
+            <a:tailEnd type="triangle"/>
+          </a:ln>
+        </p:spPr>
+        <p:style>
+          <a:lnRef idx="1">
+            <a:schemeClr val="accent1"/>
+          </a:lnRef>
+          <a:fillRef idx="0">
+            <a:schemeClr val="accent1"/>
+          </a:fillRef>
+          <a:effectRef idx="0">
+            <a:schemeClr val="accent1"/>
+          </a:effectRef>
+          <a:fontRef idx="minor">
+            <a:schemeClr val="tx1"/>
+          </a:fontRef>
+        </p:style>
+      </p:cxnSp>
+      <p:cxnSp>
+        <p:nvCxnSpPr>
+          <p:cNvPr id="17" name="Conector de Seta Reta 16">
+            <a:extLst>
+              <a:ext uri="{FF2B5EF4-FFF2-40B4-BE49-F238E27FC236}">
+                <a16:creationId xmlns:a16="http://schemas.microsoft.com/office/drawing/2014/main" id="{2C445030-62AB-D74D-0A28-334CE726C776}"/>
+              </a:ext>
+            </a:extLst>
+          </p:cNvPr>
+          <p:cNvCxnSpPr>
+            <a:stCxn id="11" idx="6"/>
+            <a:endCxn id="4" idx="2"/>
+          </p:cNvCxnSpPr>
+          <p:nvPr/>
+        </p:nvCxnSpPr>
+        <p:spPr>
+          <a:xfrm flipV="1">
+            <a:off x="2100941" y="2895601"/>
+            <a:ext cx="391887" cy="1073036"/>
+          </a:xfrm>
+          <a:prstGeom prst="straightConnector1">
+            <a:avLst/>
+          </a:prstGeom>
+          <a:ln>
+            <a:tailEnd type="triangle"/>
+          </a:ln>
+        </p:spPr>
+        <p:style>
+          <a:lnRef idx="1">
+            <a:schemeClr val="accent1"/>
+          </a:lnRef>
+          <a:fillRef idx="0">
+            <a:schemeClr val="accent1"/>
+          </a:fillRef>
+          <a:effectRef idx="0">
+            <a:schemeClr val="accent1"/>
+          </a:effectRef>
+          <a:fontRef idx="minor">
+            <a:schemeClr val="tx1"/>
+          </a:fontRef>
+        </p:style>
+      </p:cxnSp>
+      <p:cxnSp>
+        <p:nvCxnSpPr>
+          <p:cNvPr id="18" name="Conector de Seta Reta 17">
+            <a:extLst>
+              <a:ext uri="{FF2B5EF4-FFF2-40B4-BE49-F238E27FC236}">
+                <a16:creationId xmlns:a16="http://schemas.microsoft.com/office/drawing/2014/main" id="{9E1A0C0B-6AC1-A7B4-41C4-D3B9F3A44C29}"/>
+              </a:ext>
+            </a:extLst>
+          </p:cNvPr>
+          <p:cNvCxnSpPr>
+            <a:stCxn id="12" idx="6"/>
+            <a:endCxn id="5" idx="2"/>
+          </p:cNvCxnSpPr>
+          <p:nvPr/>
+        </p:nvCxnSpPr>
+        <p:spPr>
+          <a:xfrm flipV="1">
+            <a:off x="2100941" y="3614058"/>
+            <a:ext cx="391886" cy="1110229"/>
+          </a:xfrm>
+          <a:prstGeom prst="straightConnector1">
+            <a:avLst/>
+          </a:prstGeom>
+          <a:ln>
+            <a:tailEnd type="triangle"/>
+          </a:ln>
+        </p:spPr>
+        <p:style>
+          <a:lnRef idx="1">
+            <a:schemeClr val="accent1"/>
+          </a:lnRef>
+          <a:fillRef idx="0">
+            <a:schemeClr val="accent1"/>
+          </a:fillRef>
+          <a:effectRef idx="0">
+            <a:schemeClr val="accent1"/>
+          </a:effectRef>
+          <a:fontRef idx="minor">
+            <a:schemeClr val="tx1"/>
+          </a:fontRef>
+        </p:style>
+      </p:cxnSp>
+      <p:cxnSp>
+        <p:nvCxnSpPr>
+          <p:cNvPr id="19" name="Conector de Seta Reta 18">
+            <a:extLst>
+              <a:ext uri="{FF2B5EF4-FFF2-40B4-BE49-F238E27FC236}">
+                <a16:creationId xmlns:a16="http://schemas.microsoft.com/office/drawing/2014/main" id="{804F485B-2435-32A5-51AB-085EA1D80380}"/>
+              </a:ext>
+            </a:extLst>
+          </p:cNvPr>
+          <p:cNvCxnSpPr>
+            <a:stCxn id="11" idx="6"/>
+            <a:endCxn id="5" idx="2"/>
+          </p:cNvCxnSpPr>
+          <p:nvPr/>
+        </p:nvCxnSpPr>
+        <p:spPr>
+          <a:xfrm flipV="1">
+            <a:off x="2100941" y="3614058"/>
+            <a:ext cx="391886" cy="354579"/>
+          </a:xfrm>
+          <a:prstGeom prst="straightConnector1">
+            <a:avLst/>
+          </a:prstGeom>
+          <a:ln>
+            <a:tailEnd type="triangle"/>
+          </a:ln>
+        </p:spPr>
+        <p:style>
+          <a:lnRef idx="1">
+            <a:schemeClr val="accent1"/>
+          </a:lnRef>
+          <a:fillRef idx="0">
+            <a:schemeClr val="accent1"/>
+          </a:fillRef>
+          <a:effectRef idx="0">
+            <a:schemeClr val="accent1"/>
+          </a:effectRef>
+          <a:fontRef idx="minor">
+            <a:schemeClr val="tx1"/>
+          </a:fontRef>
+        </p:style>
+      </p:cxnSp>
+      <p:cxnSp>
+        <p:nvCxnSpPr>
+          <p:cNvPr id="20" name="Conector de Seta Reta 19">
+            <a:extLst>
+              <a:ext uri="{FF2B5EF4-FFF2-40B4-BE49-F238E27FC236}">
+                <a16:creationId xmlns:a16="http://schemas.microsoft.com/office/drawing/2014/main" id="{1BB2A268-8402-FD26-1A24-2CDF8D722867}"/>
+              </a:ext>
+            </a:extLst>
+          </p:cNvPr>
+          <p:cNvCxnSpPr>
+            <a:stCxn id="11" idx="6"/>
+            <a:endCxn id="6" idx="2"/>
+          </p:cNvCxnSpPr>
+          <p:nvPr/>
+        </p:nvCxnSpPr>
+        <p:spPr>
+          <a:xfrm>
+            <a:off x="2100941" y="3968637"/>
+            <a:ext cx="391886" cy="363878"/>
+          </a:xfrm>
+          <a:prstGeom prst="straightConnector1">
+            <a:avLst/>
+          </a:prstGeom>
+          <a:ln>
+            <a:tailEnd type="triangle"/>
+          </a:ln>
+        </p:spPr>
+        <p:style>
+          <a:lnRef idx="1">
+            <a:schemeClr val="accent1"/>
+          </a:lnRef>
+          <a:fillRef idx="0">
+            <a:schemeClr val="accent1"/>
+          </a:fillRef>
+          <a:effectRef idx="0">
+            <a:schemeClr val="accent1"/>
+          </a:effectRef>
+          <a:fontRef idx="minor">
+            <a:schemeClr val="tx1"/>
+          </a:fontRef>
+        </p:style>
+      </p:cxnSp>
+      <p:cxnSp>
+        <p:nvCxnSpPr>
+          <p:cNvPr id="21" name="Conector de Seta Reta 20">
+            <a:extLst>
+              <a:ext uri="{FF2B5EF4-FFF2-40B4-BE49-F238E27FC236}">
+                <a16:creationId xmlns:a16="http://schemas.microsoft.com/office/drawing/2014/main" id="{374A738D-2B30-00C2-BAA6-93CD9408FF36}"/>
+              </a:ext>
+            </a:extLst>
+          </p:cNvPr>
+          <p:cNvCxnSpPr>
+            <a:stCxn id="11" idx="6"/>
+            <a:endCxn id="7" idx="2"/>
+          </p:cNvCxnSpPr>
+          <p:nvPr/>
+        </p:nvCxnSpPr>
+        <p:spPr>
+          <a:xfrm>
+            <a:off x="2100941" y="3968637"/>
+            <a:ext cx="391886" cy="1082335"/>
+          </a:xfrm>
+          <a:prstGeom prst="straightConnector1">
+            <a:avLst/>
+          </a:prstGeom>
+          <a:ln>
+            <a:tailEnd type="triangle"/>
+          </a:ln>
+        </p:spPr>
+        <p:style>
+          <a:lnRef idx="1">
+            <a:schemeClr val="accent1"/>
+          </a:lnRef>
+          <a:fillRef idx="0">
+            <a:schemeClr val="accent1"/>
+          </a:fillRef>
+          <a:effectRef idx="0">
+            <a:schemeClr val="accent1"/>
+          </a:effectRef>
+          <a:fontRef idx="minor">
+            <a:schemeClr val="tx1"/>
+          </a:fontRef>
+        </p:style>
+      </p:cxnSp>
+      <p:cxnSp>
+        <p:nvCxnSpPr>
+          <p:cNvPr id="22" name="Conector de Seta Reta 21">
+            <a:extLst>
+              <a:ext uri="{FF2B5EF4-FFF2-40B4-BE49-F238E27FC236}">
+                <a16:creationId xmlns:a16="http://schemas.microsoft.com/office/drawing/2014/main" id="{21845046-85F1-CFC2-BED9-B9EF0D03F7F8}"/>
+              </a:ext>
+            </a:extLst>
+          </p:cNvPr>
+          <p:cNvCxnSpPr>
+            <a:stCxn id="12" idx="6"/>
+            <a:endCxn id="4" idx="2"/>
+          </p:cNvCxnSpPr>
+          <p:nvPr/>
+        </p:nvCxnSpPr>
+        <p:spPr>
+          <a:xfrm flipV="1">
+            <a:off x="2100941" y="2895601"/>
+            <a:ext cx="391887" cy="1828686"/>
+          </a:xfrm>
+          <a:prstGeom prst="straightConnector1">
+            <a:avLst/>
+          </a:prstGeom>
+          <a:ln>
+            <a:tailEnd type="triangle"/>
+          </a:ln>
+        </p:spPr>
+        <p:style>
+          <a:lnRef idx="1">
+            <a:schemeClr val="accent1"/>
+          </a:lnRef>
+          <a:fillRef idx="0">
+            <a:schemeClr val="accent1"/>
+          </a:fillRef>
+          <a:effectRef idx="0">
+            <a:schemeClr val="accent1"/>
+          </a:effectRef>
+          <a:fontRef idx="minor">
+            <a:schemeClr val="tx1"/>
+          </a:fontRef>
+        </p:style>
+      </p:cxnSp>
+      <p:cxnSp>
+        <p:nvCxnSpPr>
+          <p:cNvPr id="23" name="Conector de Seta Reta 22">
+            <a:extLst>
+              <a:ext uri="{FF2B5EF4-FFF2-40B4-BE49-F238E27FC236}">
+                <a16:creationId xmlns:a16="http://schemas.microsoft.com/office/drawing/2014/main" id="{42DCE219-2925-B632-B390-ED92212DCB05}"/>
+              </a:ext>
+            </a:extLst>
+          </p:cNvPr>
+          <p:cNvCxnSpPr>
+            <a:stCxn id="12" idx="6"/>
+            <a:endCxn id="6" idx="2"/>
+          </p:cNvCxnSpPr>
+          <p:nvPr/>
+        </p:nvCxnSpPr>
+        <p:spPr>
+          <a:xfrm flipV="1">
+            <a:off x="2100941" y="4332515"/>
+            <a:ext cx="391886" cy="391772"/>
+          </a:xfrm>
+          <a:prstGeom prst="straightConnector1">
+            <a:avLst/>
+          </a:prstGeom>
+          <a:ln>
+            <a:tailEnd type="triangle"/>
+          </a:ln>
+        </p:spPr>
+        <p:style>
+          <a:lnRef idx="1">
+            <a:schemeClr val="accent1"/>
+          </a:lnRef>
+          <a:fillRef idx="0">
+            <a:schemeClr val="accent1"/>
+          </a:fillRef>
+          <a:effectRef idx="0">
+            <a:schemeClr val="accent1"/>
+          </a:effectRef>
+          <a:fontRef idx="minor">
+            <a:schemeClr val="tx1"/>
+          </a:fontRef>
+        </p:style>
+      </p:cxnSp>
+      <p:cxnSp>
+        <p:nvCxnSpPr>
+          <p:cNvPr id="24" name="Conector de Seta Reta 23">
+            <a:extLst>
+              <a:ext uri="{FF2B5EF4-FFF2-40B4-BE49-F238E27FC236}">
+                <a16:creationId xmlns:a16="http://schemas.microsoft.com/office/drawing/2014/main" id="{E7C207CF-0C9C-689B-D13E-682D1222FD1E}"/>
+              </a:ext>
+            </a:extLst>
+          </p:cNvPr>
+          <p:cNvCxnSpPr>
+            <a:stCxn id="12" idx="6"/>
+            <a:endCxn id="7" idx="2"/>
+          </p:cNvCxnSpPr>
+          <p:nvPr/>
+        </p:nvCxnSpPr>
+        <p:spPr>
+          <a:xfrm>
+            <a:off x="2100941" y="4724287"/>
+            <a:ext cx="391886" cy="326685"/>
+          </a:xfrm>
+          <a:prstGeom prst="straightConnector1">
+            <a:avLst/>
+          </a:prstGeom>
+          <a:ln>
+            <a:tailEnd type="triangle"/>
+          </a:ln>
+        </p:spPr>
+        <p:style>
+          <a:lnRef idx="1">
+            <a:schemeClr val="accent1"/>
+          </a:lnRef>
+          <a:fillRef idx="0">
+            <a:schemeClr val="accent1"/>
+          </a:fillRef>
+          <a:effectRef idx="0">
+            <a:schemeClr val="accent1"/>
+          </a:effectRef>
+          <a:fontRef idx="minor">
+            <a:schemeClr val="tx1"/>
+          </a:fontRef>
+        </p:style>
+      </p:cxnSp>
+      <p:cxnSp>
+        <p:nvCxnSpPr>
+          <p:cNvPr id="25" name="Conector de Seta Reta 24">
+            <a:extLst>
+              <a:ext uri="{FF2B5EF4-FFF2-40B4-BE49-F238E27FC236}">
+                <a16:creationId xmlns:a16="http://schemas.microsoft.com/office/drawing/2014/main" id="{0E991E0D-BE0D-A609-05F6-3AF1EA2CFF2F}"/>
+              </a:ext>
+            </a:extLst>
+          </p:cNvPr>
+          <p:cNvCxnSpPr>
+            <a:stCxn id="4" idx="6"/>
+            <a:endCxn id="8" idx="2"/>
+          </p:cNvCxnSpPr>
+          <p:nvPr/>
+        </p:nvCxnSpPr>
+        <p:spPr>
+          <a:xfrm>
+            <a:off x="3058885" y="2895601"/>
+            <a:ext cx="391885" cy="718456"/>
+          </a:xfrm>
+          <a:prstGeom prst="straightConnector1">
+            <a:avLst/>
+          </a:prstGeom>
+          <a:ln>
+            <a:tailEnd type="triangle"/>
+          </a:ln>
+        </p:spPr>
+        <p:style>
+          <a:lnRef idx="1">
+            <a:schemeClr val="accent1"/>
+          </a:lnRef>
+          <a:fillRef idx="0">
+            <a:schemeClr val="accent1"/>
+          </a:fillRef>
+          <a:effectRef idx="0">
+            <a:schemeClr val="accent1"/>
+          </a:effectRef>
+          <a:fontRef idx="minor">
+            <a:schemeClr val="tx1"/>
+          </a:fontRef>
+        </p:style>
+      </p:cxnSp>
+      <p:cxnSp>
+        <p:nvCxnSpPr>
+          <p:cNvPr id="26" name="Conector de Seta Reta 25">
+            <a:extLst>
+              <a:ext uri="{FF2B5EF4-FFF2-40B4-BE49-F238E27FC236}">
+                <a16:creationId xmlns:a16="http://schemas.microsoft.com/office/drawing/2014/main" id="{12CECD9C-33D2-224C-7FFA-6668486CCA07}"/>
+              </a:ext>
+            </a:extLst>
+          </p:cNvPr>
+          <p:cNvCxnSpPr>
+            <a:stCxn id="5" idx="6"/>
+            <a:endCxn id="9" idx="2"/>
+          </p:cNvCxnSpPr>
+          <p:nvPr/>
+        </p:nvCxnSpPr>
+        <p:spPr>
+          <a:xfrm>
+            <a:off x="3058884" y="3614058"/>
+            <a:ext cx="391885" cy="718456"/>
+          </a:xfrm>
+          <a:prstGeom prst="straightConnector1">
+            <a:avLst/>
+          </a:prstGeom>
+          <a:ln>
+            <a:tailEnd type="triangle"/>
+          </a:ln>
+        </p:spPr>
+        <p:style>
+          <a:lnRef idx="1">
+            <a:schemeClr val="accent1"/>
+          </a:lnRef>
+          <a:fillRef idx="0">
+            <a:schemeClr val="accent1"/>
+          </a:fillRef>
+          <a:effectRef idx="0">
+            <a:schemeClr val="accent1"/>
+          </a:effectRef>
+          <a:fontRef idx="minor">
+            <a:schemeClr val="tx1"/>
+          </a:fontRef>
+        </p:style>
+      </p:cxnSp>
+      <p:cxnSp>
+        <p:nvCxnSpPr>
+          <p:cNvPr id="27" name="Conector de Seta Reta 26">
+            <a:extLst>
+              <a:ext uri="{FF2B5EF4-FFF2-40B4-BE49-F238E27FC236}">
+                <a16:creationId xmlns:a16="http://schemas.microsoft.com/office/drawing/2014/main" id="{EB9099D9-6BBF-D928-D6C0-53C588C21B26}"/>
+              </a:ext>
+            </a:extLst>
+          </p:cNvPr>
+          <p:cNvCxnSpPr>
+            <a:stCxn id="6" idx="6"/>
+            <a:endCxn id="9" idx="2"/>
+          </p:cNvCxnSpPr>
+          <p:nvPr/>
+        </p:nvCxnSpPr>
+        <p:spPr>
+          <a:xfrm flipV="1">
+            <a:off x="3058884" y="4332514"/>
+            <a:ext cx="391885" cy="1"/>
+          </a:xfrm>
+          <a:prstGeom prst="straightConnector1">
+            <a:avLst/>
+          </a:prstGeom>
+          <a:ln>
+            <a:tailEnd type="triangle"/>
+          </a:ln>
+        </p:spPr>
+        <p:style>
+          <a:lnRef idx="1">
+            <a:schemeClr val="accent1"/>
+          </a:lnRef>
+          <a:fillRef idx="0">
+            <a:schemeClr val="accent1"/>
+          </a:fillRef>
+          <a:effectRef idx="0">
+            <a:schemeClr val="accent1"/>
+          </a:effectRef>
+          <a:fontRef idx="minor">
+            <a:schemeClr val="tx1"/>
+          </a:fontRef>
+        </p:style>
+      </p:cxnSp>
+      <p:cxnSp>
+        <p:nvCxnSpPr>
+          <p:cNvPr id="28" name="Conector de Seta Reta 27">
+            <a:extLst>
+              <a:ext uri="{FF2B5EF4-FFF2-40B4-BE49-F238E27FC236}">
+                <a16:creationId xmlns:a16="http://schemas.microsoft.com/office/drawing/2014/main" id="{7F0A72C1-9522-E9F7-08BD-38C98881A7E5}"/>
+              </a:ext>
+            </a:extLst>
+          </p:cNvPr>
+          <p:cNvCxnSpPr>
+            <a:stCxn id="7" idx="6"/>
+            <a:endCxn id="9" idx="2"/>
+          </p:cNvCxnSpPr>
+          <p:nvPr/>
+        </p:nvCxnSpPr>
+        <p:spPr>
+          <a:xfrm flipV="1">
+            <a:off x="3058884" y="4332514"/>
+            <a:ext cx="391885" cy="718458"/>
+          </a:xfrm>
+          <a:prstGeom prst="straightConnector1">
+            <a:avLst/>
+          </a:prstGeom>
+          <a:ln>
+            <a:tailEnd type="triangle"/>
+          </a:ln>
+        </p:spPr>
+        <p:style>
+          <a:lnRef idx="1">
+            <a:schemeClr val="accent1"/>
+          </a:lnRef>
+          <a:fillRef idx="0">
+            <a:schemeClr val="accent1"/>
+          </a:fillRef>
+          <a:effectRef idx="0">
+            <a:schemeClr val="accent1"/>
+          </a:effectRef>
+          <a:fontRef idx="minor">
+            <a:schemeClr val="tx1"/>
+          </a:fontRef>
+        </p:style>
+      </p:cxnSp>
+      <p:cxnSp>
+        <p:nvCxnSpPr>
+          <p:cNvPr id="29" name="Conector de Seta Reta 28">
+            <a:extLst>
+              <a:ext uri="{FF2B5EF4-FFF2-40B4-BE49-F238E27FC236}">
+                <a16:creationId xmlns:a16="http://schemas.microsoft.com/office/drawing/2014/main" id="{62374655-E1A2-940B-5F68-74C4698FC3D9}"/>
+              </a:ext>
+            </a:extLst>
+          </p:cNvPr>
+          <p:cNvCxnSpPr>
+            <a:cxnSpLocks/>
+            <a:stCxn id="4" idx="6"/>
+            <a:endCxn id="9" idx="2"/>
+          </p:cNvCxnSpPr>
+          <p:nvPr/>
+        </p:nvCxnSpPr>
+        <p:spPr>
+          <a:xfrm>
+            <a:off x="3058885" y="2895601"/>
+            <a:ext cx="391884" cy="1436913"/>
+          </a:xfrm>
+          <a:prstGeom prst="straightConnector1">
+            <a:avLst/>
+          </a:prstGeom>
+          <a:ln>
+            <a:tailEnd type="triangle"/>
+          </a:ln>
+        </p:spPr>
+        <p:style>
+          <a:lnRef idx="1">
+            <a:schemeClr val="accent1"/>
+          </a:lnRef>
+          <a:fillRef idx="0">
+            <a:schemeClr val="accent1"/>
+          </a:fillRef>
+          <a:effectRef idx="0">
+            <a:schemeClr val="accent1"/>
+          </a:effectRef>
+          <a:fontRef idx="minor">
+            <a:schemeClr val="tx1"/>
+          </a:fontRef>
+        </p:style>
+      </p:cxnSp>
+      <p:cxnSp>
+        <p:nvCxnSpPr>
+          <p:cNvPr id="30" name="Conector de Seta Reta 29">
+            <a:extLst>
+              <a:ext uri="{FF2B5EF4-FFF2-40B4-BE49-F238E27FC236}">
+                <a16:creationId xmlns:a16="http://schemas.microsoft.com/office/drawing/2014/main" id="{501A3620-1081-31FA-ED3E-B6E3B185998F}"/>
+              </a:ext>
+            </a:extLst>
+          </p:cNvPr>
+          <p:cNvCxnSpPr>
+            <a:stCxn id="5" idx="6"/>
+            <a:endCxn id="8" idx="2"/>
+          </p:cNvCxnSpPr>
+          <p:nvPr/>
+        </p:nvCxnSpPr>
+        <p:spPr>
+          <a:xfrm flipV="1">
+            <a:off x="3058884" y="3614057"/>
+            <a:ext cx="391886" cy="1"/>
+          </a:xfrm>
+          <a:prstGeom prst="straightConnector1">
+            <a:avLst/>
+          </a:prstGeom>
+          <a:ln>
+            <a:tailEnd type="triangle"/>
+          </a:ln>
+        </p:spPr>
+        <p:style>
+          <a:lnRef idx="1">
+            <a:schemeClr val="accent1"/>
+          </a:lnRef>
+          <a:fillRef idx="0">
+            <a:schemeClr val="accent1"/>
+          </a:fillRef>
+          <a:effectRef idx="0">
+            <a:schemeClr val="accent1"/>
+          </a:effectRef>
+          <a:fontRef idx="minor">
+            <a:schemeClr val="tx1"/>
+          </a:fontRef>
+        </p:style>
+      </p:cxnSp>
+      <p:cxnSp>
+        <p:nvCxnSpPr>
+          <p:cNvPr id="31" name="Conector de Seta Reta 30">
+            <a:extLst>
+              <a:ext uri="{FF2B5EF4-FFF2-40B4-BE49-F238E27FC236}">
+                <a16:creationId xmlns:a16="http://schemas.microsoft.com/office/drawing/2014/main" id="{DC6B9CC7-5DEF-65CA-ADBB-9A9BDC88BDAC}"/>
+              </a:ext>
+            </a:extLst>
+          </p:cNvPr>
+          <p:cNvCxnSpPr>
+            <a:stCxn id="6" idx="6"/>
+            <a:endCxn id="8" idx="2"/>
+          </p:cNvCxnSpPr>
+          <p:nvPr/>
+        </p:nvCxnSpPr>
+        <p:spPr>
+          <a:xfrm flipV="1">
+            <a:off x="3058884" y="3614057"/>
+            <a:ext cx="391886" cy="718458"/>
+          </a:xfrm>
+          <a:prstGeom prst="straightConnector1">
+            <a:avLst/>
+          </a:prstGeom>
+          <a:ln>
+            <a:tailEnd type="triangle"/>
+          </a:ln>
+        </p:spPr>
+        <p:style>
+          <a:lnRef idx="1">
+            <a:schemeClr val="accent1"/>
+          </a:lnRef>
+          <a:fillRef idx="0">
+            <a:schemeClr val="accent1"/>
+          </a:fillRef>
+          <a:effectRef idx="0">
+            <a:schemeClr val="accent1"/>
+          </a:effectRef>
+          <a:fontRef idx="minor">
+            <a:schemeClr val="tx1"/>
+          </a:fontRef>
+        </p:style>
+      </p:cxnSp>
+      <p:cxnSp>
+        <p:nvCxnSpPr>
+          <p:cNvPr id="32" name="Conector de Seta Reta 31">
+            <a:extLst>
+              <a:ext uri="{FF2B5EF4-FFF2-40B4-BE49-F238E27FC236}">
+                <a16:creationId xmlns:a16="http://schemas.microsoft.com/office/drawing/2014/main" id="{B7C410C9-8998-9DD9-E00F-753FA12D15E6}"/>
+              </a:ext>
+            </a:extLst>
+          </p:cNvPr>
+          <p:cNvCxnSpPr>
+            <a:stCxn id="7" idx="6"/>
+            <a:endCxn id="8" idx="2"/>
+          </p:cNvCxnSpPr>
+          <p:nvPr/>
+        </p:nvCxnSpPr>
+        <p:spPr>
+          <a:xfrm flipV="1">
+            <a:off x="3058884" y="3614057"/>
+            <a:ext cx="391886" cy="1436915"/>
+          </a:xfrm>
+          <a:prstGeom prst="straightConnector1">
+            <a:avLst/>
+          </a:prstGeom>
+          <a:ln>
+            <a:tailEnd type="triangle"/>
+          </a:ln>
+        </p:spPr>
+        <p:style>
+          <a:lnRef idx="1">
+            <a:schemeClr val="accent1"/>
+          </a:lnRef>
+          <a:fillRef idx="0">
+            <a:schemeClr val="accent1"/>
+          </a:fillRef>
+          <a:effectRef idx="0">
+            <a:schemeClr val="accent1"/>
+          </a:effectRef>
+          <a:fontRef idx="minor">
+            <a:schemeClr val="tx1"/>
+          </a:fontRef>
+        </p:style>
+      </p:cxnSp>
+      <p:cxnSp>
+        <p:nvCxnSpPr>
+          <p:cNvPr id="33" name="Conector de Seta Reta 32">
+            <a:extLst>
+              <a:ext uri="{FF2B5EF4-FFF2-40B4-BE49-F238E27FC236}">
+                <a16:creationId xmlns:a16="http://schemas.microsoft.com/office/drawing/2014/main" id="{EB6FC38F-CC2D-DEBC-0814-2EF53F8E09FD}"/>
+              </a:ext>
+            </a:extLst>
+          </p:cNvPr>
+          <p:cNvCxnSpPr>
+            <a:endCxn id="10" idx="2"/>
+          </p:cNvCxnSpPr>
+          <p:nvPr/>
+        </p:nvCxnSpPr>
+        <p:spPr>
+          <a:xfrm>
+            <a:off x="1262742" y="3212986"/>
+            <a:ext cx="272142" cy="1"/>
+          </a:xfrm>
+          <a:prstGeom prst="straightConnector1">
+            <a:avLst/>
+          </a:prstGeom>
+          <a:ln>
+            <a:tailEnd type="triangle"/>
+          </a:ln>
+        </p:spPr>
+        <p:style>
+          <a:lnRef idx="1">
+            <a:schemeClr val="accent1"/>
+          </a:lnRef>
+          <a:fillRef idx="0">
+            <a:schemeClr val="accent1"/>
+          </a:fillRef>
+          <a:effectRef idx="0">
+            <a:schemeClr val="accent1"/>
+          </a:effectRef>
+          <a:fontRef idx="minor">
+            <a:schemeClr val="tx1"/>
+          </a:fontRef>
+        </p:style>
+      </p:cxnSp>
+      <p:cxnSp>
+        <p:nvCxnSpPr>
+          <p:cNvPr id="34" name="Conector de Seta Reta 33">
+            <a:extLst>
+              <a:ext uri="{FF2B5EF4-FFF2-40B4-BE49-F238E27FC236}">
+                <a16:creationId xmlns:a16="http://schemas.microsoft.com/office/drawing/2014/main" id="{94B8F38C-26F3-3676-8058-65116A4B3C75}"/>
+              </a:ext>
+            </a:extLst>
+          </p:cNvPr>
+          <p:cNvCxnSpPr>
+            <a:endCxn id="11" idx="2"/>
+          </p:cNvCxnSpPr>
+          <p:nvPr/>
+        </p:nvCxnSpPr>
+        <p:spPr>
+          <a:xfrm>
+            <a:off x="1262742" y="3212986"/>
+            <a:ext cx="272142" cy="755651"/>
+          </a:xfrm>
+          <a:prstGeom prst="straightConnector1">
+            <a:avLst/>
+          </a:prstGeom>
+          <a:ln>
+            <a:tailEnd type="triangle"/>
+          </a:ln>
+        </p:spPr>
+        <p:style>
+          <a:lnRef idx="1">
+            <a:schemeClr val="accent1"/>
+          </a:lnRef>
+          <a:fillRef idx="0">
+            <a:schemeClr val="accent1"/>
+          </a:fillRef>
+          <a:effectRef idx="0">
+            <a:schemeClr val="accent1"/>
+          </a:effectRef>
+          <a:fontRef idx="minor">
+            <a:schemeClr val="tx1"/>
+          </a:fontRef>
+        </p:style>
+      </p:cxnSp>
+      <p:cxnSp>
+        <p:nvCxnSpPr>
+          <p:cNvPr id="35" name="Conector de Seta Reta 34">
+            <a:extLst>
+              <a:ext uri="{FF2B5EF4-FFF2-40B4-BE49-F238E27FC236}">
+                <a16:creationId xmlns:a16="http://schemas.microsoft.com/office/drawing/2014/main" id="{3DB334EC-0660-4ACE-49E7-B5499F78AA7E}"/>
+              </a:ext>
+            </a:extLst>
+          </p:cNvPr>
+          <p:cNvCxnSpPr>
+            <a:endCxn id="12" idx="2"/>
+          </p:cNvCxnSpPr>
+          <p:nvPr/>
+        </p:nvCxnSpPr>
+        <p:spPr>
+          <a:xfrm>
+            <a:off x="1262742" y="3212986"/>
+            <a:ext cx="272142" cy="1511301"/>
+          </a:xfrm>
+          <a:prstGeom prst="straightConnector1">
+            <a:avLst/>
+          </a:prstGeom>
+          <a:ln>
+            <a:tailEnd type="triangle"/>
+          </a:ln>
+        </p:spPr>
+        <p:style>
+          <a:lnRef idx="1">
+            <a:schemeClr val="accent1"/>
+          </a:lnRef>
+          <a:fillRef idx="0">
+            <a:schemeClr val="accent1"/>
+          </a:fillRef>
+          <a:effectRef idx="0">
+            <a:schemeClr val="accent1"/>
+          </a:effectRef>
+          <a:fontRef idx="minor">
+            <a:schemeClr val="tx1"/>
+          </a:fontRef>
+        </p:style>
+      </p:cxnSp>
+      <p:cxnSp>
+        <p:nvCxnSpPr>
+          <p:cNvPr id="36" name="Conector de Seta Reta 35">
+            <a:extLst>
+              <a:ext uri="{FF2B5EF4-FFF2-40B4-BE49-F238E27FC236}">
+                <a16:creationId xmlns:a16="http://schemas.microsoft.com/office/drawing/2014/main" id="{051E4138-150F-9B54-FD8C-BD43C1362D71}"/>
+              </a:ext>
+            </a:extLst>
+          </p:cNvPr>
+          <p:cNvCxnSpPr/>
+          <p:nvPr/>
+        </p:nvCxnSpPr>
+        <p:spPr>
+          <a:xfrm>
+            <a:off x="1262742" y="4693443"/>
+            <a:ext cx="272142" cy="1"/>
+          </a:xfrm>
+          <a:prstGeom prst="straightConnector1">
+            <a:avLst/>
+          </a:prstGeom>
+          <a:ln>
+            <a:tailEnd type="triangle"/>
+          </a:ln>
+        </p:spPr>
+        <p:style>
+          <a:lnRef idx="1">
+            <a:schemeClr val="accent1"/>
+          </a:lnRef>
+          <a:fillRef idx="0">
+            <a:schemeClr val="accent1"/>
+          </a:fillRef>
+          <a:effectRef idx="0">
+            <a:schemeClr val="accent1"/>
+          </a:effectRef>
+          <a:fontRef idx="minor">
+            <a:schemeClr val="tx1"/>
+          </a:fontRef>
+        </p:style>
+      </p:cxnSp>
+      <p:cxnSp>
+        <p:nvCxnSpPr>
+          <p:cNvPr id="37" name="Conector reto 36">
+            <a:extLst>
+              <a:ext uri="{FF2B5EF4-FFF2-40B4-BE49-F238E27FC236}">
+                <a16:creationId xmlns:a16="http://schemas.microsoft.com/office/drawing/2014/main" id="{01E14240-F10E-768B-E8C8-E154073A76DD}"/>
+              </a:ext>
+            </a:extLst>
+          </p:cNvPr>
+          <p:cNvCxnSpPr>
+            <a:cxnSpLocks/>
+            <a:endCxn id="11" idx="2"/>
+          </p:cNvCxnSpPr>
+          <p:nvPr/>
+        </p:nvCxnSpPr>
+        <p:spPr>
+          <a:xfrm flipV="1">
+            <a:off x="1262741" y="3968637"/>
+            <a:ext cx="272143" cy="723106"/>
+          </a:xfrm>
+          <a:prstGeom prst="line">
+            <a:avLst/>
+          </a:prstGeom>
+          <a:ln>
+            <a:headEnd type="none" w="med" len="med"/>
+            <a:tailEnd type="triangle" w="med" len="med"/>
+          </a:ln>
+        </p:spPr>
+        <p:style>
+          <a:lnRef idx="1">
+            <a:schemeClr val="accent1"/>
+          </a:lnRef>
+          <a:fillRef idx="0">
+            <a:schemeClr val="accent1"/>
+          </a:fillRef>
+          <a:effectRef idx="0">
+            <a:schemeClr val="accent1"/>
+          </a:effectRef>
+          <a:fontRef idx="minor">
+            <a:schemeClr val="tx1"/>
+          </a:fontRef>
+        </p:style>
+      </p:cxnSp>
+      <p:cxnSp>
+        <p:nvCxnSpPr>
+          <p:cNvPr id="38" name="Conector de Seta Reta 37">
+            <a:extLst>
+              <a:ext uri="{FF2B5EF4-FFF2-40B4-BE49-F238E27FC236}">
+                <a16:creationId xmlns:a16="http://schemas.microsoft.com/office/drawing/2014/main" id="{8962F3FA-18FE-D0D5-FE48-581F5ECA103E}"/>
+              </a:ext>
+            </a:extLst>
+          </p:cNvPr>
+          <p:cNvCxnSpPr/>
+          <p:nvPr/>
+        </p:nvCxnSpPr>
+        <p:spPr>
+          <a:xfrm>
+            <a:off x="4016825" y="3614055"/>
+            <a:ext cx="272142" cy="1"/>
+          </a:xfrm>
+          <a:prstGeom prst="straightConnector1">
+            <a:avLst/>
+          </a:prstGeom>
+          <a:ln>
+            <a:tailEnd type="triangle"/>
+          </a:ln>
+        </p:spPr>
+        <p:style>
+          <a:lnRef idx="1">
+            <a:schemeClr val="accent1"/>
+          </a:lnRef>
+          <a:fillRef idx="0">
+            <a:schemeClr val="accent1"/>
+          </a:fillRef>
+          <a:effectRef idx="0">
+            <a:schemeClr val="accent1"/>
+          </a:effectRef>
+          <a:fontRef idx="minor">
+            <a:schemeClr val="tx1"/>
+          </a:fontRef>
+        </p:style>
+      </p:cxnSp>
+      <p:cxnSp>
+        <p:nvCxnSpPr>
+          <p:cNvPr id="39" name="Conector de Seta Reta 38">
+            <a:extLst>
+              <a:ext uri="{FF2B5EF4-FFF2-40B4-BE49-F238E27FC236}">
+                <a16:creationId xmlns:a16="http://schemas.microsoft.com/office/drawing/2014/main" id="{E52B628B-8B53-5E45-472A-7213E7972E38}"/>
+              </a:ext>
+            </a:extLst>
+          </p:cNvPr>
+          <p:cNvCxnSpPr/>
+          <p:nvPr/>
+        </p:nvCxnSpPr>
+        <p:spPr>
+          <a:xfrm>
+            <a:off x="4016825" y="4330189"/>
+            <a:ext cx="272142" cy="1"/>
+          </a:xfrm>
+          <a:prstGeom prst="straightConnector1">
+            <a:avLst/>
+          </a:prstGeom>
+          <a:ln>
+            <a:tailEnd type="triangle"/>
+          </a:ln>
+        </p:spPr>
+        <p:style>
+          <a:lnRef idx="1">
+            <a:schemeClr val="accent1"/>
+          </a:lnRef>
+          <a:fillRef idx="0">
+            <a:schemeClr val="accent1"/>
+          </a:fillRef>
+          <a:effectRef idx="0">
+            <a:schemeClr val="accent1"/>
+          </a:effectRef>
+          <a:fontRef idx="minor">
+            <a:schemeClr val="tx1"/>
+          </a:fontRef>
+        </p:style>
+      </p:cxnSp>
+      <p:sp>
+        <p:nvSpPr>
+          <p:cNvPr id="40" name="Retângulo 39">
+            <a:extLst>
+              <a:ext uri="{FF2B5EF4-FFF2-40B4-BE49-F238E27FC236}">
+                <a16:creationId xmlns:a16="http://schemas.microsoft.com/office/drawing/2014/main" id="{12BA3CAB-A1C1-3219-D99F-5AD5DAA5757C}"/>
+              </a:ext>
+            </a:extLst>
+          </p:cNvPr>
+          <p:cNvSpPr/>
+          <p:nvPr/>
+        </p:nvSpPr>
+        <p:spPr>
+          <a:xfrm>
+            <a:off x="1415136" y="2808514"/>
+            <a:ext cx="805550" cy="2270466"/>
+          </a:xfrm>
+          <a:prstGeom prst="rect">
+            <a:avLst/>
+          </a:prstGeom>
+          <a:noFill/>
+        </p:spPr>
+        <p:style>
+          <a:lnRef idx="2">
+            <a:schemeClr val="accent1">
+              <a:shade val="15000"/>
+            </a:schemeClr>
+          </a:lnRef>
+          <a:fillRef idx="1">
+            <a:schemeClr val="accent1"/>
+          </a:fillRef>
+          <a:effectRef idx="0">
+            <a:schemeClr val="accent1"/>
+          </a:effectRef>
+          <a:fontRef idx="minor">
+            <a:schemeClr val="lt1"/>
+          </a:fontRef>
+        </p:style>
+        <p:txBody>
+          <a:bodyPr rtlCol="0" anchor="ctr"/>
+          <a:lstStyle/>
+          <a:p>
+            <a:pPr algn="ctr"/>
+            <a:endParaRPr lang="pt-BR" dirty="0"/>
+          </a:p>
+        </p:txBody>
+      </p:sp>
+      <p:sp>
+        <p:nvSpPr>
+          <p:cNvPr id="41" name="Retângulo 40">
+            <a:extLst>
+              <a:ext uri="{FF2B5EF4-FFF2-40B4-BE49-F238E27FC236}">
+                <a16:creationId xmlns:a16="http://schemas.microsoft.com/office/drawing/2014/main" id="{05A72D9F-DEAB-A925-ABAB-955FB7E85F06}"/>
+              </a:ext>
+            </a:extLst>
+          </p:cNvPr>
+          <p:cNvSpPr/>
+          <p:nvPr/>
+        </p:nvSpPr>
+        <p:spPr>
+          <a:xfrm>
+            <a:off x="2340416" y="2525487"/>
+            <a:ext cx="805550" cy="2916506"/>
+          </a:xfrm>
+          <a:prstGeom prst="rect">
+            <a:avLst/>
+          </a:prstGeom>
+          <a:noFill/>
+        </p:spPr>
+        <p:style>
+          <a:lnRef idx="2">
+            <a:schemeClr val="accent1">
+              <a:shade val="15000"/>
+            </a:schemeClr>
+          </a:lnRef>
+          <a:fillRef idx="1">
+            <a:schemeClr val="accent1"/>
+          </a:fillRef>
+          <a:effectRef idx="0">
+            <a:schemeClr val="accent1"/>
+          </a:effectRef>
+          <a:fontRef idx="minor">
+            <a:schemeClr val="lt1"/>
+          </a:fontRef>
+        </p:style>
+        <p:txBody>
+          <a:bodyPr rtlCol="0" anchor="ctr"/>
+          <a:lstStyle/>
+          <a:p>
+            <a:pPr algn="ctr"/>
+            <a:endParaRPr lang="pt-BR" dirty="0"/>
+          </a:p>
+        </p:txBody>
+      </p:sp>
+      <p:sp>
+        <p:nvSpPr>
+          <p:cNvPr id="42" name="Retângulo 41">
+            <a:extLst>
+              <a:ext uri="{FF2B5EF4-FFF2-40B4-BE49-F238E27FC236}">
+                <a16:creationId xmlns:a16="http://schemas.microsoft.com/office/drawing/2014/main" id="{B32D1E17-5108-B456-D125-0EDE5DFD40D8}"/>
+              </a:ext>
+            </a:extLst>
+          </p:cNvPr>
+          <p:cNvSpPr/>
+          <p:nvPr/>
+        </p:nvSpPr>
+        <p:spPr>
+          <a:xfrm>
+            <a:off x="3298377" y="3212986"/>
+            <a:ext cx="805550" cy="1478757"/>
+          </a:xfrm>
+          <a:prstGeom prst="rect">
+            <a:avLst/>
+          </a:prstGeom>
+          <a:noFill/>
+        </p:spPr>
+        <p:style>
+          <a:lnRef idx="2">
+            <a:schemeClr val="accent1">
+              <a:shade val="15000"/>
+            </a:schemeClr>
+          </a:lnRef>
+          <a:fillRef idx="1">
+            <a:schemeClr val="accent1"/>
+          </a:fillRef>
+          <a:effectRef idx="0">
+            <a:schemeClr val="accent1"/>
+          </a:effectRef>
+          <a:fontRef idx="minor">
+            <a:schemeClr val="lt1"/>
+          </a:fontRef>
+        </p:style>
+        <p:txBody>
+          <a:bodyPr rtlCol="0" anchor="ctr"/>
+          <a:lstStyle/>
+          <a:p>
+            <a:pPr algn="ctr"/>
+            <a:endParaRPr lang="pt-BR" dirty="0"/>
+          </a:p>
+        </p:txBody>
+      </p:sp>
+      <p:sp>
+        <p:nvSpPr>
+          <p:cNvPr id="43" name="CaixaDeTexto 42">
+            <a:extLst>
+              <a:ext uri="{FF2B5EF4-FFF2-40B4-BE49-F238E27FC236}">
+                <a16:creationId xmlns:a16="http://schemas.microsoft.com/office/drawing/2014/main" id="{5B3F2DF9-FEC6-10F7-A546-C89E80F6874B}"/>
+              </a:ext>
+            </a:extLst>
+          </p:cNvPr>
+          <p:cNvSpPr txBox="1"/>
+          <p:nvPr/>
+        </p:nvSpPr>
+        <p:spPr>
+          <a:xfrm>
+            <a:off x="3499750" y="2240917"/>
+            <a:ext cx="1230086" cy="369332"/>
+          </a:xfrm>
+          <a:prstGeom prst="rect">
+            <a:avLst/>
+          </a:prstGeom>
+          <a:noFill/>
+        </p:spPr>
+        <p:txBody>
+          <a:bodyPr wrap="square" rtlCol="0">
+            <a:spAutoFit/>
+          </a:bodyPr>
+          <a:lstStyle/>
+          <a:p>
+            <a:r>
+              <a:rPr lang="pt-BR" dirty="0"/>
+              <a:t>Camada</a:t>
+            </a:r>
+          </a:p>
+        </p:txBody>
+      </p:sp>
+      <p:sp>
+        <p:nvSpPr>
+          <p:cNvPr id="44" name="Forma Livre: Forma 43">
+            <a:extLst>
+              <a:ext uri="{FF2B5EF4-FFF2-40B4-BE49-F238E27FC236}">
+                <a16:creationId xmlns:a16="http://schemas.microsoft.com/office/drawing/2014/main" id="{7AFAD6CF-97CD-94DD-E0D1-B7629DCD7F0B}"/>
+              </a:ext>
+            </a:extLst>
+          </p:cNvPr>
+          <p:cNvSpPr/>
+          <p:nvPr/>
+        </p:nvSpPr>
+        <p:spPr>
+          <a:xfrm>
+            <a:off x="3113305" y="2356849"/>
+            <a:ext cx="413657" cy="166042"/>
+          </a:xfrm>
+          <a:custGeom>
+            <a:avLst/>
+            <a:gdLst>
+              <a:gd name="connsiteX0" fmla="*/ 0 w 413657"/>
+              <a:gd name="connsiteY0" fmla="*/ 166042 h 166042"/>
+              <a:gd name="connsiteX1" fmla="*/ 76200 w 413657"/>
+              <a:gd name="connsiteY1" fmla="*/ 2756 h 166042"/>
+              <a:gd name="connsiteX2" fmla="*/ 413657 w 413657"/>
+              <a:gd name="connsiteY2" fmla="*/ 78956 h 166042"/>
+            </a:gdLst>
+            <a:ahLst/>
+            <a:cxnLst>
+              <a:cxn ang="0">
+                <a:pos x="connsiteX0" y="connsiteY0"/>
+              </a:cxn>
+              <a:cxn ang="0">
+                <a:pos x="connsiteX1" y="connsiteY1"/>
+              </a:cxn>
+              <a:cxn ang="0">
+                <a:pos x="connsiteX2" y="connsiteY2"/>
+              </a:cxn>
+            </a:cxnLst>
+            <a:rect l="l" t="t" r="r" b="b"/>
+            <a:pathLst>
+              <a:path w="413657" h="166042">
+                <a:moveTo>
+                  <a:pt x="0" y="166042"/>
+                </a:moveTo>
+                <a:cubicBezTo>
+                  <a:pt x="3628" y="91656"/>
+                  <a:pt x="7257" y="17270"/>
+                  <a:pt x="76200" y="2756"/>
+                </a:cubicBezTo>
+                <a:cubicBezTo>
+                  <a:pt x="145143" y="-11758"/>
+                  <a:pt x="279400" y="33599"/>
+                  <a:pt x="413657" y="78956"/>
+                </a:cubicBezTo>
+              </a:path>
+            </a:pathLst>
+          </a:custGeom>
+          <a:noFill/>
+        </p:spPr>
+        <p:style>
+          <a:lnRef idx="2">
+            <a:schemeClr val="accent1">
+              <a:shade val="15000"/>
+            </a:schemeClr>
+          </a:lnRef>
+          <a:fillRef idx="1">
+            <a:schemeClr val="accent1"/>
+          </a:fillRef>
+          <a:effectRef idx="0">
+            <a:schemeClr val="accent1"/>
+          </a:effectRef>
+          <a:fontRef idx="minor">
+            <a:schemeClr val="lt1"/>
+          </a:fontRef>
+        </p:style>
+        <p:txBody>
+          <a:bodyPr rtlCol="0" anchor="ctr"/>
+          <a:lstStyle/>
+          <a:p>
+            <a:pPr algn="ctr"/>
+            <a:endParaRPr lang="pt-BR"/>
+          </a:p>
+        </p:txBody>
+      </p:sp>
+      <mc:AlternateContent xmlns:mc="http://schemas.openxmlformats.org/markup-compatibility/2006">
+        <mc:Choice xmlns:a14="http://schemas.microsoft.com/office/drawing/2010/main" Requires="a14">
+          <p:sp>
+            <p:nvSpPr>
+              <p:cNvPr id="45" name="CaixaDeTexto 44">
+                <a:extLst>
+                  <a:ext uri="{FF2B5EF4-FFF2-40B4-BE49-F238E27FC236}">
+                    <a16:creationId xmlns:a16="http://schemas.microsoft.com/office/drawing/2014/main" id="{F935DC63-B882-7C7B-42AB-E8B188EBD204}"/>
+                  </a:ext>
+                </a:extLst>
+              </p:cNvPr>
+              <p:cNvSpPr txBox="1"/>
+              <p:nvPr/>
+            </p:nvSpPr>
+            <p:spPr>
+              <a:xfrm>
+                <a:off x="922561" y="2974265"/>
+                <a:ext cx="266702" cy="369332"/>
+              </a:xfrm>
+              <a:prstGeom prst="rect">
+                <a:avLst/>
+              </a:prstGeom>
+              <a:noFill/>
+            </p:spPr>
+            <p:txBody>
+              <a:bodyPr wrap="square" rtlCol="0">
+                <a:spAutoFit/>
+              </a:bodyPr>
+              <a:lstStyle/>
+              <a:p>
+                <a:pPr/>
+                <a14:m>
+                  <m:oMathPara xmlns:m="http://schemas.openxmlformats.org/officeDocument/2006/math">
+                    <m:oMathParaPr>
+                      <m:jc m:val="centerGroup"/>
+                    </m:oMathParaPr>
+                    <m:oMath xmlns:m="http://schemas.openxmlformats.org/officeDocument/2006/math">
+                      <m:sSub>
+                        <m:sSubPr>
+                          <m:ctrlPr>
+                            <a:rPr lang="pt-BR" i="1" smtClean="0">
+                              <a:latin typeface="Cambria Math" panose="02040503050406030204" pitchFamily="18" charset="0"/>
+                            </a:rPr>
+                          </m:ctrlPr>
+                        </m:sSubPr>
+                        <m:e>
+                          <m:r>
+                            <a:rPr lang="pt-BR" b="0" i="1" smtClean="0">
+                              <a:latin typeface="Cambria Math" panose="02040503050406030204" pitchFamily="18" charset="0"/>
+                            </a:rPr>
+                            <m:t>𝑥</m:t>
+                          </m:r>
+                        </m:e>
+                        <m:sub>
+                          <m:r>
+                            <a:rPr lang="pt-BR" b="0" i="1" smtClean="0">
+                              <a:latin typeface="Cambria Math" panose="02040503050406030204" pitchFamily="18" charset="0"/>
+                            </a:rPr>
+                            <m:t>1</m:t>
+                          </m:r>
+                        </m:sub>
+                      </m:sSub>
+                    </m:oMath>
+                  </m:oMathPara>
+                </a14:m>
+                <a:endParaRPr lang="pt-BR" dirty="0"/>
+              </a:p>
+            </p:txBody>
+          </p:sp>
+        </mc:Choice>
+        <mc:Fallback>
+          <p:sp>
+            <p:nvSpPr>
+              <p:cNvPr id="45" name="CaixaDeTexto 44">
+                <a:extLst>
+                  <a:ext uri="{FF2B5EF4-FFF2-40B4-BE49-F238E27FC236}">
+                    <a16:creationId xmlns:a16="http://schemas.microsoft.com/office/drawing/2014/main" id="{F935DC63-B882-7C7B-42AB-E8B188EBD204}"/>
+                  </a:ext>
+                </a:extLst>
+              </p:cNvPr>
+              <p:cNvSpPr txBox="1">
+                <a:spLocks noRot="1" noChangeAspect="1" noMove="1" noResize="1" noEditPoints="1" noAdjustHandles="1" noChangeArrowheads="1" noChangeShapeType="1" noTextEdit="1"/>
+              </p:cNvSpPr>
+              <p:nvPr/>
+            </p:nvSpPr>
+            <p:spPr>
+              <a:xfrm>
+                <a:off x="922561" y="2974265"/>
+                <a:ext cx="266702" cy="369332"/>
+              </a:xfrm>
+              <a:prstGeom prst="rect">
+                <a:avLst/>
+              </a:prstGeom>
+              <a:blipFill>
+                <a:blip r:embed="rId2"/>
+                <a:stretch>
+                  <a:fillRect r="-36364"/>
+                </a:stretch>
+              </a:blipFill>
+            </p:spPr>
+            <p:txBody>
+              <a:bodyPr/>
+              <a:lstStyle/>
+              <a:p>
+                <a:r>
+                  <a:rPr lang="pt-BR">
+                    <a:noFill/>
+                  </a:rPr>
+                  <a:t> </a:t>
+                </a:r>
+              </a:p>
+            </p:txBody>
+          </p:sp>
+        </mc:Fallback>
+      </mc:AlternateContent>
+      <mc:AlternateContent xmlns:mc="http://schemas.openxmlformats.org/markup-compatibility/2006">
+        <mc:Choice xmlns:a14="http://schemas.microsoft.com/office/drawing/2010/main" Requires="a14">
+          <p:sp>
+            <p:nvSpPr>
+              <p:cNvPr id="46" name="CaixaDeTexto 45">
+                <a:extLst>
+                  <a:ext uri="{FF2B5EF4-FFF2-40B4-BE49-F238E27FC236}">
+                    <a16:creationId xmlns:a16="http://schemas.microsoft.com/office/drawing/2014/main" id="{42D5257F-4516-1481-1D58-EA1312068D07}"/>
+                  </a:ext>
+                </a:extLst>
+              </p:cNvPr>
+              <p:cNvSpPr txBox="1"/>
+              <p:nvPr/>
+            </p:nvSpPr>
+            <p:spPr>
+              <a:xfrm>
+                <a:off x="920926" y="4430876"/>
+                <a:ext cx="266702" cy="369332"/>
+              </a:xfrm>
+              <a:prstGeom prst="rect">
+                <a:avLst/>
+              </a:prstGeom>
+              <a:noFill/>
+            </p:spPr>
+            <p:txBody>
+              <a:bodyPr wrap="square" rtlCol="0">
+                <a:spAutoFit/>
+              </a:bodyPr>
+              <a:lstStyle/>
+              <a:p>
+                <a:pPr/>
+                <a14:m>
+                  <m:oMathPara xmlns:m="http://schemas.openxmlformats.org/officeDocument/2006/math">
+                    <m:oMathParaPr>
+                      <m:jc m:val="centerGroup"/>
+                    </m:oMathParaPr>
+                    <m:oMath xmlns:m="http://schemas.openxmlformats.org/officeDocument/2006/math">
+                      <m:sSub>
+                        <m:sSubPr>
+                          <m:ctrlPr>
+                            <a:rPr lang="pt-BR" i="1" smtClean="0">
+                              <a:latin typeface="Cambria Math" panose="02040503050406030204" pitchFamily="18" charset="0"/>
+                            </a:rPr>
+                          </m:ctrlPr>
+                        </m:sSubPr>
+                        <m:e>
+                          <m:r>
+                            <a:rPr lang="pt-BR" b="0" i="1" smtClean="0">
+                              <a:latin typeface="Cambria Math" panose="02040503050406030204" pitchFamily="18" charset="0"/>
+                            </a:rPr>
+                            <m:t>𝑥</m:t>
+                          </m:r>
+                        </m:e>
+                        <m:sub>
+                          <m:r>
+                            <a:rPr lang="pt-BR" b="0" i="1" smtClean="0">
+                              <a:latin typeface="Cambria Math" panose="02040503050406030204" pitchFamily="18" charset="0"/>
+                            </a:rPr>
+                            <m:t>2</m:t>
+                          </m:r>
+                        </m:sub>
+                      </m:sSub>
+                    </m:oMath>
+                  </m:oMathPara>
+                </a14:m>
+                <a:endParaRPr lang="pt-BR" dirty="0"/>
+              </a:p>
+            </p:txBody>
+          </p:sp>
+        </mc:Choice>
+        <mc:Fallback>
+          <p:sp>
+            <p:nvSpPr>
+              <p:cNvPr id="46" name="CaixaDeTexto 45">
+                <a:extLst>
+                  <a:ext uri="{FF2B5EF4-FFF2-40B4-BE49-F238E27FC236}">
+                    <a16:creationId xmlns:a16="http://schemas.microsoft.com/office/drawing/2014/main" id="{42D5257F-4516-1481-1D58-EA1312068D07}"/>
+                  </a:ext>
+                </a:extLst>
+              </p:cNvPr>
+              <p:cNvSpPr txBox="1">
+                <a:spLocks noRot="1" noChangeAspect="1" noMove="1" noResize="1" noEditPoints="1" noAdjustHandles="1" noChangeArrowheads="1" noChangeShapeType="1" noTextEdit="1"/>
+              </p:cNvSpPr>
+              <p:nvPr/>
+            </p:nvSpPr>
+            <p:spPr>
+              <a:xfrm>
+                <a:off x="920926" y="4430876"/>
+                <a:ext cx="266702" cy="369332"/>
+              </a:xfrm>
+              <a:prstGeom prst="rect">
+                <a:avLst/>
+              </a:prstGeom>
+              <a:blipFill>
+                <a:blip r:embed="rId3"/>
+                <a:stretch>
+                  <a:fillRect r="-38636"/>
+                </a:stretch>
+              </a:blipFill>
+            </p:spPr>
+            <p:txBody>
+              <a:bodyPr/>
+              <a:lstStyle/>
+              <a:p>
+                <a:r>
+                  <a:rPr lang="pt-BR">
+                    <a:noFill/>
+                  </a:rPr>
+                  <a:t> </a:t>
+                </a:r>
+              </a:p>
+            </p:txBody>
+          </p:sp>
+        </mc:Fallback>
+      </mc:AlternateContent>
+      <p:sp>
+        <p:nvSpPr>
+          <p:cNvPr id="47" name="Elipse 46">
+            <a:extLst>
+              <a:ext uri="{FF2B5EF4-FFF2-40B4-BE49-F238E27FC236}">
+                <a16:creationId xmlns:a16="http://schemas.microsoft.com/office/drawing/2014/main" id="{07BCDB8B-CE0C-9B08-2837-D5CFEF8F8027}"/>
+              </a:ext>
+            </a:extLst>
+          </p:cNvPr>
+          <p:cNvSpPr/>
+          <p:nvPr/>
+        </p:nvSpPr>
+        <p:spPr>
+          <a:xfrm>
+            <a:off x="7500252" y="2764972"/>
+            <a:ext cx="566057" cy="566057"/>
+          </a:xfrm>
+          <a:prstGeom prst="ellipse">
+            <a:avLst/>
+          </a:prstGeom>
+          <a:solidFill>
+            <a:schemeClr val="accent1"/>
+          </a:solidFill>
+          <a:ln>
+            <a:noFill/>
+          </a:ln>
+        </p:spPr>
+        <p:style>
+          <a:lnRef idx="2">
+            <a:schemeClr val="accent1">
+              <a:shade val="15000"/>
+            </a:schemeClr>
+          </a:lnRef>
+          <a:fillRef idx="1">
+            <a:schemeClr val="accent1"/>
+          </a:fillRef>
+          <a:effectRef idx="0">
+            <a:schemeClr val="accent1"/>
+          </a:effectRef>
+          <a:fontRef idx="minor">
+            <a:schemeClr val="lt1"/>
+          </a:fontRef>
+        </p:style>
+        <p:txBody>
+          <a:bodyPr rtlCol="0" anchor="ctr"/>
+          <a:lstStyle/>
+          <a:p>
+            <a:pPr algn="ctr"/>
+            <a:endParaRPr lang="pt-BR" dirty="0"/>
+          </a:p>
+        </p:txBody>
+      </p:sp>
+      <p:sp>
+        <p:nvSpPr>
+          <p:cNvPr id="48" name="Elipse 47">
+            <a:extLst>
+              <a:ext uri="{FF2B5EF4-FFF2-40B4-BE49-F238E27FC236}">
+                <a16:creationId xmlns:a16="http://schemas.microsoft.com/office/drawing/2014/main" id="{3CB32753-29C3-55D3-8422-F352A806D763}"/>
+              </a:ext>
+            </a:extLst>
+          </p:cNvPr>
+          <p:cNvSpPr/>
+          <p:nvPr/>
+        </p:nvSpPr>
+        <p:spPr>
+          <a:xfrm>
+            <a:off x="7500251" y="3483429"/>
+            <a:ext cx="566057" cy="566057"/>
+          </a:xfrm>
+          <a:prstGeom prst="ellipse">
+            <a:avLst/>
+          </a:prstGeom>
+          <a:solidFill>
+            <a:schemeClr val="bg1">
+              <a:lumMod val="85000"/>
+            </a:schemeClr>
+          </a:solidFill>
+          <a:ln>
+            <a:noFill/>
+          </a:ln>
+        </p:spPr>
+        <p:style>
+          <a:lnRef idx="2">
+            <a:schemeClr val="accent1">
+              <a:shade val="15000"/>
+            </a:schemeClr>
+          </a:lnRef>
+          <a:fillRef idx="1">
+            <a:schemeClr val="accent1"/>
+          </a:fillRef>
+          <a:effectRef idx="0">
+            <a:schemeClr val="accent1"/>
+          </a:effectRef>
+          <a:fontRef idx="minor">
+            <a:schemeClr val="lt1"/>
+          </a:fontRef>
+        </p:style>
+        <p:txBody>
+          <a:bodyPr rtlCol="0" anchor="ctr"/>
+          <a:lstStyle/>
+          <a:p>
+            <a:pPr algn="ctr"/>
+            <a:endParaRPr lang="pt-BR" dirty="0"/>
+          </a:p>
+        </p:txBody>
+      </p:sp>
+      <p:sp>
+        <p:nvSpPr>
+          <p:cNvPr id="49" name="Elipse 48">
+            <a:extLst>
+              <a:ext uri="{FF2B5EF4-FFF2-40B4-BE49-F238E27FC236}">
+                <a16:creationId xmlns:a16="http://schemas.microsoft.com/office/drawing/2014/main" id="{BFC26550-A7ED-0423-9691-3BC491E002D2}"/>
+              </a:ext>
+            </a:extLst>
+          </p:cNvPr>
+          <p:cNvSpPr/>
+          <p:nvPr/>
+        </p:nvSpPr>
+        <p:spPr>
+          <a:xfrm>
+            <a:off x="7500251" y="4201886"/>
+            <a:ext cx="566057" cy="566057"/>
+          </a:xfrm>
+          <a:prstGeom prst="ellipse">
+            <a:avLst/>
+          </a:prstGeom>
+          <a:solidFill>
+            <a:schemeClr val="bg1">
+              <a:lumMod val="85000"/>
+            </a:schemeClr>
+          </a:solidFill>
+          <a:ln>
+            <a:noFill/>
+          </a:ln>
+        </p:spPr>
+        <p:style>
+          <a:lnRef idx="2">
+            <a:schemeClr val="accent1">
+              <a:shade val="15000"/>
+            </a:schemeClr>
+          </a:lnRef>
+          <a:fillRef idx="1">
+            <a:schemeClr val="accent1"/>
+          </a:fillRef>
+          <a:effectRef idx="0">
+            <a:schemeClr val="accent1"/>
+          </a:effectRef>
+          <a:fontRef idx="minor">
+            <a:schemeClr val="lt1"/>
+          </a:fontRef>
+        </p:style>
+        <p:txBody>
+          <a:bodyPr rtlCol="0" anchor="ctr"/>
+          <a:lstStyle/>
+          <a:p>
+            <a:pPr algn="ctr"/>
+            <a:endParaRPr lang="pt-BR" dirty="0"/>
+          </a:p>
+        </p:txBody>
+      </p:sp>
+      <p:sp>
+        <p:nvSpPr>
+          <p:cNvPr id="50" name="Elipse 49">
+            <a:extLst>
+              <a:ext uri="{FF2B5EF4-FFF2-40B4-BE49-F238E27FC236}">
+                <a16:creationId xmlns:a16="http://schemas.microsoft.com/office/drawing/2014/main" id="{5DCC9ADC-11EF-0D55-4743-6F7128E32CBE}"/>
+              </a:ext>
+            </a:extLst>
+          </p:cNvPr>
+          <p:cNvSpPr/>
+          <p:nvPr/>
+        </p:nvSpPr>
+        <p:spPr>
+          <a:xfrm>
+            <a:off x="7500251" y="4920343"/>
+            <a:ext cx="566057" cy="566057"/>
+          </a:xfrm>
+          <a:prstGeom prst="ellipse">
+            <a:avLst/>
+          </a:prstGeom>
+          <a:solidFill>
+            <a:schemeClr val="bg1">
+              <a:lumMod val="85000"/>
+            </a:schemeClr>
+          </a:solidFill>
+          <a:ln>
+            <a:noFill/>
+          </a:ln>
+        </p:spPr>
+        <p:style>
+          <a:lnRef idx="2">
+            <a:schemeClr val="accent1">
+              <a:shade val="15000"/>
+            </a:schemeClr>
+          </a:lnRef>
+          <a:fillRef idx="1">
+            <a:schemeClr val="accent1"/>
+          </a:fillRef>
+          <a:effectRef idx="0">
+            <a:schemeClr val="accent1"/>
+          </a:effectRef>
+          <a:fontRef idx="minor">
+            <a:schemeClr val="lt1"/>
+          </a:fontRef>
+        </p:style>
+        <p:txBody>
+          <a:bodyPr rtlCol="0" anchor="ctr"/>
+          <a:lstStyle/>
+          <a:p>
+            <a:pPr algn="ctr"/>
+            <a:endParaRPr lang="pt-BR" dirty="0"/>
+          </a:p>
+        </p:txBody>
+      </p:sp>
+      <p:sp>
+        <p:nvSpPr>
+          <p:cNvPr id="51" name="Elipse 50">
+            <a:extLst>
+              <a:ext uri="{FF2B5EF4-FFF2-40B4-BE49-F238E27FC236}">
+                <a16:creationId xmlns:a16="http://schemas.microsoft.com/office/drawing/2014/main" id="{523B2D2B-0A5B-2F90-913B-5ACA195CF6F9}"/>
+              </a:ext>
+            </a:extLst>
+          </p:cNvPr>
+          <p:cNvSpPr/>
+          <p:nvPr/>
+        </p:nvSpPr>
+        <p:spPr>
+          <a:xfrm>
+            <a:off x="8458194" y="3483428"/>
+            <a:ext cx="566057" cy="566057"/>
+          </a:xfrm>
+          <a:prstGeom prst="ellipse">
+            <a:avLst/>
+          </a:prstGeom>
+          <a:solidFill>
+            <a:schemeClr val="bg1">
+              <a:lumMod val="85000"/>
+            </a:schemeClr>
+          </a:solidFill>
+          <a:ln>
+            <a:noFill/>
+          </a:ln>
+        </p:spPr>
+        <p:style>
+          <a:lnRef idx="2">
+            <a:schemeClr val="accent1">
+              <a:shade val="15000"/>
+            </a:schemeClr>
+          </a:lnRef>
+          <a:fillRef idx="1">
+            <a:schemeClr val="accent1"/>
+          </a:fillRef>
+          <a:effectRef idx="0">
+            <a:schemeClr val="accent1"/>
+          </a:effectRef>
+          <a:fontRef idx="minor">
+            <a:schemeClr val="lt1"/>
+          </a:fontRef>
+        </p:style>
+        <p:txBody>
+          <a:bodyPr rtlCol="0" anchor="ctr"/>
+          <a:lstStyle/>
+          <a:p>
+            <a:pPr algn="ctr"/>
+            <a:endParaRPr lang="pt-BR" dirty="0"/>
+          </a:p>
+        </p:txBody>
+      </p:sp>
+      <p:sp>
+        <p:nvSpPr>
+          <p:cNvPr id="52" name="Elipse 51">
+            <a:extLst>
+              <a:ext uri="{FF2B5EF4-FFF2-40B4-BE49-F238E27FC236}">
+                <a16:creationId xmlns:a16="http://schemas.microsoft.com/office/drawing/2014/main" id="{5A24C30B-B813-7CA9-7E2E-D209AF0BDCC0}"/>
+              </a:ext>
+            </a:extLst>
+          </p:cNvPr>
+          <p:cNvSpPr/>
+          <p:nvPr/>
+        </p:nvSpPr>
+        <p:spPr>
+          <a:xfrm>
+            <a:off x="8458193" y="4201885"/>
+            <a:ext cx="566057" cy="566057"/>
+          </a:xfrm>
+          <a:prstGeom prst="ellipse">
+            <a:avLst/>
+          </a:prstGeom>
+          <a:solidFill>
+            <a:schemeClr val="bg1">
+              <a:lumMod val="85000"/>
+            </a:schemeClr>
+          </a:solidFill>
+          <a:ln>
+            <a:noFill/>
+          </a:ln>
+        </p:spPr>
+        <p:style>
+          <a:lnRef idx="2">
+            <a:schemeClr val="accent1">
+              <a:shade val="15000"/>
+            </a:schemeClr>
+          </a:lnRef>
+          <a:fillRef idx="1">
+            <a:schemeClr val="accent1"/>
+          </a:fillRef>
+          <a:effectRef idx="0">
+            <a:schemeClr val="accent1"/>
+          </a:effectRef>
+          <a:fontRef idx="minor">
+            <a:schemeClr val="lt1"/>
+          </a:fontRef>
+        </p:style>
+        <p:txBody>
+          <a:bodyPr rtlCol="0" anchor="ctr"/>
+          <a:lstStyle/>
+          <a:p>
+            <a:pPr algn="ctr"/>
+            <a:endParaRPr lang="pt-BR" dirty="0"/>
+          </a:p>
+        </p:txBody>
+      </p:sp>
+      <p:sp>
+        <p:nvSpPr>
+          <p:cNvPr id="53" name="Elipse 52">
+            <a:extLst>
+              <a:ext uri="{FF2B5EF4-FFF2-40B4-BE49-F238E27FC236}">
+                <a16:creationId xmlns:a16="http://schemas.microsoft.com/office/drawing/2014/main" id="{0AE3DC55-5E70-4224-9097-8A0842DD250E}"/>
+              </a:ext>
+            </a:extLst>
+          </p:cNvPr>
+          <p:cNvSpPr/>
+          <p:nvPr/>
+        </p:nvSpPr>
+        <p:spPr>
+          <a:xfrm>
+            <a:off x="6542308" y="3082358"/>
+            <a:ext cx="566057" cy="566057"/>
+          </a:xfrm>
+          <a:prstGeom prst="ellipse">
+            <a:avLst/>
+          </a:prstGeom>
+          <a:solidFill>
+            <a:schemeClr val="bg1">
+              <a:lumMod val="85000"/>
+            </a:schemeClr>
+          </a:solidFill>
+          <a:ln>
+            <a:noFill/>
+          </a:ln>
+        </p:spPr>
+        <p:style>
+          <a:lnRef idx="2">
+            <a:schemeClr val="accent1">
+              <a:shade val="15000"/>
+            </a:schemeClr>
+          </a:lnRef>
+          <a:fillRef idx="1">
+            <a:schemeClr val="accent1"/>
+          </a:fillRef>
+          <a:effectRef idx="0">
+            <a:schemeClr val="accent1"/>
+          </a:effectRef>
+          <a:fontRef idx="minor">
+            <a:schemeClr val="lt1"/>
+          </a:fontRef>
+        </p:style>
+        <p:txBody>
+          <a:bodyPr rtlCol="0" anchor="ctr"/>
+          <a:lstStyle/>
+          <a:p>
+            <a:pPr algn="ctr"/>
+            <a:endParaRPr lang="pt-BR" dirty="0"/>
+          </a:p>
+        </p:txBody>
+      </p:sp>
+      <p:sp>
+        <p:nvSpPr>
+          <p:cNvPr id="54" name="Elipse 53">
+            <a:extLst>
+              <a:ext uri="{FF2B5EF4-FFF2-40B4-BE49-F238E27FC236}">
+                <a16:creationId xmlns:a16="http://schemas.microsoft.com/office/drawing/2014/main" id="{FA97200D-1657-2A99-EED7-60774CCA8FFB}"/>
+              </a:ext>
+            </a:extLst>
+          </p:cNvPr>
+          <p:cNvSpPr/>
+          <p:nvPr/>
+        </p:nvSpPr>
+        <p:spPr>
+          <a:xfrm>
+            <a:off x="6542308" y="3838008"/>
+            <a:ext cx="566057" cy="566057"/>
+          </a:xfrm>
+          <a:prstGeom prst="ellipse">
+            <a:avLst/>
+          </a:prstGeom>
+          <a:solidFill>
+            <a:schemeClr val="bg1">
+              <a:lumMod val="85000"/>
+            </a:schemeClr>
+          </a:solidFill>
+          <a:ln>
+            <a:noFill/>
+          </a:ln>
+        </p:spPr>
+        <p:style>
+          <a:lnRef idx="2">
+            <a:schemeClr val="accent1">
+              <a:shade val="15000"/>
+            </a:schemeClr>
+          </a:lnRef>
+          <a:fillRef idx="1">
+            <a:schemeClr val="accent1"/>
+          </a:fillRef>
+          <a:effectRef idx="0">
+            <a:schemeClr val="accent1"/>
+          </a:effectRef>
+          <a:fontRef idx="minor">
+            <a:schemeClr val="lt1"/>
+          </a:fontRef>
+        </p:style>
+        <p:txBody>
+          <a:bodyPr rtlCol="0" anchor="ctr"/>
+          <a:lstStyle/>
+          <a:p>
+            <a:pPr algn="ctr"/>
+            <a:endParaRPr lang="pt-BR" dirty="0"/>
+          </a:p>
+        </p:txBody>
+      </p:sp>
+      <p:sp>
+        <p:nvSpPr>
+          <p:cNvPr id="55" name="Elipse 54">
+            <a:extLst>
+              <a:ext uri="{FF2B5EF4-FFF2-40B4-BE49-F238E27FC236}">
+                <a16:creationId xmlns:a16="http://schemas.microsoft.com/office/drawing/2014/main" id="{DAE9D42E-7B4E-2C18-36E1-7E07D439B8A2}"/>
+              </a:ext>
+            </a:extLst>
+          </p:cNvPr>
+          <p:cNvSpPr/>
+          <p:nvPr/>
+        </p:nvSpPr>
+        <p:spPr>
+          <a:xfrm>
+            <a:off x="6542308" y="4593658"/>
+            <a:ext cx="566057" cy="566057"/>
+          </a:xfrm>
+          <a:prstGeom prst="ellipse">
+            <a:avLst/>
+          </a:prstGeom>
+          <a:solidFill>
+            <a:schemeClr val="bg1">
+              <a:lumMod val="85000"/>
+            </a:schemeClr>
+          </a:solidFill>
+          <a:ln>
+            <a:noFill/>
+          </a:ln>
+        </p:spPr>
+        <p:style>
+          <a:lnRef idx="2">
+            <a:schemeClr val="accent1">
+              <a:shade val="15000"/>
+            </a:schemeClr>
+          </a:lnRef>
+          <a:fillRef idx="1">
+            <a:schemeClr val="accent1"/>
+          </a:fillRef>
+          <a:effectRef idx="0">
+            <a:schemeClr val="accent1"/>
+          </a:effectRef>
+          <a:fontRef idx="minor">
+            <a:schemeClr val="lt1"/>
+          </a:fontRef>
+        </p:style>
+        <p:txBody>
+          <a:bodyPr rtlCol="0" anchor="ctr"/>
+          <a:lstStyle/>
+          <a:p>
+            <a:pPr algn="ctr"/>
+            <a:endParaRPr lang="pt-BR" dirty="0"/>
+          </a:p>
+        </p:txBody>
+      </p:sp>
+      <p:cxnSp>
+        <p:nvCxnSpPr>
+          <p:cNvPr id="56" name="Conector de Seta Reta 55">
+            <a:extLst>
+              <a:ext uri="{FF2B5EF4-FFF2-40B4-BE49-F238E27FC236}">
+                <a16:creationId xmlns:a16="http://schemas.microsoft.com/office/drawing/2014/main" id="{2E9C87CC-F45D-8D49-1EF0-90FBBEA3879B}"/>
+              </a:ext>
+            </a:extLst>
+          </p:cNvPr>
+          <p:cNvCxnSpPr>
+            <a:stCxn id="53" idx="6"/>
+            <a:endCxn id="47" idx="2"/>
+          </p:cNvCxnSpPr>
+          <p:nvPr/>
+        </p:nvCxnSpPr>
+        <p:spPr>
+          <a:xfrm flipV="1">
+            <a:off x="7108365" y="3048001"/>
+            <a:ext cx="391887" cy="317386"/>
+          </a:xfrm>
+          <a:prstGeom prst="straightConnector1">
+            <a:avLst/>
+          </a:prstGeom>
+          <a:ln>
+            <a:tailEnd type="triangle"/>
+          </a:ln>
+        </p:spPr>
+        <p:style>
+          <a:lnRef idx="1">
+            <a:schemeClr val="accent1"/>
+          </a:lnRef>
+          <a:fillRef idx="0">
+            <a:schemeClr val="accent1"/>
+          </a:fillRef>
+          <a:effectRef idx="0">
+            <a:schemeClr val="accent1"/>
+          </a:effectRef>
+          <a:fontRef idx="minor">
+            <a:schemeClr val="tx1"/>
+          </a:fontRef>
+        </p:style>
+      </p:cxnSp>
+      <p:cxnSp>
+        <p:nvCxnSpPr>
+          <p:cNvPr id="57" name="Conector de Seta Reta 56">
+            <a:extLst>
+              <a:ext uri="{FF2B5EF4-FFF2-40B4-BE49-F238E27FC236}">
+                <a16:creationId xmlns:a16="http://schemas.microsoft.com/office/drawing/2014/main" id="{C5344D80-3635-D8AD-BDC7-A1879AE7E4A7}"/>
+              </a:ext>
+            </a:extLst>
+          </p:cNvPr>
+          <p:cNvCxnSpPr>
+            <a:stCxn id="53" idx="6"/>
+            <a:endCxn id="48" idx="2"/>
+          </p:cNvCxnSpPr>
+          <p:nvPr/>
+        </p:nvCxnSpPr>
+        <p:spPr>
+          <a:xfrm>
+            <a:off x="7108365" y="3365387"/>
+            <a:ext cx="391886" cy="401071"/>
+          </a:xfrm>
+          <a:prstGeom prst="straightConnector1">
+            <a:avLst/>
+          </a:prstGeom>
+          <a:ln>
+            <a:tailEnd type="triangle"/>
+          </a:ln>
+        </p:spPr>
+        <p:style>
+          <a:lnRef idx="1">
+            <a:schemeClr val="accent1"/>
+          </a:lnRef>
+          <a:fillRef idx="0">
+            <a:schemeClr val="accent1"/>
+          </a:fillRef>
+          <a:effectRef idx="0">
+            <a:schemeClr val="accent1"/>
+          </a:effectRef>
+          <a:fontRef idx="minor">
+            <a:schemeClr val="tx1"/>
+          </a:fontRef>
+        </p:style>
+      </p:cxnSp>
+      <p:cxnSp>
+        <p:nvCxnSpPr>
+          <p:cNvPr id="58" name="Conector de Seta Reta 57">
+            <a:extLst>
+              <a:ext uri="{FF2B5EF4-FFF2-40B4-BE49-F238E27FC236}">
+                <a16:creationId xmlns:a16="http://schemas.microsoft.com/office/drawing/2014/main" id="{127511B2-E7A3-DC76-7C2C-455B083E7BDF}"/>
+              </a:ext>
+            </a:extLst>
+          </p:cNvPr>
+          <p:cNvCxnSpPr>
+            <a:stCxn id="53" idx="6"/>
+            <a:endCxn id="49" idx="2"/>
+          </p:cNvCxnSpPr>
+          <p:nvPr/>
+        </p:nvCxnSpPr>
+        <p:spPr>
+          <a:xfrm>
+            <a:off x="7108365" y="3365387"/>
+            <a:ext cx="391886" cy="1119528"/>
+          </a:xfrm>
+          <a:prstGeom prst="straightConnector1">
+            <a:avLst/>
+          </a:prstGeom>
+          <a:ln>
+            <a:tailEnd type="triangle"/>
+          </a:ln>
+        </p:spPr>
+        <p:style>
+          <a:lnRef idx="1">
+            <a:schemeClr val="accent1"/>
+          </a:lnRef>
+          <a:fillRef idx="0">
+            <a:schemeClr val="accent1"/>
+          </a:fillRef>
+          <a:effectRef idx="0">
+            <a:schemeClr val="accent1"/>
+          </a:effectRef>
+          <a:fontRef idx="minor">
+            <a:schemeClr val="tx1"/>
+          </a:fontRef>
+        </p:style>
+      </p:cxnSp>
+      <p:cxnSp>
+        <p:nvCxnSpPr>
+          <p:cNvPr id="59" name="Conector de Seta Reta 58">
+            <a:extLst>
+              <a:ext uri="{FF2B5EF4-FFF2-40B4-BE49-F238E27FC236}">
+                <a16:creationId xmlns:a16="http://schemas.microsoft.com/office/drawing/2014/main" id="{853B6FBB-1C14-F4F3-A71E-AC6FB19A28DA}"/>
+              </a:ext>
+            </a:extLst>
+          </p:cNvPr>
+          <p:cNvCxnSpPr>
+            <a:stCxn id="53" idx="6"/>
+            <a:endCxn id="50" idx="2"/>
+          </p:cNvCxnSpPr>
+          <p:nvPr/>
+        </p:nvCxnSpPr>
+        <p:spPr>
+          <a:xfrm>
+            <a:off x="7108365" y="3365387"/>
+            <a:ext cx="391886" cy="1837985"/>
+          </a:xfrm>
+          <a:prstGeom prst="straightConnector1">
+            <a:avLst/>
+          </a:prstGeom>
+          <a:ln>
+            <a:tailEnd type="triangle"/>
+          </a:ln>
+        </p:spPr>
+        <p:style>
+          <a:lnRef idx="1">
+            <a:schemeClr val="accent1"/>
+          </a:lnRef>
+          <a:fillRef idx="0">
+            <a:schemeClr val="accent1"/>
+          </a:fillRef>
+          <a:effectRef idx="0">
+            <a:schemeClr val="accent1"/>
+          </a:effectRef>
+          <a:fontRef idx="minor">
+            <a:schemeClr val="tx1"/>
+          </a:fontRef>
+        </p:style>
+      </p:cxnSp>
+      <p:cxnSp>
+        <p:nvCxnSpPr>
+          <p:cNvPr id="60" name="Conector de Seta Reta 59">
+            <a:extLst>
+              <a:ext uri="{FF2B5EF4-FFF2-40B4-BE49-F238E27FC236}">
+                <a16:creationId xmlns:a16="http://schemas.microsoft.com/office/drawing/2014/main" id="{C5A9D8EB-2F17-BF03-5782-A7A895D368DB}"/>
+              </a:ext>
+            </a:extLst>
+          </p:cNvPr>
+          <p:cNvCxnSpPr>
+            <a:stCxn id="54" idx="6"/>
+            <a:endCxn id="47" idx="2"/>
+          </p:cNvCxnSpPr>
+          <p:nvPr/>
+        </p:nvCxnSpPr>
+        <p:spPr>
+          <a:xfrm flipV="1">
+            <a:off x="7108365" y="3048001"/>
+            <a:ext cx="391887" cy="1073036"/>
+          </a:xfrm>
+          <a:prstGeom prst="straightConnector1">
+            <a:avLst/>
+          </a:prstGeom>
+          <a:ln>
+            <a:tailEnd type="triangle"/>
+          </a:ln>
+        </p:spPr>
+        <p:style>
+          <a:lnRef idx="1">
+            <a:schemeClr val="accent1"/>
+          </a:lnRef>
+          <a:fillRef idx="0">
+            <a:schemeClr val="accent1"/>
+          </a:fillRef>
+          <a:effectRef idx="0">
+            <a:schemeClr val="accent1"/>
+          </a:effectRef>
+          <a:fontRef idx="minor">
+            <a:schemeClr val="tx1"/>
+          </a:fontRef>
+        </p:style>
+      </p:cxnSp>
+      <p:cxnSp>
+        <p:nvCxnSpPr>
+          <p:cNvPr id="61" name="Conector de Seta Reta 60">
+            <a:extLst>
+              <a:ext uri="{FF2B5EF4-FFF2-40B4-BE49-F238E27FC236}">
+                <a16:creationId xmlns:a16="http://schemas.microsoft.com/office/drawing/2014/main" id="{21AC2533-AF31-2CEF-5EDB-9E80147C1C29}"/>
+              </a:ext>
+            </a:extLst>
+          </p:cNvPr>
+          <p:cNvCxnSpPr>
+            <a:stCxn id="55" idx="6"/>
+            <a:endCxn id="48" idx="2"/>
+          </p:cNvCxnSpPr>
+          <p:nvPr/>
+        </p:nvCxnSpPr>
+        <p:spPr>
+          <a:xfrm flipV="1">
+            <a:off x="7108365" y="3766458"/>
+            <a:ext cx="391886" cy="1110229"/>
+          </a:xfrm>
+          <a:prstGeom prst="straightConnector1">
+            <a:avLst/>
+          </a:prstGeom>
+          <a:ln>
+            <a:tailEnd type="triangle"/>
+          </a:ln>
+        </p:spPr>
+        <p:style>
+          <a:lnRef idx="1">
+            <a:schemeClr val="accent1"/>
+          </a:lnRef>
+          <a:fillRef idx="0">
+            <a:schemeClr val="accent1"/>
+          </a:fillRef>
+          <a:effectRef idx="0">
+            <a:schemeClr val="accent1"/>
+          </a:effectRef>
+          <a:fontRef idx="minor">
+            <a:schemeClr val="tx1"/>
+          </a:fontRef>
+        </p:style>
+      </p:cxnSp>
+      <p:cxnSp>
+        <p:nvCxnSpPr>
+          <p:cNvPr id="62" name="Conector de Seta Reta 61">
+            <a:extLst>
+              <a:ext uri="{FF2B5EF4-FFF2-40B4-BE49-F238E27FC236}">
+                <a16:creationId xmlns:a16="http://schemas.microsoft.com/office/drawing/2014/main" id="{93F41EFA-FDF2-3A90-29A3-6818EFD4C8B2}"/>
+              </a:ext>
+            </a:extLst>
+          </p:cNvPr>
+          <p:cNvCxnSpPr>
+            <a:stCxn id="54" idx="6"/>
+            <a:endCxn id="48" idx="2"/>
+          </p:cNvCxnSpPr>
+          <p:nvPr/>
+        </p:nvCxnSpPr>
+        <p:spPr>
+          <a:xfrm flipV="1">
+            <a:off x="7108365" y="3766458"/>
+            <a:ext cx="391886" cy="354579"/>
+          </a:xfrm>
+          <a:prstGeom prst="straightConnector1">
+            <a:avLst/>
+          </a:prstGeom>
+          <a:ln>
+            <a:tailEnd type="triangle"/>
+          </a:ln>
+        </p:spPr>
+        <p:style>
+          <a:lnRef idx="1">
+            <a:schemeClr val="accent1"/>
+          </a:lnRef>
+          <a:fillRef idx="0">
+            <a:schemeClr val="accent1"/>
+          </a:fillRef>
+          <a:effectRef idx="0">
+            <a:schemeClr val="accent1"/>
+          </a:effectRef>
+          <a:fontRef idx="minor">
+            <a:schemeClr val="tx1"/>
+          </a:fontRef>
+        </p:style>
+      </p:cxnSp>
+      <p:cxnSp>
+        <p:nvCxnSpPr>
+          <p:cNvPr id="63" name="Conector de Seta Reta 62">
+            <a:extLst>
+              <a:ext uri="{FF2B5EF4-FFF2-40B4-BE49-F238E27FC236}">
+                <a16:creationId xmlns:a16="http://schemas.microsoft.com/office/drawing/2014/main" id="{F2A12224-8316-65F1-6B99-742F5ACFFB61}"/>
+              </a:ext>
+            </a:extLst>
+          </p:cNvPr>
+          <p:cNvCxnSpPr>
+            <a:stCxn id="54" idx="6"/>
+            <a:endCxn id="49" idx="2"/>
+          </p:cNvCxnSpPr>
+          <p:nvPr/>
+        </p:nvCxnSpPr>
+        <p:spPr>
+          <a:xfrm>
+            <a:off x="7108365" y="4121037"/>
+            <a:ext cx="391886" cy="363878"/>
+          </a:xfrm>
+          <a:prstGeom prst="straightConnector1">
+            <a:avLst/>
+          </a:prstGeom>
+          <a:ln>
+            <a:tailEnd type="triangle"/>
+          </a:ln>
+        </p:spPr>
+        <p:style>
+          <a:lnRef idx="1">
+            <a:schemeClr val="accent1"/>
+          </a:lnRef>
+          <a:fillRef idx="0">
+            <a:schemeClr val="accent1"/>
+          </a:fillRef>
+          <a:effectRef idx="0">
+            <a:schemeClr val="accent1"/>
+          </a:effectRef>
+          <a:fontRef idx="minor">
+            <a:schemeClr val="tx1"/>
+          </a:fontRef>
+        </p:style>
+      </p:cxnSp>
+      <p:cxnSp>
+        <p:nvCxnSpPr>
+          <p:cNvPr id="64" name="Conector de Seta Reta 63">
+            <a:extLst>
+              <a:ext uri="{FF2B5EF4-FFF2-40B4-BE49-F238E27FC236}">
+                <a16:creationId xmlns:a16="http://schemas.microsoft.com/office/drawing/2014/main" id="{F92A28C7-0627-C54D-D65F-5C62F6D5E04B}"/>
+              </a:ext>
+            </a:extLst>
+          </p:cNvPr>
+          <p:cNvCxnSpPr>
+            <a:stCxn id="54" idx="6"/>
+            <a:endCxn id="50" idx="2"/>
+          </p:cNvCxnSpPr>
+          <p:nvPr/>
+        </p:nvCxnSpPr>
+        <p:spPr>
+          <a:xfrm>
+            <a:off x="7108365" y="4121037"/>
+            <a:ext cx="391886" cy="1082335"/>
+          </a:xfrm>
+          <a:prstGeom prst="straightConnector1">
+            <a:avLst/>
+          </a:prstGeom>
+          <a:ln>
+            <a:tailEnd type="triangle"/>
+          </a:ln>
+        </p:spPr>
+        <p:style>
+          <a:lnRef idx="1">
+            <a:schemeClr val="accent1"/>
+          </a:lnRef>
+          <a:fillRef idx="0">
+            <a:schemeClr val="accent1"/>
+          </a:fillRef>
+          <a:effectRef idx="0">
+            <a:schemeClr val="accent1"/>
+          </a:effectRef>
+          <a:fontRef idx="minor">
+            <a:schemeClr val="tx1"/>
+          </a:fontRef>
+        </p:style>
+      </p:cxnSp>
+      <p:cxnSp>
+        <p:nvCxnSpPr>
+          <p:cNvPr id="65" name="Conector de Seta Reta 64">
+            <a:extLst>
+              <a:ext uri="{FF2B5EF4-FFF2-40B4-BE49-F238E27FC236}">
+                <a16:creationId xmlns:a16="http://schemas.microsoft.com/office/drawing/2014/main" id="{F69B7603-EBC2-CF8A-D7BE-085E26ADAE6F}"/>
+              </a:ext>
+            </a:extLst>
+          </p:cNvPr>
+          <p:cNvCxnSpPr>
+            <a:stCxn id="55" idx="6"/>
+            <a:endCxn id="47" idx="2"/>
+          </p:cNvCxnSpPr>
+          <p:nvPr/>
+        </p:nvCxnSpPr>
+        <p:spPr>
+          <a:xfrm flipV="1">
+            <a:off x="7108365" y="3048001"/>
+            <a:ext cx="391887" cy="1828686"/>
+          </a:xfrm>
+          <a:prstGeom prst="straightConnector1">
+            <a:avLst/>
+          </a:prstGeom>
+          <a:ln>
+            <a:tailEnd type="triangle"/>
+          </a:ln>
+        </p:spPr>
+        <p:style>
+          <a:lnRef idx="1">
+            <a:schemeClr val="accent1"/>
+          </a:lnRef>
+          <a:fillRef idx="0">
+            <a:schemeClr val="accent1"/>
+          </a:fillRef>
+          <a:effectRef idx="0">
+            <a:schemeClr val="accent1"/>
+          </a:effectRef>
+          <a:fontRef idx="minor">
+            <a:schemeClr val="tx1"/>
+          </a:fontRef>
+        </p:style>
+      </p:cxnSp>
+      <p:cxnSp>
+        <p:nvCxnSpPr>
+          <p:cNvPr id="66" name="Conector de Seta Reta 65">
+            <a:extLst>
+              <a:ext uri="{FF2B5EF4-FFF2-40B4-BE49-F238E27FC236}">
+                <a16:creationId xmlns:a16="http://schemas.microsoft.com/office/drawing/2014/main" id="{E5404BBF-2851-0A92-A19E-E34566A9DAAE}"/>
+              </a:ext>
+            </a:extLst>
+          </p:cNvPr>
+          <p:cNvCxnSpPr>
+            <a:stCxn id="55" idx="6"/>
+            <a:endCxn id="49" idx="2"/>
+          </p:cNvCxnSpPr>
+          <p:nvPr/>
+        </p:nvCxnSpPr>
+        <p:spPr>
+          <a:xfrm flipV="1">
+            <a:off x="7108365" y="4484915"/>
+            <a:ext cx="391886" cy="391772"/>
+          </a:xfrm>
+          <a:prstGeom prst="straightConnector1">
+            <a:avLst/>
+          </a:prstGeom>
+          <a:ln>
+            <a:tailEnd type="triangle"/>
+          </a:ln>
+        </p:spPr>
+        <p:style>
+          <a:lnRef idx="1">
+            <a:schemeClr val="accent1"/>
+          </a:lnRef>
+          <a:fillRef idx="0">
+            <a:schemeClr val="accent1"/>
+          </a:fillRef>
+          <a:effectRef idx="0">
+            <a:schemeClr val="accent1"/>
+          </a:effectRef>
+          <a:fontRef idx="minor">
+            <a:schemeClr val="tx1"/>
+          </a:fontRef>
+        </p:style>
+      </p:cxnSp>
+      <p:cxnSp>
+        <p:nvCxnSpPr>
+          <p:cNvPr id="67" name="Conector de Seta Reta 66">
+            <a:extLst>
+              <a:ext uri="{FF2B5EF4-FFF2-40B4-BE49-F238E27FC236}">
+                <a16:creationId xmlns:a16="http://schemas.microsoft.com/office/drawing/2014/main" id="{82B28CEA-1B34-6963-EF6B-E677A0513728}"/>
+              </a:ext>
+            </a:extLst>
+          </p:cNvPr>
+          <p:cNvCxnSpPr>
+            <a:stCxn id="55" idx="6"/>
+            <a:endCxn id="50" idx="2"/>
+          </p:cNvCxnSpPr>
+          <p:nvPr/>
+        </p:nvCxnSpPr>
+        <p:spPr>
+          <a:xfrm>
+            <a:off x="7108365" y="4876687"/>
+            <a:ext cx="391886" cy="326685"/>
+          </a:xfrm>
+          <a:prstGeom prst="straightConnector1">
+            <a:avLst/>
+          </a:prstGeom>
+          <a:ln>
+            <a:tailEnd type="triangle"/>
+          </a:ln>
+        </p:spPr>
+        <p:style>
+          <a:lnRef idx="1">
+            <a:schemeClr val="accent1"/>
+          </a:lnRef>
+          <a:fillRef idx="0">
+            <a:schemeClr val="accent1"/>
+          </a:fillRef>
+          <a:effectRef idx="0">
+            <a:schemeClr val="accent1"/>
+          </a:effectRef>
+          <a:fontRef idx="minor">
+            <a:schemeClr val="tx1"/>
+          </a:fontRef>
+        </p:style>
+      </p:cxnSp>
+      <p:cxnSp>
+        <p:nvCxnSpPr>
+          <p:cNvPr id="68" name="Conector de Seta Reta 67">
+            <a:extLst>
+              <a:ext uri="{FF2B5EF4-FFF2-40B4-BE49-F238E27FC236}">
+                <a16:creationId xmlns:a16="http://schemas.microsoft.com/office/drawing/2014/main" id="{A2675C0C-DF08-8DB0-C4AB-7352662149C8}"/>
+              </a:ext>
+            </a:extLst>
+          </p:cNvPr>
+          <p:cNvCxnSpPr>
+            <a:stCxn id="47" idx="6"/>
+            <a:endCxn id="51" idx="2"/>
+          </p:cNvCxnSpPr>
+          <p:nvPr/>
+        </p:nvCxnSpPr>
+        <p:spPr>
+          <a:xfrm>
+            <a:off x="8066309" y="3048001"/>
+            <a:ext cx="391885" cy="718456"/>
+          </a:xfrm>
+          <a:prstGeom prst="straightConnector1">
+            <a:avLst/>
+          </a:prstGeom>
+          <a:ln>
+            <a:tailEnd type="triangle"/>
+          </a:ln>
+        </p:spPr>
+        <p:style>
+          <a:lnRef idx="1">
+            <a:schemeClr val="accent1"/>
+          </a:lnRef>
+          <a:fillRef idx="0">
+            <a:schemeClr val="accent1"/>
+          </a:fillRef>
+          <a:effectRef idx="0">
+            <a:schemeClr val="accent1"/>
+          </a:effectRef>
+          <a:fontRef idx="minor">
+            <a:schemeClr val="tx1"/>
+          </a:fontRef>
+        </p:style>
+      </p:cxnSp>
+      <p:cxnSp>
+        <p:nvCxnSpPr>
+          <p:cNvPr id="69" name="Conector de Seta Reta 68">
+            <a:extLst>
+              <a:ext uri="{FF2B5EF4-FFF2-40B4-BE49-F238E27FC236}">
+                <a16:creationId xmlns:a16="http://schemas.microsoft.com/office/drawing/2014/main" id="{B9CDF70B-BB09-E717-8636-332AE72132E9}"/>
+              </a:ext>
+            </a:extLst>
+          </p:cNvPr>
+          <p:cNvCxnSpPr>
+            <a:stCxn id="48" idx="6"/>
+            <a:endCxn id="52" idx="2"/>
+          </p:cNvCxnSpPr>
+          <p:nvPr/>
+        </p:nvCxnSpPr>
+        <p:spPr>
+          <a:xfrm>
+            <a:off x="8066308" y="3766458"/>
+            <a:ext cx="391885" cy="718456"/>
+          </a:xfrm>
+          <a:prstGeom prst="straightConnector1">
+            <a:avLst/>
+          </a:prstGeom>
+          <a:ln>
+            <a:tailEnd type="triangle"/>
+          </a:ln>
+        </p:spPr>
+        <p:style>
+          <a:lnRef idx="1">
+            <a:schemeClr val="accent1"/>
+          </a:lnRef>
+          <a:fillRef idx="0">
+            <a:schemeClr val="accent1"/>
+          </a:fillRef>
+          <a:effectRef idx="0">
+            <a:schemeClr val="accent1"/>
+          </a:effectRef>
+          <a:fontRef idx="minor">
+            <a:schemeClr val="tx1"/>
+          </a:fontRef>
+        </p:style>
+      </p:cxnSp>
+      <p:cxnSp>
+        <p:nvCxnSpPr>
+          <p:cNvPr id="70" name="Conector de Seta Reta 69">
+            <a:extLst>
+              <a:ext uri="{FF2B5EF4-FFF2-40B4-BE49-F238E27FC236}">
+                <a16:creationId xmlns:a16="http://schemas.microsoft.com/office/drawing/2014/main" id="{A0C59751-CA8C-CDF6-1949-E139868C72F9}"/>
+              </a:ext>
+            </a:extLst>
+          </p:cNvPr>
+          <p:cNvCxnSpPr>
+            <a:stCxn id="49" idx="6"/>
+            <a:endCxn id="52" idx="2"/>
+          </p:cNvCxnSpPr>
+          <p:nvPr/>
+        </p:nvCxnSpPr>
+        <p:spPr>
+          <a:xfrm flipV="1">
+            <a:off x="8066308" y="4484914"/>
+            <a:ext cx="391885" cy="1"/>
+          </a:xfrm>
+          <a:prstGeom prst="straightConnector1">
+            <a:avLst/>
+          </a:prstGeom>
+          <a:ln>
+            <a:tailEnd type="triangle"/>
+          </a:ln>
+        </p:spPr>
+        <p:style>
+          <a:lnRef idx="1">
+            <a:schemeClr val="accent1"/>
+          </a:lnRef>
+          <a:fillRef idx="0">
+            <a:schemeClr val="accent1"/>
+          </a:fillRef>
+          <a:effectRef idx="0">
+            <a:schemeClr val="accent1"/>
+          </a:effectRef>
+          <a:fontRef idx="minor">
+            <a:schemeClr val="tx1"/>
+          </a:fontRef>
+        </p:style>
+      </p:cxnSp>
+      <p:cxnSp>
+        <p:nvCxnSpPr>
+          <p:cNvPr id="71" name="Conector de Seta Reta 70">
+            <a:extLst>
+              <a:ext uri="{FF2B5EF4-FFF2-40B4-BE49-F238E27FC236}">
+                <a16:creationId xmlns:a16="http://schemas.microsoft.com/office/drawing/2014/main" id="{4434CD69-6350-59FE-5FBB-AD663AEC9823}"/>
+              </a:ext>
+            </a:extLst>
+          </p:cNvPr>
+          <p:cNvCxnSpPr>
+            <a:stCxn id="50" idx="6"/>
+            <a:endCxn id="52" idx="2"/>
+          </p:cNvCxnSpPr>
+          <p:nvPr/>
+        </p:nvCxnSpPr>
+        <p:spPr>
+          <a:xfrm flipV="1">
+            <a:off x="8066308" y="4484914"/>
+            <a:ext cx="391885" cy="718458"/>
+          </a:xfrm>
+          <a:prstGeom prst="straightConnector1">
+            <a:avLst/>
+          </a:prstGeom>
+          <a:ln>
+            <a:tailEnd type="triangle"/>
+          </a:ln>
+        </p:spPr>
+        <p:style>
+          <a:lnRef idx="1">
+            <a:schemeClr val="accent1"/>
+          </a:lnRef>
+          <a:fillRef idx="0">
+            <a:schemeClr val="accent1"/>
+          </a:fillRef>
+          <a:effectRef idx="0">
+            <a:schemeClr val="accent1"/>
+          </a:effectRef>
+          <a:fontRef idx="minor">
+            <a:schemeClr val="tx1"/>
+          </a:fontRef>
+        </p:style>
+      </p:cxnSp>
+      <p:cxnSp>
+        <p:nvCxnSpPr>
+          <p:cNvPr id="72" name="Conector de Seta Reta 71">
+            <a:extLst>
+              <a:ext uri="{FF2B5EF4-FFF2-40B4-BE49-F238E27FC236}">
+                <a16:creationId xmlns:a16="http://schemas.microsoft.com/office/drawing/2014/main" id="{41DD8E17-7931-D8F6-5774-D8C8B92A866B}"/>
+              </a:ext>
+            </a:extLst>
+          </p:cNvPr>
+          <p:cNvCxnSpPr>
+            <a:cxnSpLocks/>
+            <a:stCxn id="47" idx="6"/>
+            <a:endCxn id="52" idx="2"/>
+          </p:cNvCxnSpPr>
+          <p:nvPr/>
+        </p:nvCxnSpPr>
+        <p:spPr>
+          <a:xfrm>
+            <a:off x="8066309" y="3048001"/>
+            <a:ext cx="391884" cy="1436913"/>
+          </a:xfrm>
+          <a:prstGeom prst="straightConnector1">
+            <a:avLst/>
+          </a:prstGeom>
+          <a:ln>
+            <a:tailEnd type="triangle"/>
+          </a:ln>
+        </p:spPr>
+        <p:style>
+          <a:lnRef idx="1">
+            <a:schemeClr val="accent1"/>
+          </a:lnRef>
+          <a:fillRef idx="0">
+            <a:schemeClr val="accent1"/>
+          </a:fillRef>
+          <a:effectRef idx="0">
+            <a:schemeClr val="accent1"/>
+          </a:effectRef>
+          <a:fontRef idx="minor">
+            <a:schemeClr val="tx1"/>
+          </a:fontRef>
+        </p:style>
+      </p:cxnSp>
+      <p:cxnSp>
+        <p:nvCxnSpPr>
+          <p:cNvPr id="73" name="Conector de Seta Reta 72">
+            <a:extLst>
+              <a:ext uri="{FF2B5EF4-FFF2-40B4-BE49-F238E27FC236}">
+                <a16:creationId xmlns:a16="http://schemas.microsoft.com/office/drawing/2014/main" id="{18E54812-DD5C-1F06-EC64-60104362E19D}"/>
+              </a:ext>
+            </a:extLst>
+          </p:cNvPr>
+          <p:cNvCxnSpPr>
+            <a:stCxn id="48" idx="6"/>
+            <a:endCxn id="51" idx="2"/>
+          </p:cNvCxnSpPr>
+          <p:nvPr/>
+        </p:nvCxnSpPr>
+        <p:spPr>
+          <a:xfrm flipV="1">
+            <a:off x="8066308" y="3766457"/>
+            <a:ext cx="391886" cy="1"/>
+          </a:xfrm>
+          <a:prstGeom prst="straightConnector1">
+            <a:avLst/>
+          </a:prstGeom>
+          <a:ln>
+            <a:tailEnd type="triangle"/>
+          </a:ln>
+        </p:spPr>
+        <p:style>
+          <a:lnRef idx="1">
+            <a:schemeClr val="accent1"/>
+          </a:lnRef>
+          <a:fillRef idx="0">
+            <a:schemeClr val="accent1"/>
+          </a:fillRef>
+          <a:effectRef idx="0">
+            <a:schemeClr val="accent1"/>
+          </a:effectRef>
+          <a:fontRef idx="minor">
+            <a:schemeClr val="tx1"/>
+          </a:fontRef>
+        </p:style>
+      </p:cxnSp>
+      <p:cxnSp>
+        <p:nvCxnSpPr>
+          <p:cNvPr id="74" name="Conector de Seta Reta 73">
+            <a:extLst>
+              <a:ext uri="{FF2B5EF4-FFF2-40B4-BE49-F238E27FC236}">
+                <a16:creationId xmlns:a16="http://schemas.microsoft.com/office/drawing/2014/main" id="{D089833F-AF62-43B8-7766-2CE57BE23F8E}"/>
+              </a:ext>
+            </a:extLst>
+          </p:cNvPr>
+          <p:cNvCxnSpPr>
+            <a:stCxn id="49" idx="6"/>
+            <a:endCxn id="51" idx="2"/>
+          </p:cNvCxnSpPr>
+          <p:nvPr/>
+        </p:nvCxnSpPr>
+        <p:spPr>
+          <a:xfrm flipV="1">
+            <a:off x="8066308" y="3766457"/>
+            <a:ext cx="391886" cy="718458"/>
+          </a:xfrm>
+          <a:prstGeom prst="straightConnector1">
+            <a:avLst/>
+          </a:prstGeom>
+          <a:ln>
+            <a:tailEnd type="triangle"/>
+          </a:ln>
+        </p:spPr>
+        <p:style>
+          <a:lnRef idx="1">
+            <a:schemeClr val="accent1"/>
+          </a:lnRef>
+          <a:fillRef idx="0">
+            <a:schemeClr val="accent1"/>
+          </a:fillRef>
+          <a:effectRef idx="0">
+            <a:schemeClr val="accent1"/>
+          </a:effectRef>
+          <a:fontRef idx="minor">
+            <a:schemeClr val="tx1"/>
+          </a:fontRef>
+        </p:style>
+      </p:cxnSp>
+      <p:cxnSp>
+        <p:nvCxnSpPr>
+          <p:cNvPr id="75" name="Conector de Seta Reta 74">
+            <a:extLst>
+              <a:ext uri="{FF2B5EF4-FFF2-40B4-BE49-F238E27FC236}">
+                <a16:creationId xmlns:a16="http://schemas.microsoft.com/office/drawing/2014/main" id="{7CEA38E9-34F5-C027-B61C-BE3F7F26DC6B}"/>
+              </a:ext>
+            </a:extLst>
+          </p:cNvPr>
+          <p:cNvCxnSpPr>
+            <a:stCxn id="50" idx="6"/>
+            <a:endCxn id="51" idx="2"/>
+          </p:cNvCxnSpPr>
+          <p:nvPr/>
+        </p:nvCxnSpPr>
+        <p:spPr>
+          <a:xfrm flipV="1">
+            <a:off x="8066308" y="3766457"/>
+            <a:ext cx="391886" cy="1436915"/>
+          </a:xfrm>
+          <a:prstGeom prst="straightConnector1">
+            <a:avLst/>
+          </a:prstGeom>
+          <a:ln>
+            <a:tailEnd type="triangle"/>
+          </a:ln>
+        </p:spPr>
+        <p:style>
+          <a:lnRef idx="1">
+            <a:schemeClr val="accent1"/>
+          </a:lnRef>
+          <a:fillRef idx="0">
+            <a:schemeClr val="accent1"/>
+          </a:fillRef>
+          <a:effectRef idx="0">
+            <a:schemeClr val="accent1"/>
+          </a:effectRef>
+          <a:fontRef idx="minor">
+            <a:schemeClr val="tx1"/>
+          </a:fontRef>
+        </p:style>
+      </p:cxnSp>
+      <p:cxnSp>
+        <p:nvCxnSpPr>
+          <p:cNvPr id="76" name="Conector de Seta Reta 75">
+            <a:extLst>
+              <a:ext uri="{FF2B5EF4-FFF2-40B4-BE49-F238E27FC236}">
+                <a16:creationId xmlns:a16="http://schemas.microsoft.com/office/drawing/2014/main" id="{C0D47946-6131-CED8-5624-7B46747DA81E}"/>
+              </a:ext>
+            </a:extLst>
+          </p:cNvPr>
+          <p:cNvCxnSpPr>
+            <a:endCxn id="53" idx="2"/>
+          </p:cNvCxnSpPr>
+          <p:nvPr/>
+        </p:nvCxnSpPr>
+        <p:spPr>
+          <a:xfrm>
+            <a:off x="6270166" y="3365386"/>
+            <a:ext cx="272142" cy="1"/>
+          </a:xfrm>
+          <a:prstGeom prst="straightConnector1">
+            <a:avLst/>
+          </a:prstGeom>
+          <a:ln>
+            <a:tailEnd type="triangle"/>
+          </a:ln>
+        </p:spPr>
+        <p:style>
+          <a:lnRef idx="1">
+            <a:schemeClr val="accent1"/>
+          </a:lnRef>
+          <a:fillRef idx="0">
+            <a:schemeClr val="accent1"/>
+          </a:fillRef>
+          <a:effectRef idx="0">
+            <a:schemeClr val="accent1"/>
+          </a:effectRef>
+          <a:fontRef idx="minor">
+            <a:schemeClr val="tx1"/>
+          </a:fontRef>
+        </p:style>
+      </p:cxnSp>
+      <p:cxnSp>
+        <p:nvCxnSpPr>
+          <p:cNvPr id="77" name="Conector de Seta Reta 76">
+            <a:extLst>
+              <a:ext uri="{FF2B5EF4-FFF2-40B4-BE49-F238E27FC236}">
+                <a16:creationId xmlns:a16="http://schemas.microsoft.com/office/drawing/2014/main" id="{F67E883A-9C7F-9C49-89EE-CD9F6B4563EB}"/>
+              </a:ext>
+            </a:extLst>
+          </p:cNvPr>
+          <p:cNvCxnSpPr>
+            <a:endCxn id="54" idx="2"/>
+          </p:cNvCxnSpPr>
+          <p:nvPr/>
+        </p:nvCxnSpPr>
+        <p:spPr>
+          <a:xfrm>
+            <a:off x="6270166" y="3365386"/>
+            <a:ext cx="272142" cy="755651"/>
+          </a:xfrm>
+          <a:prstGeom prst="straightConnector1">
+            <a:avLst/>
+          </a:prstGeom>
+          <a:ln>
+            <a:tailEnd type="triangle"/>
+          </a:ln>
+        </p:spPr>
+        <p:style>
+          <a:lnRef idx="1">
+            <a:schemeClr val="accent1"/>
+          </a:lnRef>
+          <a:fillRef idx="0">
+            <a:schemeClr val="accent1"/>
+          </a:fillRef>
+          <a:effectRef idx="0">
+            <a:schemeClr val="accent1"/>
+          </a:effectRef>
+          <a:fontRef idx="minor">
+            <a:schemeClr val="tx1"/>
+          </a:fontRef>
+        </p:style>
+      </p:cxnSp>
+      <p:cxnSp>
+        <p:nvCxnSpPr>
+          <p:cNvPr id="78" name="Conector de Seta Reta 77">
+            <a:extLst>
+              <a:ext uri="{FF2B5EF4-FFF2-40B4-BE49-F238E27FC236}">
+                <a16:creationId xmlns:a16="http://schemas.microsoft.com/office/drawing/2014/main" id="{14D2B78F-30D0-FBFD-5078-F273A138680C}"/>
+              </a:ext>
+            </a:extLst>
+          </p:cNvPr>
+          <p:cNvCxnSpPr>
+            <a:endCxn id="55" idx="2"/>
+          </p:cNvCxnSpPr>
+          <p:nvPr/>
+        </p:nvCxnSpPr>
+        <p:spPr>
+          <a:xfrm>
+            <a:off x="6270166" y="3365386"/>
+            <a:ext cx="272142" cy="1511301"/>
+          </a:xfrm>
+          <a:prstGeom prst="straightConnector1">
+            <a:avLst/>
+          </a:prstGeom>
+          <a:ln>
+            <a:tailEnd type="triangle"/>
+          </a:ln>
+        </p:spPr>
+        <p:style>
+          <a:lnRef idx="1">
+            <a:schemeClr val="accent1"/>
+          </a:lnRef>
+          <a:fillRef idx="0">
+            <a:schemeClr val="accent1"/>
+          </a:fillRef>
+          <a:effectRef idx="0">
+            <a:schemeClr val="accent1"/>
+          </a:effectRef>
+          <a:fontRef idx="minor">
+            <a:schemeClr val="tx1"/>
+          </a:fontRef>
+        </p:style>
+      </p:cxnSp>
+      <p:cxnSp>
+        <p:nvCxnSpPr>
+          <p:cNvPr id="79" name="Conector de Seta Reta 78">
+            <a:extLst>
+              <a:ext uri="{FF2B5EF4-FFF2-40B4-BE49-F238E27FC236}">
+                <a16:creationId xmlns:a16="http://schemas.microsoft.com/office/drawing/2014/main" id="{BB8412B6-AF58-2557-F413-F415E9857E4C}"/>
+              </a:ext>
+            </a:extLst>
+          </p:cNvPr>
+          <p:cNvCxnSpPr/>
+          <p:nvPr/>
+        </p:nvCxnSpPr>
+        <p:spPr>
+          <a:xfrm>
+            <a:off x="6270166" y="4845843"/>
+            <a:ext cx="272142" cy="1"/>
+          </a:xfrm>
+          <a:prstGeom prst="straightConnector1">
+            <a:avLst/>
+          </a:prstGeom>
+          <a:ln>
+            <a:tailEnd type="triangle"/>
+          </a:ln>
+        </p:spPr>
+        <p:style>
+          <a:lnRef idx="1">
+            <a:schemeClr val="accent1"/>
+          </a:lnRef>
+          <a:fillRef idx="0">
+            <a:schemeClr val="accent1"/>
+          </a:fillRef>
+          <a:effectRef idx="0">
+            <a:schemeClr val="accent1"/>
+          </a:effectRef>
+          <a:fontRef idx="minor">
+            <a:schemeClr val="tx1"/>
+          </a:fontRef>
+        </p:style>
+      </p:cxnSp>
+      <p:cxnSp>
+        <p:nvCxnSpPr>
+          <p:cNvPr id="80" name="Conector reto 79">
+            <a:extLst>
+              <a:ext uri="{FF2B5EF4-FFF2-40B4-BE49-F238E27FC236}">
+                <a16:creationId xmlns:a16="http://schemas.microsoft.com/office/drawing/2014/main" id="{E9DF6111-D7CE-2D66-7876-57D625F15DA8}"/>
+              </a:ext>
+            </a:extLst>
+          </p:cNvPr>
+          <p:cNvCxnSpPr>
+            <a:cxnSpLocks/>
+            <a:endCxn id="54" idx="2"/>
+          </p:cNvCxnSpPr>
+          <p:nvPr/>
+        </p:nvCxnSpPr>
+        <p:spPr>
+          <a:xfrm flipV="1">
+            <a:off x="6270165" y="4121037"/>
+            <a:ext cx="272143" cy="723106"/>
+          </a:xfrm>
+          <a:prstGeom prst="line">
+            <a:avLst/>
+          </a:prstGeom>
+          <a:ln>
+            <a:headEnd type="none" w="med" len="med"/>
+            <a:tailEnd type="triangle" w="med" len="med"/>
+          </a:ln>
+        </p:spPr>
+        <p:style>
+          <a:lnRef idx="1">
+            <a:schemeClr val="accent1"/>
+          </a:lnRef>
+          <a:fillRef idx="0">
+            <a:schemeClr val="accent1"/>
+          </a:fillRef>
+          <a:effectRef idx="0">
+            <a:schemeClr val="accent1"/>
+          </a:effectRef>
+          <a:fontRef idx="minor">
+            <a:schemeClr val="tx1"/>
+          </a:fontRef>
+        </p:style>
+      </p:cxnSp>
+      <p:cxnSp>
+        <p:nvCxnSpPr>
+          <p:cNvPr id="81" name="Conector de Seta Reta 80">
+            <a:extLst>
+              <a:ext uri="{FF2B5EF4-FFF2-40B4-BE49-F238E27FC236}">
+                <a16:creationId xmlns:a16="http://schemas.microsoft.com/office/drawing/2014/main" id="{A0F64F37-1274-0520-7393-B446FFC14749}"/>
+              </a:ext>
+            </a:extLst>
+          </p:cNvPr>
+          <p:cNvCxnSpPr/>
+          <p:nvPr/>
+        </p:nvCxnSpPr>
+        <p:spPr>
+          <a:xfrm>
+            <a:off x="9024249" y="3766455"/>
+            <a:ext cx="272142" cy="1"/>
+          </a:xfrm>
+          <a:prstGeom prst="straightConnector1">
+            <a:avLst/>
+          </a:prstGeom>
+          <a:ln>
+            <a:tailEnd type="triangle"/>
+          </a:ln>
+        </p:spPr>
+        <p:style>
+          <a:lnRef idx="1">
+            <a:schemeClr val="accent1"/>
+          </a:lnRef>
+          <a:fillRef idx="0">
+            <a:schemeClr val="accent1"/>
+          </a:fillRef>
+          <a:effectRef idx="0">
+            <a:schemeClr val="accent1"/>
+          </a:effectRef>
+          <a:fontRef idx="minor">
+            <a:schemeClr val="tx1"/>
+          </a:fontRef>
+        </p:style>
+      </p:cxnSp>
+      <p:cxnSp>
+        <p:nvCxnSpPr>
+          <p:cNvPr id="82" name="Conector de Seta Reta 81">
+            <a:extLst>
+              <a:ext uri="{FF2B5EF4-FFF2-40B4-BE49-F238E27FC236}">
+                <a16:creationId xmlns:a16="http://schemas.microsoft.com/office/drawing/2014/main" id="{AE079E2A-2897-CDD6-63F5-C2B55F2414AA}"/>
+              </a:ext>
+            </a:extLst>
+          </p:cNvPr>
+          <p:cNvCxnSpPr/>
+          <p:nvPr/>
+        </p:nvCxnSpPr>
+        <p:spPr>
+          <a:xfrm>
+            <a:off x="9024249" y="4482589"/>
+            <a:ext cx="272142" cy="1"/>
+          </a:xfrm>
+          <a:prstGeom prst="straightConnector1">
+            <a:avLst/>
+          </a:prstGeom>
+          <a:ln>
+            <a:tailEnd type="triangle"/>
+          </a:ln>
+        </p:spPr>
+        <p:style>
+          <a:lnRef idx="1">
+            <a:schemeClr val="accent1"/>
+          </a:lnRef>
+          <a:fillRef idx="0">
+            <a:schemeClr val="accent1"/>
+          </a:fillRef>
+          <a:effectRef idx="0">
+            <a:schemeClr val="accent1"/>
+          </a:effectRef>
+          <a:fontRef idx="minor">
+            <a:schemeClr val="tx1"/>
+          </a:fontRef>
+        </p:style>
+      </p:cxnSp>
+      <mc:AlternateContent xmlns:mc="http://schemas.openxmlformats.org/markup-compatibility/2006">
+        <mc:Choice xmlns:a14="http://schemas.microsoft.com/office/drawing/2010/main" Requires="a14">
+          <p:sp>
+            <p:nvSpPr>
+              <p:cNvPr id="88" name="CaixaDeTexto 87">
+                <a:extLst>
+                  <a:ext uri="{FF2B5EF4-FFF2-40B4-BE49-F238E27FC236}">
+                    <a16:creationId xmlns:a16="http://schemas.microsoft.com/office/drawing/2014/main" id="{736D8B32-0D1E-F148-06B6-0FAC704597CF}"/>
+                  </a:ext>
+                </a:extLst>
+              </p:cNvPr>
+              <p:cNvSpPr txBox="1"/>
+              <p:nvPr/>
+            </p:nvSpPr>
+            <p:spPr>
+              <a:xfrm>
+                <a:off x="5929985" y="3126665"/>
+                <a:ext cx="266702" cy="369332"/>
+              </a:xfrm>
+              <a:prstGeom prst="rect">
+                <a:avLst/>
+              </a:prstGeom>
+              <a:noFill/>
+            </p:spPr>
+            <p:txBody>
+              <a:bodyPr wrap="square" rtlCol="0">
+                <a:spAutoFit/>
+              </a:bodyPr>
+              <a:lstStyle/>
+              <a:p>
+                <a:pPr/>
+                <a14:m>
+                  <m:oMathPara xmlns:m="http://schemas.openxmlformats.org/officeDocument/2006/math">
+                    <m:oMathParaPr>
+                      <m:jc m:val="centerGroup"/>
+                    </m:oMathParaPr>
+                    <m:oMath xmlns:m="http://schemas.openxmlformats.org/officeDocument/2006/math">
+                      <m:sSub>
+                        <m:sSubPr>
+                          <m:ctrlPr>
+                            <a:rPr lang="pt-BR" i="1" smtClean="0">
+                              <a:latin typeface="Cambria Math" panose="02040503050406030204" pitchFamily="18" charset="0"/>
+                            </a:rPr>
+                          </m:ctrlPr>
+                        </m:sSubPr>
+                        <m:e>
+                          <m:r>
+                            <a:rPr lang="pt-BR" b="0" i="1" smtClean="0">
+                              <a:latin typeface="Cambria Math" panose="02040503050406030204" pitchFamily="18" charset="0"/>
+                            </a:rPr>
+                            <m:t>𝑥</m:t>
+                          </m:r>
+                        </m:e>
+                        <m:sub>
+                          <m:r>
+                            <a:rPr lang="pt-BR" b="0" i="1" smtClean="0">
+                              <a:latin typeface="Cambria Math" panose="02040503050406030204" pitchFamily="18" charset="0"/>
+                            </a:rPr>
+                            <m:t>1</m:t>
+                          </m:r>
+                        </m:sub>
+                      </m:sSub>
+                    </m:oMath>
+                  </m:oMathPara>
+                </a14:m>
+                <a:endParaRPr lang="pt-BR" dirty="0"/>
+              </a:p>
+            </p:txBody>
+          </p:sp>
+        </mc:Choice>
+        <mc:Fallback>
+          <p:sp>
+            <p:nvSpPr>
+              <p:cNvPr id="88" name="CaixaDeTexto 87">
+                <a:extLst>
+                  <a:ext uri="{FF2B5EF4-FFF2-40B4-BE49-F238E27FC236}">
+                    <a16:creationId xmlns:a16="http://schemas.microsoft.com/office/drawing/2014/main" id="{736D8B32-0D1E-F148-06B6-0FAC704597CF}"/>
+                  </a:ext>
+                </a:extLst>
+              </p:cNvPr>
+              <p:cNvSpPr txBox="1">
+                <a:spLocks noRot="1" noChangeAspect="1" noMove="1" noResize="1" noEditPoints="1" noAdjustHandles="1" noChangeArrowheads="1" noChangeShapeType="1" noTextEdit="1"/>
+              </p:cNvSpPr>
+              <p:nvPr/>
+            </p:nvSpPr>
+            <p:spPr>
+              <a:xfrm>
+                <a:off x="5929985" y="3126665"/>
+                <a:ext cx="266702" cy="369332"/>
+              </a:xfrm>
+              <a:prstGeom prst="rect">
+                <a:avLst/>
+              </a:prstGeom>
+              <a:blipFill>
+                <a:blip r:embed="rId4"/>
+                <a:stretch>
+                  <a:fillRect r="-34091"/>
+                </a:stretch>
+              </a:blipFill>
+            </p:spPr>
+            <p:txBody>
+              <a:bodyPr/>
+              <a:lstStyle/>
+              <a:p>
+                <a:r>
+                  <a:rPr lang="pt-BR">
+                    <a:noFill/>
+                  </a:rPr>
+                  <a:t> </a:t>
+                </a:r>
+              </a:p>
+            </p:txBody>
+          </p:sp>
+        </mc:Fallback>
+      </mc:AlternateContent>
+      <mc:AlternateContent xmlns:mc="http://schemas.openxmlformats.org/markup-compatibility/2006">
+        <mc:Choice xmlns:a14="http://schemas.microsoft.com/office/drawing/2010/main" Requires="a14">
+          <p:sp>
+            <p:nvSpPr>
+              <p:cNvPr id="89" name="CaixaDeTexto 88">
+                <a:extLst>
+                  <a:ext uri="{FF2B5EF4-FFF2-40B4-BE49-F238E27FC236}">
+                    <a16:creationId xmlns:a16="http://schemas.microsoft.com/office/drawing/2014/main" id="{2A6BCE2C-1F0E-0DA8-3BDD-5FCC74BC676A}"/>
+                  </a:ext>
+                </a:extLst>
+              </p:cNvPr>
+              <p:cNvSpPr txBox="1"/>
+              <p:nvPr/>
+            </p:nvSpPr>
+            <p:spPr>
+              <a:xfrm>
+                <a:off x="5928350" y="4583276"/>
+                <a:ext cx="266702" cy="369332"/>
+              </a:xfrm>
+              <a:prstGeom prst="rect">
+                <a:avLst/>
+              </a:prstGeom>
+              <a:noFill/>
+            </p:spPr>
+            <p:txBody>
+              <a:bodyPr wrap="square" rtlCol="0">
+                <a:spAutoFit/>
+              </a:bodyPr>
+              <a:lstStyle/>
+              <a:p>
+                <a:pPr/>
+                <a14:m>
+                  <m:oMathPara xmlns:m="http://schemas.openxmlformats.org/officeDocument/2006/math">
+                    <m:oMathParaPr>
+                      <m:jc m:val="centerGroup"/>
+                    </m:oMathParaPr>
+                    <m:oMath xmlns:m="http://schemas.openxmlformats.org/officeDocument/2006/math">
+                      <m:sSub>
+                        <m:sSubPr>
+                          <m:ctrlPr>
+                            <a:rPr lang="pt-BR" i="1" smtClean="0">
+                              <a:latin typeface="Cambria Math" panose="02040503050406030204" pitchFamily="18" charset="0"/>
+                            </a:rPr>
+                          </m:ctrlPr>
+                        </m:sSubPr>
+                        <m:e>
+                          <m:r>
+                            <a:rPr lang="pt-BR" b="0" i="1" smtClean="0">
+                              <a:latin typeface="Cambria Math" panose="02040503050406030204" pitchFamily="18" charset="0"/>
+                            </a:rPr>
+                            <m:t>𝑥</m:t>
+                          </m:r>
+                        </m:e>
+                        <m:sub>
+                          <m:r>
+                            <a:rPr lang="pt-BR" b="0" i="1" smtClean="0">
+                              <a:latin typeface="Cambria Math" panose="02040503050406030204" pitchFamily="18" charset="0"/>
+                            </a:rPr>
+                            <m:t>2</m:t>
+                          </m:r>
+                        </m:sub>
+                      </m:sSub>
+                    </m:oMath>
+                  </m:oMathPara>
+                </a14:m>
+                <a:endParaRPr lang="pt-BR" dirty="0"/>
+              </a:p>
+            </p:txBody>
+          </p:sp>
+        </mc:Choice>
+        <mc:Fallback>
+          <p:sp>
+            <p:nvSpPr>
+              <p:cNvPr id="89" name="CaixaDeTexto 88">
+                <a:extLst>
+                  <a:ext uri="{FF2B5EF4-FFF2-40B4-BE49-F238E27FC236}">
+                    <a16:creationId xmlns:a16="http://schemas.microsoft.com/office/drawing/2014/main" id="{2A6BCE2C-1F0E-0DA8-3BDD-5FCC74BC676A}"/>
+                  </a:ext>
+                </a:extLst>
+              </p:cNvPr>
+              <p:cNvSpPr txBox="1">
+                <a:spLocks noRot="1" noChangeAspect="1" noMove="1" noResize="1" noEditPoints="1" noAdjustHandles="1" noChangeArrowheads="1" noChangeShapeType="1" noTextEdit="1"/>
+              </p:cNvSpPr>
+              <p:nvPr/>
+            </p:nvSpPr>
+            <p:spPr>
+              <a:xfrm>
+                <a:off x="5928350" y="4583276"/>
+                <a:ext cx="266702" cy="369332"/>
+              </a:xfrm>
+              <a:prstGeom prst="rect">
+                <a:avLst/>
+              </a:prstGeom>
+              <a:blipFill>
+                <a:blip r:embed="rId5"/>
+                <a:stretch>
+                  <a:fillRect r="-38636"/>
+                </a:stretch>
+              </a:blipFill>
+            </p:spPr>
+            <p:txBody>
+              <a:bodyPr/>
+              <a:lstStyle/>
+              <a:p>
+                <a:r>
+                  <a:rPr lang="pt-BR">
+                    <a:noFill/>
+                  </a:rPr>
+                  <a:t> </a:t>
+                </a:r>
+              </a:p>
+            </p:txBody>
+          </p:sp>
+        </mc:Fallback>
+      </mc:AlternateContent>
+      <mc:AlternateContent xmlns:mc="http://schemas.openxmlformats.org/markup-compatibility/2006">
+        <mc:Choice xmlns:a14="http://schemas.microsoft.com/office/drawing/2010/main" Requires="a14">
+          <p:sp>
+            <p:nvSpPr>
+              <p:cNvPr id="90" name="CaixaDeTexto 89">
+                <a:extLst>
+                  <a:ext uri="{FF2B5EF4-FFF2-40B4-BE49-F238E27FC236}">
+                    <a16:creationId xmlns:a16="http://schemas.microsoft.com/office/drawing/2014/main" id="{5CA99F38-45BE-B8D7-535B-8352A60FF0C8}"/>
+                  </a:ext>
+                </a:extLst>
+              </p:cNvPr>
+              <p:cNvSpPr txBox="1"/>
+              <p:nvPr/>
+            </p:nvSpPr>
+            <p:spPr>
+              <a:xfrm>
+                <a:off x="9258282" y="3541172"/>
+                <a:ext cx="266702" cy="369332"/>
+              </a:xfrm>
+              <a:prstGeom prst="rect">
+                <a:avLst/>
+              </a:prstGeom>
+              <a:noFill/>
+            </p:spPr>
+            <p:txBody>
+              <a:bodyPr wrap="square" rtlCol="0">
+                <a:spAutoFit/>
+              </a:bodyPr>
+              <a:lstStyle/>
+              <a:p>
+                <a:pPr/>
+                <a14:m>
+                  <m:oMathPara xmlns:m="http://schemas.openxmlformats.org/officeDocument/2006/math">
+                    <m:oMathParaPr>
+                      <m:jc m:val="centerGroup"/>
+                    </m:oMathParaPr>
+                    <m:oMath xmlns:m="http://schemas.openxmlformats.org/officeDocument/2006/math">
+                      <m:sSub>
+                        <m:sSubPr>
+                          <m:ctrlPr>
+                            <a:rPr lang="pt-BR" i="1" smtClean="0">
+                              <a:latin typeface="Cambria Math" panose="02040503050406030204" pitchFamily="18" charset="0"/>
+                            </a:rPr>
+                          </m:ctrlPr>
+                        </m:sSubPr>
+                        <m:e>
+                          <m:r>
+                            <a:rPr lang="pt-BR" b="0" i="1" smtClean="0">
+                              <a:latin typeface="Cambria Math" panose="02040503050406030204" pitchFamily="18" charset="0"/>
+                            </a:rPr>
+                            <m:t>𝑦</m:t>
+                          </m:r>
+                        </m:e>
+                        <m:sub>
+                          <m:r>
+                            <a:rPr lang="pt-BR" b="0" i="1" smtClean="0">
+                              <a:latin typeface="Cambria Math" panose="02040503050406030204" pitchFamily="18" charset="0"/>
+                            </a:rPr>
+                            <m:t>1</m:t>
+                          </m:r>
+                        </m:sub>
+                      </m:sSub>
+                    </m:oMath>
+                  </m:oMathPara>
+                </a14:m>
+                <a:endParaRPr lang="pt-BR" dirty="0"/>
+              </a:p>
+            </p:txBody>
+          </p:sp>
+        </mc:Choice>
+        <mc:Fallback>
+          <p:sp>
+            <p:nvSpPr>
+              <p:cNvPr id="90" name="CaixaDeTexto 89">
+                <a:extLst>
+                  <a:ext uri="{FF2B5EF4-FFF2-40B4-BE49-F238E27FC236}">
+                    <a16:creationId xmlns:a16="http://schemas.microsoft.com/office/drawing/2014/main" id="{5CA99F38-45BE-B8D7-535B-8352A60FF0C8}"/>
+                  </a:ext>
+                </a:extLst>
+              </p:cNvPr>
+              <p:cNvSpPr txBox="1">
+                <a:spLocks noRot="1" noChangeAspect="1" noMove="1" noResize="1" noEditPoints="1" noAdjustHandles="1" noChangeArrowheads="1" noChangeShapeType="1" noTextEdit="1"/>
+              </p:cNvSpPr>
+              <p:nvPr/>
+            </p:nvSpPr>
+            <p:spPr>
+              <a:xfrm>
+                <a:off x="9258282" y="3541172"/>
+                <a:ext cx="266702" cy="369332"/>
+              </a:xfrm>
+              <a:prstGeom prst="rect">
+                <a:avLst/>
+              </a:prstGeom>
+              <a:blipFill>
+                <a:blip r:embed="rId6"/>
+                <a:stretch>
+                  <a:fillRect r="-37209" b="-6667"/>
+                </a:stretch>
+              </a:blipFill>
+            </p:spPr>
+            <p:txBody>
+              <a:bodyPr/>
+              <a:lstStyle/>
+              <a:p>
+                <a:r>
+                  <a:rPr lang="pt-BR">
+                    <a:noFill/>
+                  </a:rPr>
+                  <a:t> </a:t>
+                </a:r>
+              </a:p>
+            </p:txBody>
+          </p:sp>
+        </mc:Fallback>
+      </mc:AlternateContent>
+      <mc:AlternateContent xmlns:mc="http://schemas.openxmlformats.org/markup-compatibility/2006">
+        <mc:Choice xmlns:a14="http://schemas.microsoft.com/office/drawing/2010/main" Requires="a14">
+          <p:sp>
+            <p:nvSpPr>
+              <p:cNvPr id="91" name="CaixaDeTexto 90">
+                <a:extLst>
+                  <a:ext uri="{FF2B5EF4-FFF2-40B4-BE49-F238E27FC236}">
+                    <a16:creationId xmlns:a16="http://schemas.microsoft.com/office/drawing/2014/main" id="{EB5B6839-2436-F44A-5F15-E4ADFF43C70D}"/>
+                  </a:ext>
+                </a:extLst>
+              </p:cNvPr>
+              <p:cNvSpPr txBox="1"/>
+              <p:nvPr/>
+            </p:nvSpPr>
+            <p:spPr>
+              <a:xfrm>
+                <a:off x="9258282" y="4251665"/>
+                <a:ext cx="266702" cy="369332"/>
+              </a:xfrm>
+              <a:prstGeom prst="rect">
+                <a:avLst/>
+              </a:prstGeom>
+              <a:noFill/>
+            </p:spPr>
+            <p:txBody>
+              <a:bodyPr wrap="square" rtlCol="0">
+                <a:spAutoFit/>
+              </a:bodyPr>
+              <a:lstStyle/>
+              <a:p>
+                <a:pPr/>
+                <a14:m>
+                  <m:oMathPara xmlns:m="http://schemas.openxmlformats.org/officeDocument/2006/math">
+                    <m:oMathParaPr>
+                      <m:jc m:val="centerGroup"/>
+                    </m:oMathParaPr>
+                    <m:oMath xmlns:m="http://schemas.openxmlformats.org/officeDocument/2006/math">
+                      <m:sSub>
+                        <m:sSubPr>
+                          <m:ctrlPr>
+                            <a:rPr lang="pt-BR" i="1" smtClean="0">
+                              <a:latin typeface="Cambria Math" panose="02040503050406030204" pitchFamily="18" charset="0"/>
+                            </a:rPr>
+                          </m:ctrlPr>
+                        </m:sSubPr>
+                        <m:e>
+                          <m:r>
+                            <a:rPr lang="pt-BR" b="0" i="1" smtClean="0">
+                              <a:latin typeface="Cambria Math" panose="02040503050406030204" pitchFamily="18" charset="0"/>
+                            </a:rPr>
+                            <m:t>𝑦</m:t>
+                          </m:r>
+                        </m:e>
+                        <m:sub>
+                          <m:r>
+                            <a:rPr lang="pt-BR" b="0" i="1" smtClean="0">
+                              <a:latin typeface="Cambria Math" panose="02040503050406030204" pitchFamily="18" charset="0"/>
+                            </a:rPr>
+                            <m:t>2</m:t>
+                          </m:r>
+                        </m:sub>
+                      </m:sSub>
+                    </m:oMath>
+                  </m:oMathPara>
+                </a14:m>
+                <a:endParaRPr lang="pt-BR" dirty="0"/>
+              </a:p>
+            </p:txBody>
+          </p:sp>
+        </mc:Choice>
+        <mc:Fallback>
+          <p:sp>
+            <p:nvSpPr>
+              <p:cNvPr id="91" name="CaixaDeTexto 90">
+                <a:extLst>
+                  <a:ext uri="{FF2B5EF4-FFF2-40B4-BE49-F238E27FC236}">
+                    <a16:creationId xmlns:a16="http://schemas.microsoft.com/office/drawing/2014/main" id="{EB5B6839-2436-F44A-5F15-E4ADFF43C70D}"/>
+                  </a:ext>
+                </a:extLst>
+              </p:cNvPr>
+              <p:cNvSpPr txBox="1">
+                <a:spLocks noRot="1" noChangeAspect="1" noMove="1" noResize="1" noEditPoints="1" noAdjustHandles="1" noChangeArrowheads="1" noChangeShapeType="1" noTextEdit="1"/>
+              </p:cNvSpPr>
+              <p:nvPr/>
+            </p:nvSpPr>
+            <p:spPr>
+              <a:xfrm>
+                <a:off x="9258282" y="4251665"/>
+                <a:ext cx="266702" cy="369332"/>
+              </a:xfrm>
+              <a:prstGeom prst="rect">
+                <a:avLst/>
+              </a:prstGeom>
+              <a:blipFill>
+                <a:blip r:embed="rId7"/>
+                <a:stretch>
+                  <a:fillRect r="-39535" b="-6557"/>
+                </a:stretch>
+              </a:blipFill>
+            </p:spPr>
+            <p:txBody>
+              <a:bodyPr/>
+              <a:lstStyle/>
+              <a:p>
+                <a:r>
+                  <a:rPr lang="pt-BR">
+                    <a:noFill/>
+                  </a:rPr>
+                  <a:t> </a:t>
+                </a:r>
+              </a:p>
+            </p:txBody>
+          </p:sp>
+        </mc:Fallback>
+      </mc:AlternateContent>
+    </p:spTree>
+    <p:extLst>
+      <p:ext uri="{BB962C8B-B14F-4D97-AF65-F5344CB8AC3E}">
+        <p14:creationId xmlns:p14="http://schemas.microsoft.com/office/powerpoint/2010/main" val="2062136767"/>
       </p:ext>
     </p:extLst>
   </p:cSld>
@@ -32014,15 +36282,7 @@
               <a:p>
                 <a:r>
                   <a:rPr lang="pt-BR" dirty="0"/>
-                  <a:t>O </a:t>
-                </a:r>
-                <a:r>
-                  <a:rPr lang="pt-BR" dirty="0" err="1"/>
-                  <a:t>Tensorflow</a:t>
-                </a:r>
-                <a:r>
-                  <a:rPr lang="pt-BR" dirty="0"/>
-                  <a:t> espera que o conjunto de dados sejam </a:t>
+                  <a:t>O Tensorflow espera que o conjunto de dados sejam </a:t>
                 </a:r>
                 <a:r>
                   <a:rPr lang="pt-BR" i="1" dirty="0" err="1"/>
@@ -37103,6 +41363,236 @@
           </p:sp>
         </mc:Fallback>
       </mc:AlternateContent>
+      <mc:AlternateContent xmlns:mc="http://schemas.openxmlformats.org/markup-compatibility/2006">
+        <mc:Choice xmlns:a14="http://schemas.microsoft.com/office/drawing/2010/main" Requires="a14">
+          <p:sp>
+            <p:nvSpPr>
+              <p:cNvPr id="6" name="CaixaDeTexto 5">
+                <a:extLst>
+                  <a:ext uri="{FF2B5EF4-FFF2-40B4-BE49-F238E27FC236}">
+                    <a16:creationId xmlns:a16="http://schemas.microsoft.com/office/drawing/2014/main" id="{51509603-7149-245B-A616-80929F56DD4C}"/>
+                  </a:ext>
+                </a:extLst>
+              </p:cNvPr>
+              <p:cNvSpPr txBox="1"/>
+              <p:nvPr/>
+            </p:nvSpPr>
+            <p:spPr>
+              <a:xfrm>
+                <a:off x="4268107" y="3429389"/>
+                <a:ext cx="266702" cy="369332"/>
+              </a:xfrm>
+              <a:prstGeom prst="rect">
+                <a:avLst/>
+              </a:prstGeom>
+              <a:noFill/>
+            </p:spPr>
+            <p:txBody>
+              <a:bodyPr wrap="square" rtlCol="0">
+                <a:spAutoFit/>
+              </a:bodyPr>
+              <a:lstStyle/>
+              <a:p>
+                <a:pPr/>
+                <a14:m>
+                  <m:oMathPara xmlns:m="http://schemas.openxmlformats.org/officeDocument/2006/math">
+                    <m:oMathParaPr>
+                      <m:jc m:val="centerGroup"/>
+                    </m:oMathParaPr>
+                    <m:oMath xmlns:m="http://schemas.openxmlformats.org/officeDocument/2006/math">
+                      <m:sSub>
+                        <m:sSubPr>
+                          <m:ctrlPr>
+                            <a:rPr lang="pt-BR" i="1" smtClean="0">
+                              <a:latin typeface="Cambria Math" panose="02040503050406030204" pitchFamily="18" charset="0"/>
+                            </a:rPr>
+                          </m:ctrlPr>
+                        </m:sSubPr>
+                        <m:e>
+                          <m:r>
+                            <a:rPr lang="pt-BR" b="0" i="1" smtClean="0">
+                              <a:latin typeface="Cambria Math" panose="02040503050406030204" pitchFamily="18" charset="0"/>
+                            </a:rPr>
+                            <m:t>𝑦</m:t>
+                          </m:r>
+                        </m:e>
+                        <m:sub>
+                          <m:r>
+                            <a:rPr lang="pt-BR" b="0" i="1" smtClean="0">
+                              <a:latin typeface="Cambria Math" panose="02040503050406030204" pitchFamily="18" charset="0"/>
+                            </a:rPr>
+                            <m:t>1</m:t>
+                          </m:r>
+                        </m:sub>
+                      </m:sSub>
+                    </m:oMath>
+                  </m:oMathPara>
+                </a14:m>
+                <a:endParaRPr lang="pt-BR" dirty="0"/>
+              </a:p>
+            </p:txBody>
+          </p:sp>
+        </mc:Choice>
+        <mc:Fallback>
+          <p:sp>
+            <p:nvSpPr>
+              <p:cNvPr id="6" name="CaixaDeTexto 5">
+                <a:extLst>
+                  <a:ext uri="{FF2B5EF4-FFF2-40B4-BE49-F238E27FC236}">
+                    <a16:creationId xmlns:a16="http://schemas.microsoft.com/office/drawing/2014/main" id="{51509603-7149-245B-A616-80929F56DD4C}"/>
+                  </a:ext>
+                </a:extLst>
+              </p:cNvPr>
+              <p:cNvSpPr txBox="1">
+                <a:spLocks noRot="1" noChangeAspect="1" noMove="1" noResize="1" noEditPoints="1" noAdjustHandles="1" noChangeArrowheads="1" noChangeShapeType="1" noTextEdit="1"/>
+              </p:cNvSpPr>
+              <p:nvPr/>
+            </p:nvSpPr>
+            <p:spPr>
+              <a:xfrm>
+                <a:off x="4268107" y="3429389"/>
+                <a:ext cx="266702" cy="369332"/>
+              </a:xfrm>
+              <a:prstGeom prst="rect">
+                <a:avLst/>
+              </a:prstGeom>
+              <a:blipFill>
+                <a:blip r:embed="rId4"/>
+                <a:stretch>
+                  <a:fillRect r="-36364" b="-6667"/>
+                </a:stretch>
+              </a:blipFill>
+            </p:spPr>
+            <p:txBody>
+              <a:bodyPr/>
+              <a:lstStyle/>
+              <a:p>
+                <a:r>
+                  <a:rPr lang="pt-BR">
+                    <a:noFill/>
+                  </a:rPr>
+                  <a:t> </a:t>
+                </a:r>
+              </a:p>
+            </p:txBody>
+          </p:sp>
+        </mc:Fallback>
+      </mc:AlternateContent>
+      <mc:AlternateContent xmlns:mc="http://schemas.openxmlformats.org/markup-compatibility/2006">
+        <mc:Choice xmlns:a14="http://schemas.microsoft.com/office/drawing/2010/main" Requires="a14">
+          <p:sp>
+            <p:nvSpPr>
+              <p:cNvPr id="7" name="CaixaDeTexto 6">
+                <a:extLst>
+                  <a:ext uri="{FF2B5EF4-FFF2-40B4-BE49-F238E27FC236}">
+                    <a16:creationId xmlns:a16="http://schemas.microsoft.com/office/drawing/2014/main" id="{A25DD31E-6264-57BF-559E-7FB4B5DC68E2}"/>
+                  </a:ext>
+                </a:extLst>
+              </p:cNvPr>
+              <p:cNvSpPr txBox="1"/>
+              <p:nvPr/>
+            </p:nvSpPr>
+            <p:spPr>
+              <a:xfrm>
+                <a:off x="4268107" y="4139882"/>
+                <a:ext cx="266702" cy="369332"/>
+              </a:xfrm>
+              <a:prstGeom prst="rect">
+                <a:avLst/>
+              </a:prstGeom>
+              <a:noFill/>
+            </p:spPr>
+            <p:txBody>
+              <a:bodyPr wrap="square" rtlCol="0">
+                <a:spAutoFit/>
+              </a:bodyPr>
+              <a:lstStyle/>
+              <a:p>
+                <a:pPr/>
+                <a14:m>
+                  <m:oMathPara xmlns:m="http://schemas.openxmlformats.org/officeDocument/2006/math">
+                    <m:oMathParaPr>
+                      <m:jc m:val="centerGroup"/>
+                    </m:oMathParaPr>
+                    <m:oMath xmlns:m="http://schemas.openxmlformats.org/officeDocument/2006/math">
+                      <m:sSub>
+                        <m:sSubPr>
+                          <m:ctrlPr>
+                            <a:rPr lang="pt-BR" i="1" smtClean="0">
+                              <a:latin typeface="Cambria Math" panose="02040503050406030204" pitchFamily="18" charset="0"/>
+                            </a:rPr>
+                          </m:ctrlPr>
+                        </m:sSubPr>
+                        <m:e>
+                          <m:r>
+                            <a:rPr lang="pt-BR" b="0" i="1" smtClean="0">
+                              <a:latin typeface="Cambria Math" panose="02040503050406030204" pitchFamily="18" charset="0"/>
+                            </a:rPr>
+                            <m:t>𝑦</m:t>
+                          </m:r>
+                        </m:e>
+                        <m:sub>
+                          <m:r>
+                            <a:rPr lang="pt-BR" b="0" i="1" smtClean="0">
+                              <a:latin typeface="Cambria Math" panose="02040503050406030204" pitchFamily="18" charset="0"/>
+                            </a:rPr>
+                            <m:t>2</m:t>
+                          </m:r>
+                        </m:sub>
+                      </m:sSub>
+                    </m:oMath>
+                  </m:oMathPara>
+                </a14:m>
+                <a:endParaRPr lang="pt-BR" dirty="0"/>
+              </a:p>
+            </p:txBody>
+          </p:sp>
+        </mc:Choice>
+        <mc:Fallback>
+          <p:sp>
+            <p:nvSpPr>
+              <p:cNvPr id="7" name="CaixaDeTexto 6">
+                <a:extLst>
+                  <a:ext uri="{FF2B5EF4-FFF2-40B4-BE49-F238E27FC236}">
+                    <a16:creationId xmlns:a16="http://schemas.microsoft.com/office/drawing/2014/main" id="{A25DD31E-6264-57BF-559E-7FB4B5DC68E2}"/>
+                  </a:ext>
+                </a:extLst>
+              </p:cNvPr>
+              <p:cNvSpPr txBox="1">
+                <a:spLocks noRot="1" noChangeAspect="1" noMove="1" noResize="1" noEditPoints="1" noAdjustHandles="1" noChangeArrowheads="1" noChangeShapeType="1" noTextEdit="1"/>
+              </p:cNvSpPr>
+              <p:nvPr/>
+            </p:nvSpPr>
+            <p:spPr>
+              <a:xfrm>
+                <a:off x="4268107" y="4139882"/>
+                <a:ext cx="266702" cy="369332"/>
+              </a:xfrm>
+              <a:prstGeom prst="rect">
+                <a:avLst/>
+              </a:prstGeom>
+              <a:blipFill>
+                <a:blip r:embed="rId5"/>
+                <a:stretch>
+                  <a:fillRect r="-38636" b="-6557"/>
+                </a:stretch>
+              </a:blipFill>
+            </p:spPr>
+            <p:txBody>
+              <a:bodyPr/>
+              <a:lstStyle/>
+              <a:p>
+                <a:r>
+                  <a:rPr lang="pt-BR">
+                    <a:noFill/>
+                  </a:rPr>
+                  <a:t> </a:t>
+                </a:r>
+              </a:p>
+            </p:txBody>
+          </p:sp>
+        </mc:Fallback>
+      </mc:AlternateContent>
     </p:spTree>
     <p:extLst>
       <p:ext uri="{BB962C8B-B14F-4D97-AF65-F5344CB8AC3E}">
@@ -39302,6 +43792,236 @@
           </p:sp>
         </mc:Fallback>
       </mc:AlternateContent>
+      <mc:AlternateContent xmlns:mc="http://schemas.openxmlformats.org/markup-compatibility/2006">
+        <mc:Choice xmlns:a14="http://schemas.microsoft.com/office/drawing/2010/main" Requires="a14">
+          <p:sp>
+            <p:nvSpPr>
+              <p:cNvPr id="29" name="CaixaDeTexto 28">
+                <a:extLst>
+                  <a:ext uri="{FF2B5EF4-FFF2-40B4-BE49-F238E27FC236}">
+                    <a16:creationId xmlns:a16="http://schemas.microsoft.com/office/drawing/2014/main" id="{00D4E166-1E6B-E6D5-E031-F93FB83A0DA4}"/>
+                  </a:ext>
+                </a:extLst>
+              </p:cNvPr>
+              <p:cNvSpPr txBox="1"/>
+              <p:nvPr/>
+            </p:nvSpPr>
+            <p:spPr>
+              <a:xfrm>
+                <a:off x="4261760" y="3429000"/>
+                <a:ext cx="266702" cy="369332"/>
+              </a:xfrm>
+              <a:prstGeom prst="rect">
+                <a:avLst/>
+              </a:prstGeom>
+              <a:noFill/>
+            </p:spPr>
+            <p:txBody>
+              <a:bodyPr wrap="square" rtlCol="0">
+                <a:spAutoFit/>
+              </a:bodyPr>
+              <a:lstStyle/>
+              <a:p>
+                <a:pPr/>
+                <a14:m>
+                  <m:oMathPara xmlns:m="http://schemas.openxmlformats.org/officeDocument/2006/math">
+                    <m:oMathParaPr>
+                      <m:jc m:val="centerGroup"/>
+                    </m:oMathParaPr>
+                    <m:oMath xmlns:m="http://schemas.openxmlformats.org/officeDocument/2006/math">
+                      <m:sSub>
+                        <m:sSubPr>
+                          <m:ctrlPr>
+                            <a:rPr lang="pt-BR" i="1" smtClean="0">
+                              <a:latin typeface="Cambria Math" panose="02040503050406030204" pitchFamily="18" charset="0"/>
+                            </a:rPr>
+                          </m:ctrlPr>
+                        </m:sSubPr>
+                        <m:e>
+                          <m:r>
+                            <a:rPr lang="pt-BR" b="0" i="1" smtClean="0">
+                              <a:latin typeface="Cambria Math" panose="02040503050406030204" pitchFamily="18" charset="0"/>
+                            </a:rPr>
+                            <m:t>𝑦</m:t>
+                          </m:r>
+                        </m:e>
+                        <m:sub>
+                          <m:r>
+                            <a:rPr lang="pt-BR" b="0" i="1" smtClean="0">
+                              <a:latin typeface="Cambria Math" panose="02040503050406030204" pitchFamily="18" charset="0"/>
+                            </a:rPr>
+                            <m:t>1</m:t>
+                          </m:r>
+                        </m:sub>
+                      </m:sSub>
+                    </m:oMath>
+                  </m:oMathPara>
+                </a14:m>
+                <a:endParaRPr lang="pt-BR" dirty="0"/>
+              </a:p>
+            </p:txBody>
+          </p:sp>
+        </mc:Choice>
+        <mc:Fallback>
+          <p:sp>
+            <p:nvSpPr>
+              <p:cNvPr id="29" name="CaixaDeTexto 28">
+                <a:extLst>
+                  <a:ext uri="{FF2B5EF4-FFF2-40B4-BE49-F238E27FC236}">
+                    <a16:creationId xmlns:a16="http://schemas.microsoft.com/office/drawing/2014/main" id="{00D4E166-1E6B-E6D5-E031-F93FB83A0DA4}"/>
+                  </a:ext>
+                </a:extLst>
+              </p:cNvPr>
+              <p:cNvSpPr txBox="1">
+                <a:spLocks noRot="1" noChangeAspect="1" noMove="1" noResize="1" noEditPoints="1" noAdjustHandles="1" noChangeArrowheads="1" noChangeShapeType="1" noTextEdit="1"/>
+              </p:cNvSpPr>
+              <p:nvPr/>
+            </p:nvSpPr>
+            <p:spPr>
+              <a:xfrm>
+                <a:off x="4261760" y="3429000"/>
+                <a:ext cx="266702" cy="369332"/>
+              </a:xfrm>
+              <a:prstGeom prst="rect">
+                <a:avLst/>
+              </a:prstGeom>
+              <a:blipFill>
+                <a:blip r:embed="rId4"/>
+                <a:stretch>
+                  <a:fillRect r="-36364" b="-6667"/>
+                </a:stretch>
+              </a:blipFill>
+            </p:spPr>
+            <p:txBody>
+              <a:bodyPr/>
+              <a:lstStyle/>
+              <a:p>
+                <a:r>
+                  <a:rPr lang="pt-BR">
+                    <a:noFill/>
+                  </a:rPr>
+                  <a:t> </a:t>
+                </a:r>
+              </a:p>
+            </p:txBody>
+          </p:sp>
+        </mc:Fallback>
+      </mc:AlternateContent>
+      <mc:AlternateContent xmlns:mc="http://schemas.openxmlformats.org/markup-compatibility/2006">
+        <mc:Choice xmlns:a14="http://schemas.microsoft.com/office/drawing/2010/main" Requires="a14">
+          <p:sp>
+            <p:nvSpPr>
+              <p:cNvPr id="31" name="CaixaDeTexto 30">
+                <a:extLst>
+                  <a:ext uri="{FF2B5EF4-FFF2-40B4-BE49-F238E27FC236}">
+                    <a16:creationId xmlns:a16="http://schemas.microsoft.com/office/drawing/2014/main" id="{B5725D21-137D-3E16-180E-D723080FD984}"/>
+                  </a:ext>
+                </a:extLst>
+              </p:cNvPr>
+              <p:cNvSpPr txBox="1"/>
+              <p:nvPr/>
+            </p:nvSpPr>
+            <p:spPr>
+              <a:xfrm>
+                <a:off x="4261760" y="4139493"/>
+                <a:ext cx="266702" cy="369332"/>
+              </a:xfrm>
+              <a:prstGeom prst="rect">
+                <a:avLst/>
+              </a:prstGeom>
+              <a:noFill/>
+            </p:spPr>
+            <p:txBody>
+              <a:bodyPr wrap="square" rtlCol="0">
+                <a:spAutoFit/>
+              </a:bodyPr>
+              <a:lstStyle/>
+              <a:p>
+                <a:pPr/>
+                <a14:m>
+                  <m:oMathPara xmlns:m="http://schemas.openxmlformats.org/officeDocument/2006/math">
+                    <m:oMathParaPr>
+                      <m:jc m:val="centerGroup"/>
+                    </m:oMathParaPr>
+                    <m:oMath xmlns:m="http://schemas.openxmlformats.org/officeDocument/2006/math">
+                      <m:sSub>
+                        <m:sSubPr>
+                          <m:ctrlPr>
+                            <a:rPr lang="pt-BR" i="1" smtClean="0">
+                              <a:latin typeface="Cambria Math" panose="02040503050406030204" pitchFamily="18" charset="0"/>
+                            </a:rPr>
+                          </m:ctrlPr>
+                        </m:sSubPr>
+                        <m:e>
+                          <m:r>
+                            <a:rPr lang="pt-BR" b="0" i="1" smtClean="0">
+                              <a:latin typeface="Cambria Math" panose="02040503050406030204" pitchFamily="18" charset="0"/>
+                            </a:rPr>
+                            <m:t>𝑦</m:t>
+                          </m:r>
+                        </m:e>
+                        <m:sub>
+                          <m:r>
+                            <a:rPr lang="pt-BR" b="0" i="1" smtClean="0">
+                              <a:latin typeface="Cambria Math" panose="02040503050406030204" pitchFamily="18" charset="0"/>
+                            </a:rPr>
+                            <m:t>2</m:t>
+                          </m:r>
+                        </m:sub>
+                      </m:sSub>
+                    </m:oMath>
+                  </m:oMathPara>
+                </a14:m>
+                <a:endParaRPr lang="pt-BR" dirty="0"/>
+              </a:p>
+            </p:txBody>
+          </p:sp>
+        </mc:Choice>
+        <mc:Fallback>
+          <p:sp>
+            <p:nvSpPr>
+              <p:cNvPr id="31" name="CaixaDeTexto 30">
+                <a:extLst>
+                  <a:ext uri="{FF2B5EF4-FFF2-40B4-BE49-F238E27FC236}">
+                    <a16:creationId xmlns:a16="http://schemas.microsoft.com/office/drawing/2014/main" id="{B5725D21-137D-3E16-180E-D723080FD984}"/>
+                  </a:ext>
+                </a:extLst>
+              </p:cNvPr>
+              <p:cNvSpPr txBox="1">
+                <a:spLocks noRot="1" noChangeAspect="1" noMove="1" noResize="1" noEditPoints="1" noAdjustHandles="1" noChangeArrowheads="1" noChangeShapeType="1" noTextEdit="1"/>
+              </p:cNvSpPr>
+              <p:nvPr/>
+            </p:nvSpPr>
+            <p:spPr>
+              <a:xfrm>
+                <a:off x="4261760" y="4139493"/>
+                <a:ext cx="266702" cy="369332"/>
+              </a:xfrm>
+              <a:prstGeom prst="rect">
+                <a:avLst/>
+              </a:prstGeom>
+              <a:blipFill>
+                <a:blip r:embed="rId5"/>
+                <a:stretch>
+                  <a:fillRect r="-38636" b="-6557"/>
+                </a:stretch>
+              </a:blipFill>
+            </p:spPr>
+            <p:txBody>
+              <a:bodyPr/>
+              <a:lstStyle/>
+              <a:p>
+                <a:r>
+                  <a:rPr lang="pt-BR">
+                    <a:noFill/>
+                  </a:rPr>
+                  <a:t> </a:t>
+                </a:r>
+              </a:p>
+            </p:txBody>
+          </p:sp>
+        </mc:Fallback>
+      </mc:AlternateContent>
     </p:spTree>
     <p:extLst>
       <p:ext uri="{BB962C8B-B14F-4D97-AF65-F5344CB8AC3E}">
@@ -39408,15 +44128,7 @@
           <a:p>
             <a:r>
               <a:rPr lang="pt-BR" dirty="0"/>
-              <a:t>Na terminologia do </a:t>
-            </a:r>
-            <a:r>
-              <a:rPr lang="pt-BR" dirty="0" err="1"/>
-              <a:t>Tensorflow</a:t>
-            </a:r>
-            <a:r>
-              <a:rPr lang="pt-BR" dirty="0"/>
-              <a:t>, nós usamos o termo </a:t>
+              <a:t>Na terminologia do Tensorflow, nós usamos o termo </a:t>
             </a:r>
             <a:r>
               <a:rPr lang="pt-BR" b="1" i="1" dirty="0" err="1">
@@ -41608,6 +46320,236 @@
           </a:p>
         </p:txBody>
       </p:sp>
+      <mc:AlternateContent xmlns:mc="http://schemas.openxmlformats.org/markup-compatibility/2006">
+        <mc:Choice xmlns:a14="http://schemas.microsoft.com/office/drawing/2010/main" Requires="a14">
+          <p:sp>
+            <p:nvSpPr>
+              <p:cNvPr id="31" name="CaixaDeTexto 30">
+                <a:extLst>
+                  <a:ext uri="{FF2B5EF4-FFF2-40B4-BE49-F238E27FC236}">
+                    <a16:creationId xmlns:a16="http://schemas.microsoft.com/office/drawing/2014/main" id="{D098067F-41E5-A30D-0A56-7B5535338012}"/>
+                  </a:ext>
+                </a:extLst>
+              </p:cNvPr>
+              <p:cNvSpPr txBox="1"/>
+              <p:nvPr/>
+            </p:nvSpPr>
+            <p:spPr>
+              <a:xfrm>
+                <a:off x="4283525" y="3389441"/>
+                <a:ext cx="266702" cy="369332"/>
+              </a:xfrm>
+              <a:prstGeom prst="rect">
+                <a:avLst/>
+              </a:prstGeom>
+              <a:noFill/>
+            </p:spPr>
+            <p:txBody>
+              <a:bodyPr wrap="square" rtlCol="0">
+                <a:spAutoFit/>
+              </a:bodyPr>
+              <a:lstStyle/>
+              <a:p>
+                <a:pPr/>
+                <a14:m>
+                  <m:oMathPara xmlns:m="http://schemas.openxmlformats.org/officeDocument/2006/math">
+                    <m:oMathParaPr>
+                      <m:jc m:val="centerGroup"/>
+                    </m:oMathParaPr>
+                    <m:oMath xmlns:m="http://schemas.openxmlformats.org/officeDocument/2006/math">
+                      <m:sSub>
+                        <m:sSubPr>
+                          <m:ctrlPr>
+                            <a:rPr lang="pt-BR" i="1" smtClean="0">
+                              <a:latin typeface="Cambria Math" panose="02040503050406030204" pitchFamily="18" charset="0"/>
+                            </a:rPr>
+                          </m:ctrlPr>
+                        </m:sSubPr>
+                        <m:e>
+                          <m:r>
+                            <a:rPr lang="pt-BR" b="0" i="1" smtClean="0">
+                              <a:latin typeface="Cambria Math" panose="02040503050406030204" pitchFamily="18" charset="0"/>
+                            </a:rPr>
+                            <m:t>𝑦</m:t>
+                          </m:r>
+                        </m:e>
+                        <m:sub>
+                          <m:r>
+                            <a:rPr lang="pt-BR" b="0" i="1" smtClean="0">
+                              <a:latin typeface="Cambria Math" panose="02040503050406030204" pitchFamily="18" charset="0"/>
+                            </a:rPr>
+                            <m:t>1</m:t>
+                          </m:r>
+                        </m:sub>
+                      </m:sSub>
+                    </m:oMath>
+                  </m:oMathPara>
+                </a14:m>
+                <a:endParaRPr lang="pt-BR" dirty="0"/>
+              </a:p>
+            </p:txBody>
+          </p:sp>
+        </mc:Choice>
+        <mc:Fallback>
+          <p:sp>
+            <p:nvSpPr>
+              <p:cNvPr id="31" name="CaixaDeTexto 30">
+                <a:extLst>
+                  <a:ext uri="{FF2B5EF4-FFF2-40B4-BE49-F238E27FC236}">
+                    <a16:creationId xmlns:a16="http://schemas.microsoft.com/office/drawing/2014/main" id="{D098067F-41E5-A30D-0A56-7B5535338012}"/>
+                  </a:ext>
+                </a:extLst>
+              </p:cNvPr>
+              <p:cNvSpPr txBox="1">
+                <a:spLocks noRot="1" noChangeAspect="1" noMove="1" noResize="1" noEditPoints="1" noAdjustHandles="1" noChangeArrowheads="1" noChangeShapeType="1" noTextEdit="1"/>
+              </p:cNvSpPr>
+              <p:nvPr/>
+            </p:nvSpPr>
+            <p:spPr>
+              <a:xfrm>
+                <a:off x="4283525" y="3389441"/>
+                <a:ext cx="266702" cy="369332"/>
+              </a:xfrm>
+              <a:prstGeom prst="rect">
+                <a:avLst/>
+              </a:prstGeom>
+              <a:blipFill>
+                <a:blip r:embed="rId4"/>
+                <a:stretch>
+                  <a:fillRect r="-37209" b="-6557"/>
+                </a:stretch>
+              </a:blipFill>
+            </p:spPr>
+            <p:txBody>
+              <a:bodyPr/>
+              <a:lstStyle/>
+              <a:p>
+                <a:r>
+                  <a:rPr lang="pt-BR">
+                    <a:noFill/>
+                  </a:rPr>
+                  <a:t> </a:t>
+                </a:r>
+              </a:p>
+            </p:txBody>
+          </p:sp>
+        </mc:Fallback>
+      </mc:AlternateContent>
+      <mc:AlternateContent xmlns:mc="http://schemas.openxmlformats.org/markup-compatibility/2006">
+        <mc:Choice xmlns:a14="http://schemas.microsoft.com/office/drawing/2010/main" Requires="a14">
+          <p:sp>
+            <p:nvSpPr>
+              <p:cNvPr id="33" name="CaixaDeTexto 32">
+                <a:extLst>
+                  <a:ext uri="{FF2B5EF4-FFF2-40B4-BE49-F238E27FC236}">
+                    <a16:creationId xmlns:a16="http://schemas.microsoft.com/office/drawing/2014/main" id="{6CBA627C-F78B-FE7B-C056-A886387A76B6}"/>
+                  </a:ext>
+                </a:extLst>
+              </p:cNvPr>
+              <p:cNvSpPr txBox="1"/>
+              <p:nvPr/>
+            </p:nvSpPr>
+            <p:spPr>
+              <a:xfrm>
+                <a:off x="4283525" y="4099934"/>
+                <a:ext cx="266702" cy="369332"/>
+              </a:xfrm>
+              <a:prstGeom prst="rect">
+                <a:avLst/>
+              </a:prstGeom>
+              <a:noFill/>
+            </p:spPr>
+            <p:txBody>
+              <a:bodyPr wrap="square" rtlCol="0">
+                <a:spAutoFit/>
+              </a:bodyPr>
+              <a:lstStyle/>
+              <a:p>
+                <a:pPr/>
+                <a14:m>
+                  <m:oMathPara xmlns:m="http://schemas.openxmlformats.org/officeDocument/2006/math">
+                    <m:oMathParaPr>
+                      <m:jc m:val="centerGroup"/>
+                    </m:oMathParaPr>
+                    <m:oMath xmlns:m="http://schemas.openxmlformats.org/officeDocument/2006/math">
+                      <m:sSub>
+                        <m:sSubPr>
+                          <m:ctrlPr>
+                            <a:rPr lang="pt-BR" i="1" smtClean="0">
+                              <a:latin typeface="Cambria Math" panose="02040503050406030204" pitchFamily="18" charset="0"/>
+                            </a:rPr>
+                          </m:ctrlPr>
+                        </m:sSubPr>
+                        <m:e>
+                          <m:r>
+                            <a:rPr lang="pt-BR" b="0" i="1" smtClean="0">
+                              <a:latin typeface="Cambria Math" panose="02040503050406030204" pitchFamily="18" charset="0"/>
+                            </a:rPr>
+                            <m:t>𝑦</m:t>
+                          </m:r>
+                        </m:e>
+                        <m:sub>
+                          <m:r>
+                            <a:rPr lang="pt-BR" b="0" i="1" smtClean="0">
+                              <a:latin typeface="Cambria Math" panose="02040503050406030204" pitchFamily="18" charset="0"/>
+                            </a:rPr>
+                            <m:t>2</m:t>
+                          </m:r>
+                        </m:sub>
+                      </m:sSub>
+                    </m:oMath>
+                  </m:oMathPara>
+                </a14:m>
+                <a:endParaRPr lang="pt-BR" dirty="0"/>
+              </a:p>
+            </p:txBody>
+          </p:sp>
+        </mc:Choice>
+        <mc:Fallback>
+          <p:sp>
+            <p:nvSpPr>
+              <p:cNvPr id="33" name="CaixaDeTexto 32">
+                <a:extLst>
+                  <a:ext uri="{FF2B5EF4-FFF2-40B4-BE49-F238E27FC236}">
+                    <a16:creationId xmlns:a16="http://schemas.microsoft.com/office/drawing/2014/main" id="{6CBA627C-F78B-FE7B-C056-A886387A76B6}"/>
+                  </a:ext>
+                </a:extLst>
+              </p:cNvPr>
+              <p:cNvSpPr txBox="1">
+                <a:spLocks noRot="1" noChangeAspect="1" noMove="1" noResize="1" noEditPoints="1" noAdjustHandles="1" noChangeArrowheads="1" noChangeShapeType="1" noTextEdit="1"/>
+              </p:cNvSpPr>
+              <p:nvPr/>
+            </p:nvSpPr>
+            <p:spPr>
+              <a:xfrm>
+                <a:off x="4283525" y="4099934"/>
+                <a:ext cx="266702" cy="369332"/>
+              </a:xfrm>
+              <a:prstGeom prst="rect">
+                <a:avLst/>
+              </a:prstGeom>
+              <a:blipFill>
+                <a:blip r:embed="rId5"/>
+                <a:stretch>
+                  <a:fillRect r="-39535" b="-6667"/>
+                </a:stretch>
+              </a:blipFill>
+            </p:spPr>
+            <p:txBody>
+              <a:bodyPr/>
+              <a:lstStyle/>
+              <a:p>
+                <a:r>
+                  <a:rPr lang="pt-BR">
+                    <a:noFill/>
+                  </a:rPr>
+                  <a:t> </a:t>
+                </a:r>
+              </a:p>
+            </p:txBody>
+          </p:sp>
+        </mc:Fallback>
+      </mc:AlternateContent>
     </p:spTree>
     <p:extLst>
       <p:ext uri="{BB962C8B-B14F-4D97-AF65-F5344CB8AC3E}">
